--- a/presentation/TEMPLATE_Open_Music_Eruope_WPx_Presentation_PartnerAcronym.pptx
+++ b/presentation/TEMPLATE_Open_Music_Eruope_WPx_Presentation_PartnerAcronym.pptx
@@ -5,52 +5,51 @@
     <p:sldMasterId id="2147483648" r:id="rId1"/>
   </p:sldMasterIdLst>
   <p:notesMasterIdLst>
-    <p:notesMasterId r:id="rId42"/>
+    <p:notesMasterId r:id="rId41"/>
   </p:notesMasterIdLst>
   <p:handoutMasterIdLst>
-    <p:handoutMasterId r:id="rId43"/>
+    <p:handoutMasterId r:id="rId42"/>
   </p:handoutMasterIdLst>
   <p:sldIdLst>
     <p:sldId id="320" r:id="rId2"/>
     <p:sldId id="350" r:id="rId3"/>
-    <p:sldId id="431" r:id="rId4"/>
-    <p:sldId id="432" r:id="rId5"/>
-    <p:sldId id="439" r:id="rId6"/>
-    <p:sldId id="445" r:id="rId7"/>
-    <p:sldId id="440" r:id="rId8"/>
-    <p:sldId id="441" r:id="rId9"/>
-    <p:sldId id="442" r:id="rId10"/>
-    <p:sldId id="443" r:id="rId11"/>
-    <p:sldId id="433" r:id="rId12"/>
-    <p:sldId id="434" r:id="rId13"/>
-    <p:sldId id="435" r:id="rId14"/>
-    <p:sldId id="316" r:id="rId15"/>
-    <p:sldId id="444" r:id="rId16"/>
-    <p:sldId id="404" r:id="rId17"/>
-    <p:sldId id="405" r:id="rId18"/>
-    <p:sldId id="334" r:id="rId19"/>
-    <p:sldId id="338" r:id="rId20"/>
-    <p:sldId id="310" r:id="rId21"/>
-    <p:sldId id="318" r:id="rId22"/>
-    <p:sldId id="326" r:id="rId23"/>
-    <p:sldId id="328" r:id="rId24"/>
-    <p:sldId id="317" r:id="rId25"/>
-    <p:sldId id="327" r:id="rId26"/>
-    <p:sldId id="329" r:id="rId27"/>
-    <p:sldId id="330" r:id="rId28"/>
-    <p:sldId id="359" r:id="rId29"/>
-    <p:sldId id="363" r:id="rId30"/>
-    <p:sldId id="364" r:id="rId31"/>
-    <p:sldId id="367" r:id="rId32"/>
-    <p:sldId id="366" r:id="rId33"/>
-    <p:sldId id="369" r:id="rId34"/>
-    <p:sldId id="333" r:id="rId35"/>
-    <p:sldId id="313" r:id="rId36"/>
-    <p:sldId id="321" r:id="rId37"/>
-    <p:sldId id="323" r:id="rId38"/>
-    <p:sldId id="324" r:id="rId39"/>
-    <p:sldId id="325" r:id="rId40"/>
-    <p:sldId id="349" r:id="rId41"/>
+    <p:sldId id="432" r:id="rId4"/>
+    <p:sldId id="439" r:id="rId5"/>
+    <p:sldId id="445" r:id="rId6"/>
+    <p:sldId id="440" r:id="rId7"/>
+    <p:sldId id="441" r:id="rId8"/>
+    <p:sldId id="442" r:id="rId9"/>
+    <p:sldId id="443" r:id="rId10"/>
+    <p:sldId id="433" r:id="rId11"/>
+    <p:sldId id="434" r:id="rId12"/>
+    <p:sldId id="435" r:id="rId13"/>
+    <p:sldId id="316" r:id="rId14"/>
+    <p:sldId id="444" r:id="rId15"/>
+    <p:sldId id="404" r:id="rId16"/>
+    <p:sldId id="405" r:id="rId17"/>
+    <p:sldId id="334" r:id="rId18"/>
+    <p:sldId id="338" r:id="rId19"/>
+    <p:sldId id="310" r:id="rId20"/>
+    <p:sldId id="318" r:id="rId21"/>
+    <p:sldId id="326" r:id="rId22"/>
+    <p:sldId id="328" r:id="rId23"/>
+    <p:sldId id="317" r:id="rId24"/>
+    <p:sldId id="327" r:id="rId25"/>
+    <p:sldId id="329" r:id="rId26"/>
+    <p:sldId id="330" r:id="rId27"/>
+    <p:sldId id="359" r:id="rId28"/>
+    <p:sldId id="363" r:id="rId29"/>
+    <p:sldId id="364" r:id="rId30"/>
+    <p:sldId id="367" r:id="rId31"/>
+    <p:sldId id="366" r:id="rId32"/>
+    <p:sldId id="369" r:id="rId33"/>
+    <p:sldId id="333" r:id="rId34"/>
+    <p:sldId id="313" r:id="rId35"/>
+    <p:sldId id="321" r:id="rId36"/>
+    <p:sldId id="323" r:id="rId37"/>
+    <p:sldId id="324" r:id="rId38"/>
+    <p:sldId id="325" r:id="rId39"/>
+    <p:sldId id="349" r:id="rId40"/>
   </p:sldIdLst>
   <p:sldSz cx="12192000" cy="6858000"/>
   <p:notesSz cx="6858000" cy="9144000"/>
@@ -4418,18 +4417,11 @@
           <a:p>
             <a:pPr algn="ctr"/>
             <a:r>
-              <a:rPr lang="en-GB" noProof="0" dirty="0" err="1">
-                <a:latin typeface="Roboto Black" panose="02000000000000000000" pitchFamily="2" charset="0"/>
-                <a:ea typeface="Roboto Black" panose="02000000000000000000" pitchFamily="2" charset="0"/>
-              </a:rPr>
-              <a:t>WPx</a:t>
-            </a:r>
-            <a:r>
               <a:rPr lang="en-GB" noProof="0" dirty="0">
                 <a:latin typeface="Roboto Black" panose="02000000000000000000" pitchFamily="2" charset="0"/>
                 <a:ea typeface="Roboto Black" panose="02000000000000000000" pitchFamily="2" charset="0"/>
               </a:rPr>
-              <a:t>: Name of the work package</a:t>
+              <a:t>WP5: Dissemination, communication and exploitation</a:t>
             </a:r>
             <a:endParaRPr lang="en-GB" dirty="0">
               <a:latin typeface="Roboto Black" panose="02000000000000000000" pitchFamily="2" charset="0"/>
@@ -4472,7 +4464,19 @@
               <a:rPr lang="en-GB" sz="2800" noProof="0" dirty="0" err="1">
                 <a:latin typeface="Roboto "/>
               </a:rPr>
-              <a:t>OrganisationAcronym</a:t>
+              <a:t>Reprex</a:t>
+            </a:r>
+            <a:r>
+              <a:rPr lang="en-GB" sz="2800" noProof="0" dirty="0">
+                <a:latin typeface="Roboto "/>
+              </a:rPr>
+              <a:t> </a:t>
+            </a:r>
+            <a:r>
+              <a:rPr lang="en-GB" sz="2800" noProof="0" dirty="0" err="1">
+                <a:latin typeface="Roboto "/>
+              </a:rPr>
+              <a:t>bv</a:t>
             </a:r>
             <a:endParaRPr lang="en-GB" sz="2800" noProof="0" dirty="0">
               <a:latin typeface="Roboto "/>
@@ -4491,25 +4495,14 @@
                 <a:latin typeface="Roboto" panose="02000000000000000000" pitchFamily="2" charset="0"/>
                 <a:ea typeface="Roboto" panose="02000000000000000000" pitchFamily="2" charset="0"/>
               </a:rPr>
-              <a:t>OrganisationAcronym</a:t>
+              <a:t>Synyo</a:t>
             </a:r>
             <a:r>
               <a:rPr lang="en-GB" sz="2800" noProof="0" dirty="0">
-                <a:latin typeface="Roboto "/>
+                <a:latin typeface="Roboto" panose="02000000000000000000" pitchFamily="2" charset="0"/>
+                <a:ea typeface="Roboto" panose="02000000000000000000" pitchFamily="2" charset="0"/>
               </a:rPr>
-              <a:t>, </a:t>
-            </a:r>
-            <a:r>
-              <a:rPr lang="en-GB" sz="2800" noProof="0" dirty="0" err="1">
-                <a:latin typeface="Roboto "/>
-              </a:rPr>
-              <a:t>OrganisationAcronym</a:t>
-            </a:r>
-            <a:r>
-              <a:rPr lang="en-GB" sz="2800" dirty="0">
-                <a:latin typeface="Roboto "/>
-              </a:rPr>
-              <a:t>…</a:t>
+              <a:t> GmbH</a:t>
             </a:r>
             <a:endParaRPr lang="en-GB" sz="2800" noProof="0" dirty="0">
               <a:latin typeface="Roboto "/>
@@ -4538,10 +4531,20 @@
           <a:bodyPr/>
           <a:lstStyle/>
           <a:p>
-            <a:endParaRPr lang="en-GB" dirty="0">
-              <a:latin typeface="Roboto" panose="02000000000000000000" pitchFamily="2" charset="0"/>
-              <a:ea typeface="Roboto" panose="02000000000000000000" pitchFamily="2" charset="0"/>
-            </a:endParaRPr>
+            <a:r>
+              <a:rPr lang="en-GB" dirty="0" err="1">
+                <a:latin typeface="Roboto" panose="02000000000000000000" pitchFamily="2" charset="0"/>
+                <a:ea typeface="Roboto" panose="02000000000000000000" pitchFamily="2" charset="0"/>
+              </a:rPr>
+              <a:t>Synyo</a:t>
+            </a:r>
+            <a:r>
+              <a:rPr lang="en-GB" dirty="0">
+                <a:latin typeface="Roboto" panose="02000000000000000000" pitchFamily="2" charset="0"/>
+                <a:ea typeface="Roboto" panose="02000000000000000000" pitchFamily="2" charset="0"/>
+              </a:rPr>
+              <a:t> GmbH</a:t>
+            </a:r>
           </a:p>
         </p:txBody>
       </p:sp>
@@ -4602,7 +4605,31 @@
               <a:rPr lang="en-GB" dirty="0">
                 <a:latin typeface="Roboto Condensed" panose="02000000000000000000" pitchFamily="2" charset="0"/>
               </a:rPr>
-              <a:t>Kickoff Meeting | VIRTUAL</a:t>
+              <a:t>Presenting the Open </a:t>
+            </a:r>
+            <a:r>
+              <a:rPr lang="en-GB" dirty="0" err="1">
+                <a:latin typeface="Roboto Condensed" panose="02000000000000000000" pitchFamily="2" charset="0"/>
+              </a:rPr>
+              <a:t>Muisc</a:t>
+            </a:r>
+            <a:r>
+              <a:rPr lang="en-GB" dirty="0">
+                <a:latin typeface="Roboto Condensed" panose="02000000000000000000" pitchFamily="2" charset="0"/>
+              </a:rPr>
+              <a:t> Europe </a:t>
+            </a:r>
+            <a:r>
+              <a:rPr lang="en-GB" dirty="0" err="1">
+                <a:latin typeface="Roboto Condensed" panose="02000000000000000000" pitchFamily="2" charset="0"/>
+              </a:rPr>
+              <a:t>tempalte</a:t>
+            </a:r>
+            <a:r>
+              <a:rPr lang="en-GB" dirty="0">
+                <a:latin typeface="Roboto Condensed" panose="02000000000000000000" pitchFamily="2" charset="0"/>
+              </a:rPr>
+              <a:t>| VIRTUAL</a:t>
             </a:r>
           </a:p>
         </p:txBody>
@@ -4628,10 +4655,27 @@
           <a:bodyPr/>
           <a:lstStyle/>
           <a:p>
-            <a:endParaRPr lang="en-GB" dirty="0">
-              <a:latin typeface="Roboto" panose="02000000000000000000" pitchFamily="2" charset="0"/>
-              <a:ea typeface="Roboto" panose="02000000000000000000" pitchFamily="2" charset="0"/>
-            </a:endParaRPr>
+            <a:r>
+              <a:rPr lang="en-GB" dirty="0">
+                <a:latin typeface="Roboto" panose="02000000000000000000" pitchFamily="2" charset="0"/>
+                <a:ea typeface="Roboto" panose="02000000000000000000" pitchFamily="2" charset="0"/>
+              </a:rPr>
+              <a:t>Johannes </a:t>
+            </a:r>
+            <a:r>
+              <a:rPr lang="en-GB" dirty="0" err="1">
+                <a:latin typeface="Roboto" panose="02000000000000000000" pitchFamily="2" charset="0"/>
+                <a:ea typeface="Roboto" panose="02000000000000000000" pitchFamily="2" charset="0"/>
+              </a:rPr>
+              <a:t>Braunbruck</a:t>
+            </a:r>
+            <a:r>
+              <a:rPr lang="en-GB" dirty="0">
+                <a:latin typeface="Roboto" panose="02000000000000000000" pitchFamily="2" charset="0"/>
+                <a:ea typeface="Roboto" panose="02000000000000000000" pitchFamily="2" charset="0"/>
+              </a:rPr>
+              <a:t> </a:t>
+            </a:r>
           </a:p>
         </p:txBody>
       </p:sp>
@@ -4692,216 +4736,6 @@
             </a:r>
             <a:r>
               <a:rPr lang="en-GB" noProof="0" dirty="0"/>
-              <a:t>: Challenges</a:t>
-            </a:r>
-          </a:p>
-        </p:txBody>
-      </p:sp>
-      <p:sp>
-        <p:nvSpPr>
-          <p:cNvPr id="3" name="Inhaltsplatzhalter 2">
-            <a:extLst>
-              <a:ext uri="{FF2B5EF4-FFF2-40B4-BE49-F238E27FC236}">
-                <a16:creationId xmlns:a16="http://schemas.microsoft.com/office/drawing/2014/main" id="{1183B957-FA14-425F-B6FF-2B7BC11621FC}"/>
-              </a:ext>
-            </a:extLst>
-          </p:cNvPr>
-          <p:cNvSpPr>
-            <a:spLocks noGrp="1"/>
-          </p:cNvSpPr>
-          <p:nvPr>
-            <p:ph idx="1"/>
-          </p:nvPr>
-        </p:nvSpPr>
-        <p:spPr/>
-        <p:txBody>
-          <a:bodyPr>
-            <a:normAutofit/>
-          </a:bodyPr>
-          <a:lstStyle/>
-          <a:p>
-            <a:r>
-              <a:rPr lang="en-GB" dirty="0" err="1"/>
-              <a:t>xxxxxxxxxxxx</a:t>
-            </a:r>
-            <a:endParaRPr lang="en-GB" dirty="0"/>
-          </a:p>
-          <a:p>
-            <a:endParaRPr lang="en-GB" noProof="0" dirty="0"/>
-          </a:p>
-          <a:p>
-            <a:r>
-              <a:rPr lang="en-GB" dirty="0" err="1"/>
-              <a:t>xxxxxxxxxxxxxxx</a:t>
-            </a:r>
-            <a:endParaRPr lang="en-GB" dirty="0"/>
-          </a:p>
-          <a:p>
-            <a:endParaRPr lang="en-GB" noProof="0" dirty="0"/>
-          </a:p>
-          <a:p>
-            <a:r>
-              <a:rPr lang="en-GB" dirty="0" err="1"/>
-              <a:t>xxxxxxxxxxxxxxxx</a:t>
-            </a:r>
-            <a:endParaRPr lang="en-GB" dirty="0"/>
-          </a:p>
-          <a:p>
-            <a:endParaRPr lang="en-GB" noProof="0" dirty="0"/>
-          </a:p>
-          <a:p>
-            <a:r>
-              <a:rPr lang="en-GB" noProof="0" dirty="0" err="1"/>
-              <a:t>xxxxxxxxxxx</a:t>
-            </a:r>
-            <a:endParaRPr lang="en-GB" noProof="0" dirty="0"/>
-          </a:p>
-          <a:p>
-            <a:endParaRPr lang="en-GB" noProof="0" dirty="0"/>
-          </a:p>
-        </p:txBody>
-      </p:sp>
-      <p:sp>
-        <p:nvSpPr>
-          <p:cNvPr id="4" name="Textplatzhalter 3">
-            <a:extLst>
-              <a:ext uri="{FF2B5EF4-FFF2-40B4-BE49-F238E27FC236}">
-                <a16:creationId xmlns:a16="http://schemas.microsoft.com/office/drawing/2014/main" id="{F09C4B38-D310-4ABD-9A5C-AC00DBE27798}"/>
-              </a:ext>
-            </a:extLst>
-          </p:cNvPr>
-          <p:cNvSpPr>
-            <a:spLocks noGrp="1"/>
-          </p:cNvSpPr>
-          <p:nvPr>
-            <p:ph type="body" sz="quarter" idx="13"/>
-          </p:nvPr>
-        </p:nvSpPr>
-        <p:spPr/>
-        <p:txBody>
-          <a:bodyPr/>
-          <a:lstStyle/>
-          <a:p>
-            <a:endParaRPr lang="en-GB" noProof="0" dirty="0"/>
-          </a:p>
-        </p:txBody>
-      </p:sp>
-      <p:sp>
-        <p:nvSpPr>
-          <p:cNvPr id="5" name="Fußzeilenplatzhalter 4">
-            <a:extLst>
-              <a:ext uri="{FF2B5EF4-FFF2-40B4-BE49-F238E27FC236}">
-                <a16:creationId xmlns:a16="http://schemas.microsoft.com/office/drawing/2014/main" id="{D4631D21-9318-4F00-B6EF-E32C3FF16647}"/>
-              </a:ext>
-            </a:extLst>
-          </p:cNvPr>
-          <p:cNvSpPr>
-            <a:spLocks noGrp="1"/>
-          </p:cNvSpPr>
-          <p:nvPr>
-            <p:ph type="ftr" sz="quarter" idx="3"/>
-          </p:nvPr>
-        </p:nvSpPr>
-        <p:spPr/>
-        <p:txBody>
-          <a:bodyPr/>
-          <a:lstStyle/>
-          <a:p>
-            <a:r>
-              <a:rPr lang="en-GB" dirty="0"/>
-              <a:t>Open Music Europe | WP Presentation</a:t>
-            </a:r>
-            <a:endParaRPr lang="en-GB" noProof="0" dirty="0"/>
-          </a:p>
-        </p:txBody>
-      </p:sp>
-      <p:sp>
-        <p:nvSpPr>
-          <p:cNvPr id="6" name="Foliennummernplatzhalter 5">
-            <a:extLst>
-              <a:ext uri="{FF2B5EF4-FFF2-40B4-BE49-F238E27FC236}">
-                <a16:creationId xmlns:a16="http://schemas.microsoft.com/office/drawing/2014/main" id="{608F9807-20B4-4C79-900A-9F9D4D93727C}"/>
-              </a:ext>
-            </a:extLst>
-          </p:cNvPr>
-          <p:cNvSpPr>
-            <a:spLocks noGrp="1"/>
-          </p:cNvSpPr>
-          <p:nvPr>
-            <p:ph type="sldNum" sz="quarter" idx="4"/>
-          </p:nvPr>
-        </p:nvSpPr>
-        <p:spPr/>
-        <p:txBody>
-          <a:bodyPr/>
-          <a:lstStyle/>
-          <a:p>
-            <a:fld id="{7D8F40E6-5147-4048-8648-74966E0AD208}" type="slidenum">
-              <a:rPr lang="en-GB" smtClean="0"/>
-              <a:pPr/>
-              <a:t>10</a:t>
-            </a:fld>
-            <a:endParaRPr lang="en-GB"/>
-          </a:p>
-        </p:txBody>
-      </p:sp>
-    </p:spTree>
-    <p:extLst>
-      <p:ext uri="{BB962C8B-B14F-4D97-AF65-F5344CB8AC3E}">
-        <p14:creationId xmlns:p14="http://schemas.microsoft.com/office/powerpoint/2010/main" val="582868087"/>
-      </p:ext>
-    </p:extLst>
-  </p:cSld>
-  <p:clrMapOvr>
-    <a:masterClrMapping/>
-  </p:clrMapOvr>
-</p:sld>
-</file>
-
-<file path=ppt/slides/slide11.xml><?xml version="1.0" encoding="utf-8"?>
-<p:sld xmlns:a="http://schemas.openxmlformats.org/drawingml/2006/main" xmlns:r="http://schemas.openxmlformats.org/officeDocument/2006/relationships" xmlns:p="http://schemas.openxmlformats.org/presentationml/2006/main">
-  <p:cSld>
-    <p:spTree>
-      <p:nvGrpSpPr>
-        <p:cNvPr id="1" name=""/>
-        <p:cNvGrpSpPr/>
-        <p:nvPr/>
-      </p:nvGrpSpPr>
-      <p:grpSpPr>
-        <a:xfrm>
-          <a:off x="0" y="0"/>
-          <a:ext cx="0" cy="0"/>
-          <a:chOff x="0" y="0"/>
-          <a:chExt cx="0" cy="0"/>
-        </a:xfrm>
-      </p:grpSpPr>
-      <p:sp>
-        <p:nvSpPr>
-          <p:cNvPr id="2" name="Titel 1">
-            <a:extLst>
-              <a:ext uri="{FF2B5EF4-FFF2-40B4-BE49-F238E27FC236}">
-                <a16:creationId xmlns:a16="http://schemas.microsoft.com/office/drawing/2014/main" id="{F5377215-176B-48F3-8EA7-0B8FD213D845}"/>
-              </a:ext>
-            </a:extLst>
-          </p:cNvPr>
-          <p:cNvSpPr>
-            <a:spLocks noGrp="1"/>
-          </p:cNvSpPr>
-          <p:nvPr>
-            <p:ph type="title"/>
-          </p:nvPr>
-        </p:nvSpPr>
-        <p:spPr/>
-        <p:txBody>
-          <a:bodyPr/>
-          <a:lstStyle/>
-          <a:p>
-            <a:r>
-              <a:rPr lang="en-GB" noProof="0" dirty="0" err="1"/>
-              <a:t>WPx</a:t>
-            </a:r>
-            <a:r>
-              <a:rPr lang="en-GB" noProof="0" dirty="0"/>
               <a:t>: Next steps</a:t>
             </a:r>
           </a:p>
@@ -5090,7 +4924,7 @@
             <a:fld id="{7D8F40E6-5147-4048-8648-74966E0AD208}" type="slidenum">
               <a:rPr lang="en-GB" smtClean="0"/>
               <a:pPr/>
-              <a:t>11</a:t>
+              <a:t>10</a:t>
             </a:fld>
             <a:endParaRPr lang="en-GB"/>
           </a:p>
@@ -5109,7 +4943,7 @@
 </p:sld>
 </file>
 
-<file path=ppt/slides/slide12.xml><?xml version="1.0" encoding="utf-8"?>
+<file path=ppt/slides/slide11.xml><?xml version="1.0" encoding="utf-8"?>
 <p:sld xmlns:a="http://schemas.openxmlformats.org/drawingml/2006/main" xmlns:r="http://schemas.openxmlformats.org/officeDocument/2006/relationships" xmlns:p="http://schemas.openxmlformats.org/presentationml/2006/main">
   <p:cSld>
     <p:spTree>
@@ -5234,7 +5068,7 @@
             <a:fld id="{7D8F40E6-5147-4048-8648-74966E0AD208}" type="slidenum">
               <a:rPr lang="en-GB" noProof="0" smtClean="0"/>
               <a:pPr/>
-              <a:t>12</a:t>
+              <a:t>11</a:t>
             </a:fld>
             <a:endParaRPr lang="en-GB" noProof="0"/>
           </a:p>
@@ -5354,7 +5188,7 @@
 </p:sld>
 </file>
 
-<file path=ppt/slides/slide13.xml><?xml version="1.0" encoding="utf-8"?>
+<file path=ppt/slides/slide12.xml><?xml version="1.0" encoding="utf-8"?>
 <p:sld xmlns:a="http://schemas.openxmlformats.org/drawingml/2006/main" xmlns:r="http://schemas.openxmlformats.org/officeDocument/2006/relationships" xmlns:p="http://schemas.openxmlformats.org/presentationml/2006/main">
   <p:cSld>
     <p:spTree>
@@ -5581,7 +5415,7 @@
             <a:fld id="{7D8F40E6-5147-4048-8648-74966E0AD208}" type="slidenum">
               <a:rPr lang="en-GB" smtClean="0"/>
               <a:pPr/>
-              <a:t>13</a:t>
+              <a:t>12</a:t>
             </a:fld>
             <a:endParaRPr lang="en-GB"/>
           </a:p>
@@ -5600,7 +5434,7 @@
 </p:sld>
 </file>
 
-<file path=ppt/slides/slide14.xml><?xml version="1.0" encoding="utf-8"?>
+<file path=ppt/slides/slide13.xml><?xml version="1.0" encoding="utf-8"?>
 <p:sld xmlns:a="http://schemas.openxmlformats.org/drawingml/2006/main" xmlns:r="http://schemas.openxmlformats.org/officeDocument/2006/relationships" xmlns:p="http://schemas.openxmlformats.org/presentationml/2006/main">
   <p:cSld>
     <p:spTree>
@@ -5769,7 +5603,7 @@
             <a:fld id="{7D8F40E6-5147-4048-8648-74966E0AD208}" type="slidenum">
               <a:rPr lang="en-GB" noProof="0" smtClean="0"/>
               <a:pPr/>
-              <a:t>14</a:t>
+              <a:t>13</a:t>
             </a:fld>
             <a:endParaRPr lang="en-GB" noProof="0"/>
           </a:p>
@@ -5788,7 +5622,7 @@
 </p:sld>
 </file>
 
-<file path=ppt/slides/slide15.xml><?xml version="1.0" encoding="utf-8"?>
+<file path=ppt/slides/slide14.xml><?xml version="1.0" encoding="utf-8"?>
 <p:sld xmlns:a="http://schemas.openxmlformats.org/drawingml/2006/main" xmlns:r="http://schemas.openxmlformats.org/officeDocument/2006/relationships" xmlns:p="http://schemas.openxmlformats.org/presentationml/2006/main">
   <p:cSld>
     <p:spTree>
@@ -5934,7 +5768,7 @@
             <a:fld id="{7D8F40E6-5147-4048-8648-74966E0AD208}" type="slidenum">
               <a:rPr lang="en-GB" noProof="0" smtClean="0"/>
               <a:pPr/>
-              <a:t>15</a:t>
+              <a:t>14</a:t>
             </a:fld>
             <a:endParaRPr lang="en-GB" noProof="0"/>
           </a:p>
@@ -5944,6 +5778,180 @@
     <p:extLst>
       <p:ext uri="{BB962C8B-B14F-4D97-AF65-F5344CB8AC3E}">
         <p14:creationId xmlns:p14="http://schemas.microsoft.com/office/powerpoint/2010/main" val="2075106221"/>
+      </p:ext>
+    </p:extLst>
+  </p:cSld>
+  <p:clrMapOvr>
+    <a:masterClrMapping/>
+  </p:clrMapOvr>
+</p:sld>
+</file>
+
+<file path=ppt/slides/slide15.xml><?xml version="1.0" encoding="utf-8"?>
+<p:sld xmlns:a="http://schemas.openxmlformats.org/drawingml/2006/main" xmlns:r="http://schemas.openxmlformats.org/officeDocument/2006/relationships" xmlns:p="http://schemas.openxmlformats.org/presentationml/2006/main">
+  <p:cSld>
+    <p:spTree>
+      <p:nvGrpSpPr>
+        <p:cNvPr id="1" name=""/>
+        <p:cNvGrpSpPr/>
+        <p:nvPr/>
+      </p:nvGrpSpPr>
+      <p:grpSpPr>
+        <a:xfrm>
+          <a:off x="0" y="0"/>
+          <a:ext cx="0" cy="0"/>
+          <a:chOff x="0" y="0"/>
+          <a:chExt cx="0" cy="0"/>
+        </a:xfrm>
+      </p:grpSpPr>
+      <p:sp>
+        <p:nvSpPr>
+          <p:cNvPr id="2" name="Titel 1">
+            <a:extLst>
+              <a:ext uri="{FF2B5EF4-FFF2-40B4-BE49-F238E27FC236}">
+                <a16:creationId xmlns:a16="http://schemas.microsoft.com/office/drawing/2014/main" id="{04B87155-F0B0-7E0F-AC63-BB8B20D25086}"/>
+              </a:ext>
+            </a:extLst>
+          </p:cNvPr>
+          <p:cNvSpPr>
+            <a:spLocks noGrp="1"/>
+          </p:cNvSpPr>
+          <p:nvPr>
+            <p:ph type="title"/>
+          </p:nvPr>
+        </p:nvSpPr>
+        <p:spPr/>
+        <p:txBody>
+          <a:bodyPr>
+            <a:normAutofit fontScale="90000"/>
+          </a:bodyPr>
+          <a:lstStyle/>
+          <a:p>
+            <a:r>
+              <a:rPr lang="en-GB" noProof="0"/>
+              <a:t>How to change the slide layout</a:t>
+            </a:r>
+            <a:endParaRPr lang="en-GB"/>
+          </a:p>
+        </p:txBody>
+      </p:sp>
+      <p:sp>
+        <p:nvSpPr>
+          <p:cNvPr id="3" name="Textplatzhalter 2">
+            <a:extLst>
+              <a:ext uri="{FF2B5EF4-FFF2-40B4-BE49-F238E27FC236}">
+                <a16:creationId xmlns:a16="http://schemas.microsoft.com/office/drawing/2014/main" id="{1E08FE47-3EA6-995D-396E-7D55DC340B74}"/>
+              </a:ext>
+            </a:extLst>
+          </p:cNvPr>
+          <p:cNvSpPr>
+            <a:spLocks noGrp="1"/>
+          </p:cNvSpPr>
+          <p:nvPr>
+            <p:ph type="body" sz="quarter" idx="13"/>
+          </p:nvPr>
+        </p:nvSpPr>
+        <p:spPr/>
+        <p:txBody>
+          <a:bodyPr/>
+          <a:lstStyle/>
+          <a:p>
+            <a:endParaRPr lang="en-GB"/>
+          </a:p>
+        </p:txBody>
+      </p:sp>
+      <p:sp>
+        <p:nvSpPr>
+          <p:cNvPr id="4" name="Fußzeilenplatzhalter 3">
+            <a:extLst>
+              <a:ext uri="{FF2B5EF4-FFF2-40B4-BE49-F238E27FC236}">
+                <a16:creationId xmlns:a16="http://schemas.microsoft.com/office/drawing/2014/main" id="{E9968B63-080B-B505-577F-896DB5233C14}"/>
+              </a:ext>
+            </a:extLst>
+          </p:cNvPr>
+          <p:cNvSpPr>
+            <a:spLocks noGrp="1"/>
+          </p:cNvSpPr>
+          <p:nvPr>
+            <p:ph type="ftr" sz="quarter" idx="3"/>
+          </p:nvPr>
+        </p:nvSpPr>
+        <p:spPr/>
+        <p:txBody>
+          <a:bodyPr/>
+          <a:lstStyle/>
+          <a:p>
+            <a:r>
+              <a:rPr lang="en-GB" noProof="0" dirty="0"/>
+              <a:t>Open Music Europe | WP Presentation</a:t>
+            </a:r>
+          </a:p>
+        </p:txBody>
+      </p:sp>
+      <p:sp>
+        <p:nvSpPr>
+          <p:cNvPr id="5" name="Foliennummernplatzhalter 4">
+            <a:extLst>
+              <a:ext uri="{FF2B5EF4-FFF2-40B4-BE49-F238E27FC236}">
+                <a16:creationId xmlns:a16="http://schemas.microsoft.com/office/drawing/2014/main" id="{59A5C107-8E56-1345-CAE4-46841E2A7738}"/>
+              </a:ext>
+            </a:extLst>
+          </p:cNvPr>
+          <p:cNvSpPr>
+            <a:spLocks noGrp="1"/>
+          </p:cNvSpPr>
+          <p:nvPr>
+            <p:ph type="sldNum" sz="quarter" idx="4"/>
+          </p:nvPr>
+        </p:nvSpPr>
+        <p:spPr/>
+        <p:txBody>
+          <a:bodyPr/>
+          <a:lstStyle/>
+          <a:p>
+            <a:fld id="{7D8F40E6-5147-4048-8648-74966E0AD208}" type="slidenum">
+              <a:rPr lang="en-GB" noProof="0" smtClean="0"/>
+              <a:pPr/>
+              <a:t>15</a:t>
+            </a:fld>
+            <a:endParaRPr lang="en-GB" noProof="0"/>
+          </a:p>
+        </p:txBody>
+      </p:sp>
+      <p:pic>
+        <p:nvPicPr>
+          <p:cNvPr id="8" name="Grafik 7">
+            <a:extLst>
+              <a:ext uri="{FF2B5EF4-FFF2-40B4-BE49-F238E27FC236}">
+                <a16:creationId xmlns:a16="http://schemas.microsoft.com/office/drawing/2014/main" id="{D40D47EA-6E17-0488-CFA9-AB6E73573D0E}"/>
+              </a:ext>
+            </a:extLst>
+          </p:cNvPr>
+          <p:cNvPicPr>
+            <a:picLocks noChangeAspect="1"/>
+          </p:cNvPicPr>
+          <p:nvPr/>
+        </p:nvPicPr>
+        <p:blipFill>
+          <a:blip r:embed="rId2"/>
+          <a:stretch>
+            <a:fillRect/>
+          </a:stretch>
+        </p:blipFill>
+        <p:spPr>
+          <a:xfrm>
+            <a:off x="1771782" y="1327716"/>
+            <a:ext cx="8613394" cy="4661102"/>
+          </a:xfrm>
+          <a:prstGeom prst="rect">
+            <a:avLst/>
+          </a:prstGeom>
+        </p:spPr>
+      </p:pic>
+    </p:spTree>
+    <p:extLst>
+      <p:ext uri="{BB962C8B-B14F-4D97-AF65-F5344CB8AC3E}">
+        <p14:creationId xmlns:p14="http://schemas.microsoft.com/office/powerpoint/2010/main" val="469743139"/>
       </p:ext>
     </p:extLst>
   </p:cSld>
@@ -5995,7 +6003,7 @@
           <a:p>
             <a:r>
               <a:rPr lang="en-GB" noProof="0"/>
-              <a:t>How to change the slide layout</a:t>
+              <a:t>How to change the footer line</a:t>
             </a:r>
             <a:endParaRPr lang="en-GB"/>
           </a:p>
@@ -6059,180 +6067,6 @@
           <p:cNvPr id="5" name="Foliennummernplatzhalter 4">
             <a:extLst>
               <a:ext uri="{FF2B5EF4-FFF2-40B4-BE49-F238E27FC236}">
-                <a16:creationId xmlns:a16="http://schemas.microsoft.com/office/drawing/2014/main" id="{59A5C107-8E56-1345-CAE4-46841E2A7738}"/>
-              </a:ext>
-            </a:extLst>
-          </p:cNvPr>
-          <p:cNvSpPr>
-            <a:spLocks noGrp="1"/>
-          </p:cNvSpPr>
-          <p:nvPr>
-            <p:ph type="sldNum" sz="quarter" idx="4"/>
-          </p:nvPr>
-        </p:nvSpPr>
-        <p:spPr/>
-        <p:txBody>
-          <a:bodyPr/>
-          <a:lstStyle/>
-          <a:p>
-            <a:fld id="{7D8F40E6-5147-4048-8648-74966E0AD208}" type="slidenum">
-              <a:rPr lang="en-GB" noProof="0" smtClean="0"/>
-              <a:pPr/>
-              <a:t>16</a:t>
-            </a:fld>
-            <a:endParaRPr lang="en-GB" noProof="0"/>
-          </a:p>
-        </p:txBody>
-      </p:sp>
-      <p:pic>
-        <p:nvPicPr>
-          <p:cNvPr id="8" name="Grafik 7">
-            <a:extLst>
-              <a:ext uri="{FF2B5EF4-FFF2-40B4-BE49-F238E27FC236}">
-                <a16:creationId xmlns:a16="http://schemas.microsoft.com/office/drawing/2014/main" id="{D40D47EA-6E17-0488-CFA9-AB6E73573D0E}"/>
-              </a:ext>
-            </a:extLst>
-          </p:cNvPr>
-          <p:cNvPicPr>
-            <a:picLocks noChangeAspect="1"/>
-          </p:cNvPicPr>
-          <p:nvPr/>
-        </p:nvPicPr>
-        <p:blipFill>
-          <a:blip r:embed="rId2"/>
-          <a:stretch>
-            <a:fillRect/>
-          </a:stretch>
-        </p:blipFill>
-        <p:spPr>
-          <a:xfrm>
-            <a:off x="1771782" y="1327716"/>
-            <a:ext cx="8613394" cy="4661102"/>
-          </a:xfrm>
-          <a:prstGeom prst="rect">
-            <a:avLst/>
-          </a:prstGeom>
-        </p:spPr>
-      </p:pic>
-    </p:spTree>
-    <p:extLst>
-      <p:ext uri="{BB962C8B-B14F-4D97-AF65-F5344CB8AC3E}">
-        <p14:creationId xmlns:p14="http://schemas.microsoft.com/office/powerpoint/2010/main" val="469743139"/>
-      </p:ext>
-    </p:extLst>
-  </p:cSld>
-  <p:clrMapOvr>
-    <a:masterClrMapping/>
-  </p:clrMapOvr>
-</p:sld>
-</file>
-
-<file path=ppt/slides/slide17.xml><?xml version="1.0" encoding="utf-8"?>
-<p:sld xmlns:a="http://schemas.openxmlformats.org/drawingml/2006/main" xmlns:r="http://schemas.openxmlformats.org/officeDocument/2006/relationships" xmlns:p="http://schemas.openxmlformats.org/presentationml/2006/main">
-  <p:cSld>
-    <p:spTree>
-      <p:nvGrpSpPr>
-        <p:cNvPr id="1" name=""/>
-        <p:cNvGrpSpPr/>
-        <p:nvPr/>
-      </p:nvGrpSpPr>
-      <p:grpSpPr>
-        <a:xfrm>
-          <a:off x="0" y="0"/>
-          <a:ext cx="0" cy="0"/>
-          <a:chOff x="0" y="0"/>
-          <a:chExt cx="0" cy="0"/>
-        </a:xfrm>
-      </p:grpSpPr>
-      <p:sp>
-        <p:nvSpPr>
-          <p:cNvPr id="2" name="Titel 1">
-            <a:extLst>
-              <a:ext uri="{FF2B5EF4-FFF2-40B4-BE49-F238E27FC236}">
-                <a16:creationId xmlns:a16="http://schemas.microsoft.com/office/drawing/2014/main" id="{04B87155-F0B0-7E0F-AC63-BB8B20D25086}"/>
-              </a:ext>
-            </a:extLst>
-          </p:cNvPr>
-          <p:cNvSpPr>
-            <a:spLocks noGrp="1"/>
-          </p:cNvSpPr>
-          <p:nvPr>
-            <p:ph type="title"/>
-          </p:nvPr>
-        </p:nvSpPr>
-        <p:spPr/>
-        <p:txBody>
-          <a:bodyPr>
-            <a:normAutofit fontScale="90000"/>
-          </a:bodyPr>
-          <a:lstStyle/>
-          <a:p>
-            <a:r>
-              <a:rPr lang="en-GB" noProof="0"/>
-              <a:t>How to change the footer line</a:t>
-            </a:r>
-            <a:endParaRPr lang="en-GB"/>
-          </a:p>
-        </p:txBody>
-      </p:sp>
-      <p:sp>
-        <p:nvSpPr>
-          <p:cNvPr id="3" name="Textplatzhalter 2">
-            <a:extLst>
-              <a:ext uri="{FF2B5EF4-FFF2-40B4-BE49-F238E27FC236}">
-                <a16:creationId xmlns:a16="http://schemas.microsoft.com/office/drawing/2014/main" id="{1E08FE47-3EA6-995D-396E-7D55DC340B74}"/>
-              </a:ext>
-            </a:extLst>
-          </p:cNvPr>
-          <p:cNvSpPr>
-            <a:spLocks noGrp="1"/>
-          </p:cNvSpPr>
-          <p:nvPr>
-            <p:ph type="body" sz="quarter" idx="13"/>
-          </p:nvPr>
-        </p:nvSpPr>
-        <p:spPr/>
-        <p:txBody>
-          <a:bodyPr/>
-          <a:lstStyle/>
-          <a:p>
-            <a:endParaRPr lang="en-GB"/>
-          </a:p>
-        </p:txBody>
-      </p:sp>
-      <p:sp>
-        <p:nvSpPr>
-          <p:cNvPr id="4" name="Fußzeilenplatzhalter 3">
-            <a:extLst>
-              <a:ext uri="{FF2B5EF4-FFF2-40B4-BE49-F238E27FC236}">
-                <a16:creationId xmlns:a16="http://schemas.microsoft.com/office/drawing/2014/main" id="{E9968B63-080B-B505-577F-896DB5233C14}"/>
-              </a:ext>
-            </a:extLst>
-          </p:cNvPr>
-          <p:cNvSpPr>
-            <a:spLocks noGrp="1"/>
-          </p:cNvSpPr>
-          <p:nvPr>
-            <p:ph type="ftr" sz="quarter" idx="3"/>
-          </p:nvPr>
-        </p:nvSpPr>
-        <p:spPr/>
-        <p:txBody>
-          <a:bodyPr/>
-          <a:lstStyle/>
-          <a:p>
-            <a:r>
-              <a:rPr lang="en-GB" noProof="0" dirty="0"/>
-              <a:t>Open Music Europe | WP Presentation</a:t>
-            </a:r>
-          </a:p>
-        </p:txBody>
-      </p:sp>
-      <p:sp>
-        <p:nvSpPr>
-          <p:cNvPr id="5" name="Foliennummernplatzhalter 4">
-            <a:extLst>
-              <a:ext uri="{FF2B5EF4-FFF2-40B4-BE49-F238E27FC236}">
                 <a16:creationId xmlns:a16="http://schemas.microsoft.com/office/drawing/2014/main" id="{B22F6E26-7555-B8A2-C8B8-03F6DF3CA36D}"/>
               </a:ext>
             </a:extLst>
@@ -6252,7 +6086,7 @@
             <a:fld id="{7D8F40E6-5147-4048-8648-74966E0AD208}" type="slidenum">
               <a:rPr lang="en-GB" noProof="0" smtClean="0"/>
               <a:pPr/>
-              <a:t>17</a:t>
+              <a:t>16</a:t>
             </a:fld>
             <a:endParaRPr lang="en-GB" noProof="0"/>
           </a:p>
@@ -6301,7 +6135,7 @@
 </p:sld>
 </file>
 
-<file path=ppt/slides/slide18.xml><?xml version="1.0" encoding="utf-8"?>
+<file path=ppt/slides/slide17.xml><?xml version="1.0" encoding="utf-8"?>
 <p:sld xmlns:a="http://schemas.openxmlformats.org/drawingml/2006/main" xmlns:r="http://schemas.openxmlformats.org/officeDocument/2006/relationships" xmlns:p="http://schemas.openxmlformats.org/presentationml/2006/main">
   <p:cSld>
     <p:spTree>
@@ -6476,7 +6310,7 @@
             <a:fld id="{7D8F40E6-5147-4048-8648-74966E0AD208}" type="slidenum">
               <a:rPr lang="en-GB" smtClean="0"/>
               <a:pPr/>
-              <a:t>18</a:t>
+              <a:t>17</a:t>
             </a:fld>
             <a:endParaRPr lang="en-GB"/>
           </a:p>
@@ -6486,6 +6320,272 @@
     <p:extLst>
       <p:ext uri="{BB962C8B-B14F-4D97-AF65-F5344CB8AC3E}">
         <p14:creationId xmlns:p14="http://schemas.microsoft.com/office/powerpoint/2010/main" val="4147832340"/>
+      </p:ext>
+    </p:extLst>
+  </p:cSld>
+  <p:clrMapOvr>
+    <a:masterClrMapping/>
+  </p:clrMapOvr>
+</p:sld>
+</file>
+
+<file path=ppt/slides/slide18.xml><?xml version="1.0" encoding="utf-8"?>
+<p:sld xmlns:a="http://schemas.openxmlformats.org/drawingml/2006/main" xmlns:r="http://schemas.openxmlformats.org/officeDocument/2006/relationships" xmlns:p="http://schemas.openxmlformats.org/presentationml/2006/main">
+  <p:cSld>
+    <p:spTree>
+      <p:nvGrpSpPr>
+        <p:cNvPr id="1" name=""/>
+        <p:cNvGrpSpPr/>
+        <p:nvPr/>
+      </p:nvGrpSpPr>
+      <p:grpSpPr>
+        <a:xfrm>
+          <a:off x="0" y="0"/>
+          <a:ext cx="0" cy="0"/>
+          <a:chOff x="0" y="0"/>
+          <a:chExt cx="0" cy="0"/>
+        </a:xfrm>
+      </p:grpSpPr>
+      <p:sp>
+        <p:nvSpPr>
+          <p:cNvPr id="2" name="Titel 1">
+            <a:extLst>
+              <a:ext uri="{FF2B5EF4-FFF2-40B4-BE49-F238E27FC236}">
+                <a16:creationId xmlns:a16="http://schemas.microsoft.com/office/drawing/2014/main" id="{F5377215-176B-48F3-8EA7-0B8FD213D845}"/>
+              </a:ext>
+            </a:extLst>
+          </p:cNvPr>
+          <p:cNvSpPr>
+            <a:spLocks noGrp="1"/>
+          </p:cNvSpPr>
+          <p:nvPr>
+            <p:ph type="title"/>
+          </p:nvPr>
+        </p:nvSpPr>
+        <p:spPr/>
+        <p:txBody>
+          <a:bodyPr/>
+          <a:lstStyle/>
+          <a:p>
+            <a:endParaRPr lang="en-GB" noProof="0"/>
+          </a:p>
+        </p:txBody>
+      </p:sp>
+      <p:sp>
+        <p:nvSpPr>
+          <p:cNvPr id="3" name="Inhaltsplatzhalter 2">
+            <a:extLst>
+              <a:ext uri="{FF2B5EF4-FFF2-40B4-BE49-F238E27FC236}">
+                <a16:creationId xmlns:a16="http://schemas.microsoft.com/office/drawing/2014/main" id="{1183B957-FA14-425F-B6FF-2B7BC11621FC}"/>
+              </a:ext>
+            </a:extLst>
+          </p:cNvPr>
+          <p:cNvSpPr>
+            <a:spLocks noGrp="1"/>
+          </p:cNvSpPr>
+          <p:nvPr>
+            <p:ph idx="1"/>
+          </p:nvPr>
+        </p:nvSpPr>
+        <p:spPr/>
+        <p:txBody>
+          <a:bodyPr>
+            <a:normAutofit fontScale="70000" lnSpcReduction="20000"/>
+          </a:bodyPr>
+          <a:lstStyle/>
+          <a:p>
+            <a:r>
+              <a:rPr lang="en-GB" noProof="0" err="1"/>
+              <a:t>xxxxxxxxxxxx</a:t>
+            </a:r>
+            <a:endParaRPr lang="en-GB" noProof="0"/>
+          </a:p>
+          <a:p>
+            <a:pPr lvl="1"/>
+            <a:r>
+              <a:rPr lang="en-GB" noProof="0" err="1"/>
+              <a:t>xxxxxxxxxx</a:t>
+            </a:r>
+            <a:endParaRPr lang="en-GB" noProof="0"/>
+          </a:p>
+          <a:p>
+            <a:pPr lvl="1"/>
+            <a:r>
+              <a:rPr lang="en-GB" noProof="0" err="1"/>
+              <a:t>xxxxxxxxxxxxxxx</a:t>
+            </a:r>
+            <a:endParaRPr lang="en-GB" noProof="0"/>
+          </a:p>
+          <a:p>
+            <a:pPr lvl="1"/>
+            <a:r>
+              <a:rPr lang="en-GB" noProof="0" err="1"/>
+              <a:t>xxxxxxxxxxxxxxxxx</a:t>
+            </a:r>
+            <a:endParaRPr lang="en-GB" noProof="0"/>
+          </a:p>
+          <a:p>
+            <a:pPr lvl="1"/>
+            <a:endParaRPr lang="en-GB" noProof="0"/>
+          </a:p>
+          <a:p>
+            <a:r>
+              <a:rPr lang="en-GB" err="1"/>
+              <a:t>xxxxxxxxxxxx</a:t>
+            </a:r>
+            <a:endParaRPr lang="en-GB"/>
+          </a:p>
+          <a:p>
+            <a:pPr lvl="1"/>
+            <a:r>
+              <a:rPr lang="en-GB" err="1"/>
+              <a:t>xxxxxxxxxx</a:t>
+            </a:r>
+            <a:endParaRPr lang="en-GB"/>
+          </a:p>
+          <a:p>
+            <a:pPr lvl="1"/>
+            <a:r>
+              <a:rPr lang="en-GB" err="1"/>
+              <a:t>xxxxxxxxxxxxxxx</a:t>
+            </a:r>
+            <a:endParaRPr lang="en-GB"/>
+          </a:p>
+          <a:p>
+            <a:pPr lvl="1"/>
+            <a:r>
+              <a:rPr lang="en-GB" err="1"/>
+              <a:t>xxxxxxxxxxxxxxxxx</a:t>
+            </a:r>
+            <a:endParaRPr lang="en-GB"/>
+          </a:p>
+          <a:p>
+            <a:pPr lvl="1"/>
+            <a:endParaRPr lang="en-GB"/>
+          </a:p>
+          <a:p>
+            <a:r>
+              <a:rPr lang="en-GB" err="1"/>
+              <a:t>xxxxxxxxxxxx</a:t>
+            </a:r>
+            <a:endParaRPr lang="en-GB"/>
+          </a:p>
+          <a:p>
+            <a:pPr lvl="1"/>
+            <a:r>
+              <a:rPr lang="en-GB" err="1"/>
+              <a:t>xxxxxxxxxx</a:t>
+            </a:r>
+            <a:endParaRPr lang="en-GB"/>
+          </a:p>
+          <a:p>
+            <a:pPr lvl="1"/>
+            <a:r>
+              <a:rPr lang="en-GB" err="1"/>
+              <a:t>xxxxxxxxxxxxxxx</a:t>
+            </a:r>
+            <a:endParaRPr lang="en-GB"/>
+          </a:p>
+          <a:p>
+            <a:pPr lvl="1"/>
+            <a:r>
+              <a:rPr lang="en-GB" err="1"/>
+              <a:t>xxxxxxxxxxxxxxxxx</a:t>
+            </a:r>
+            <a:endParaRPr lang="en-GB"/>
+          </a:p>
+          <a:p>
+            <a:endParaRPr lang="en-GB" noProof="0"/>
+          </a:p>
+        </p:txBody>
+      </p:sp>
+      <p:sp>
+        <p:nvSpPr>
+          <p:cNvPr id="4" name="Textplatzhalter 3">
+            <a:extLst>
+              <a:ext uri="{FF2B5EF4-FFF2-40B4-BE49-F238E27FC236}">
+                <a16:creationId xmlns:a16="http://schemas.microsoft.com/office/drawing/2014/main" id="{F09C4B38-D310-4ABD-9A5C-AC00DBE27798}"/>
+              </a:ext>
+            </a:extLst>
+          </p:cNvPr>
+          <p:cNvSpPr>
+            <a:spLocks noGrp="1"/>
+          </p:cNvSpPr>
+          <p:nvPr>
+            <p:ph type="body" sz="quarter" idx="13"/>
+          </p:nvPr>
+        </p:nvSpPr>
+        <p:spPr/>
+        <p:txBody>
+          <a:bodyPr/>
+          <a:lstStyle/>
+          <a:p>
+            <a:endParaRPr lang="en-GB" noProof="0"/>
+          </a:p>
+        </p:txBody>
+      </p:sp>
+      <p:sp>
+        <p:nvSpPr>
+          <p:cNvPr id="5" name="Fußzeilenplatzhalter 4">
+            <a:extLst>
+              <a:ext uri="{FF2B5EF4-FFF2-40B4-BE49-F238E27FC236}">
+                <a16:creationId xmlns:a16="http://schemas.microsoft.com/office/drawing/2014/main" id="{D4631D21-9318-4F00-B6EF-E32C3FF16647}"/>
+              </a:ext>
+            </a:extLst>
+          </p:cNvPr>
+          <p:cNvSpPr>
+            <a:spLocks noGrp="1"/>
+          </p:cNvSpPr>
+          <p:nvPr>
+            <p:ph type="ftr" sz="quarter" idx="3"/>
+          </p:nvPr>
+        </p:nvSpPr>
+        <p:spPr/>
+        <p:txBody>
+          <a:bodyPr/>
+          <a:lstStyle/>
+          <a:p>
+            <a:r>
+              <a:rPr lang="en-GB" dirty="0"/>
+              <a:t>Open Music Europe | WP Presentation</a:t>
+            </a:r>
+          </a:p>
+        </p:txBody>
+      </p:sp>
+      <p:sp>
+        <p:nvSpPr>
+          <p:cNvPr id="6" name="Foliennummernplatzhalter 5">
+            <a:extLst>
+              <a:ext uri="{FF2B5EF4-FFF2-40B4-BE49-F238E27FC236}">
+                <a16:creationId xmlns:a16="http://schemas.microsoft.com/office/drawing/2014/main" id="{D2677960-3F84-2C5F-071F-08B501CD6F71}"/>
+              </a:ext>
+            </a:extLst>
+          </p:cNvPr>
+          <p:cNvSpPr>
+            <a:spLocks noGrp="1"/>
+          </p:cNvSpPr>
+          <p:nvPr>
+            <p:ph type="sldNum" sz="quarter" idx="4"/>
+          </p:nvPr>
+        </p:nvSpPr>
+        <p:spPr/>
+        <p:txBody>
+          <a:bodyPr/>
+          <a:lstStyle/>
+          <a:p>
+            <a:fld id="{7D8F40E6-5147-4048-8648-74966E0AD208}" type="slidenum">
+              <a:rPr lang="en-GB" noProof="0" smtClean="0"/>
+              <a:pPr/>
+              <a:t>18</a:t>
+            </a:fld>
+            <a:endParaRPr lang="en-GB" noProof="0"/>
+          </a:p>
+        </p:txBody>
+      </p:sp>
+    </p:spTree>
+    <p:extLst>
+      <p:ext uri="{BB962C8B-B14F-4D97-AF65-F5344CB8AC3E}">
+        <p14:creationId xmlns:p14="http://schemas.microsoft.com/office/powerpoint/2010/main" val="3018602151"/>
       </p:ext>
     </p:extLst>
   </p:cSld>
@@ -6723,7 +6823,7 @@
           <p:cNvPr id="6" name="Foliennummernplatzhalter 5">
             <a:extLst>
               <a:ext uri="{FF2B5EF4-FFF2-40B4-BE49-F238E27FC236}">
-                <a16:creationId xmlns:a16="http://schemas.microsoft.com/office/drawing/2014/main" id="{D2677960-3F84-2C5F-071F-08B501CD6F71}"/>
+                <a16:creationId xmlns:a16="http://schemas.microsoft.com/office/drawing/2014/main" id="{5E320FF7-3E23-0AC8-0889-45F7795C8222}"/>
               </a:ext>
             </a:extLst>
           </p:cNvPr>
@@ -6751,7 +6851,7 @@
     </p:spTree>
     <p:extLst>
       <p:ext uri="{BB962C8B-B14F-4D97-AF65-F5344CB8AC3E}">
-        <p14:creationId xmlns:p14="http://schemas.microsoft.com/office/powerpoint/2010/main" val="3018602151"/>
+        <p14:creationId xmlns:p14="http://schemas.microsoft.com/office/powerpoint/2010/main" val="1045838302"/>
       </p:ext>
     </p:extLst>
   </p:cSld>
@@ -7317,104 +7417,117 @@
           <a:lstStyle/>
           <a:p>
             <a:r>
-              <a:rPr lang="en-GB" noProof="0" err="1"/>
-              <a:t>xxxxxxxxxxxx</a:t>
-            </a:r>
-            <a:endParaRPr lang="en-GB" noProof="0"/>
+              <a:rPr lang="en-GB" b="1"/>
+              <a:t>xxx: </a:t>
+            </a:r>
+            <a:r>
+              <a:rPr lang="en-GB"/>
+              <a:t>xxxxxxxxx</a:t>
+            </a:r>
           </a:p>
           <a:p>
             <a:pPr lvl="1"/>
             <a:r>
-              <a:rPr lang="en-GB" noProof="0" err="1"/>
+              <a:rPr lang="en-GB" err="1"/>
               <a:t>xxxxxxxxxx</a:t>
             </a:r>
-            <a:endParaRPr lang="en-GB" noProof="0"/>
+            <a:endParaRPr lang="en-GB"/>
           </a:p>
           <a:p>
             <a:pPr lvl="1"/>
             <a:r>
-              <a:rPr lang="en-GB" noProof="0" err="1"/>
+              <a:rPr lang="en-GB" err="1"/>
               <a:t>xxxxxxxxxxxxxxx</a:t>
             </a:r>
-            <a:endParaRPr lang="en-GB" noProof="0"/>
+            <a:endParaRPr lang="en-GB"/>
           </a:p>
           <a:p>
             <a:pPr lvl="1"/>
             <a:r>
-              <a:rPr lang="en-GB" noProof="0" err="1"/>
+              <a:rPr lang="en-GB" err="1"/>
               <a:t>xxxxxxxxxxxxxxxxx</a:t>
             </a:r>
-            <a:endParaRPr lang="en-GB" noProof="0"/>
+            <a:endParaRPr lang="en-GB"/>
+          </a:p>
+          <a:p>
+            <a:pPr lvl="1"/>
+            <a:endParaRPr lang="en-GB"/>
+          </a:p>
+          <a:p>
+            <a:r>
+              <a:rPr lang="en-GB" b="1"/>
+              <a:t>xxx: </a:t>
+            </a:r>
+            <a:r>
+              <a:rPr lang="en-GB"/>
+              <a:t>xxxxxxxxx</a:t>
+            </a:r>
+          </a:p>
+          <a:p>
+            <a:pPr lvl="1"/>
+            <a:r>
+              <a:rPr lang="en-GB" err="1"/>
+              <a:t>xxxxxxxxxx</a:t>
+            </a:r>
+            <a:endParaRPr lang="en-GB"/>
+          </a:p>
+          <a:p>
+            <a:pPr lvl="1"/>
+            <a:r>
+              <a:rPr lang="en-GB" err="1"/>
+              <a:t>xxxxxxxxxxxxxxx</a:t>
+            </a:r>
+            <a:endParaRPr lang="en-GB"/>
+          </a:p>
+          <a:p>
+            <a:pPr lvl="1"/>
+            <a:r>
+              <a:rPr lang="en-GB" err="1"/>
+              <a:t>xxxxxxxxxxxxxxxxx</a:t>
+            </a:r>
+            <a:endParaRPr lang="en-GB"/>
+          </a:p>
+          <a:p>
+            <a:pPr lvl="1"/>
+            <a:endParaRPr lang="en-GB"/>
+          </a:p>
+          <a:p>
+            <a:r>
+              <a:rPr lang="en-GB" b="1"/>
+              <a:t>xxx: </a:t>
+            </a:r>
+            <a:r>
+              <a:rPr lang="en-GB"/>
+              <a:t>xxxxxxxxx</a:t>
+            </a:r>
+          </a:p>
+          <a:p>
+            <a:pPr lvl="1"/>
+            <a:r>
+              <a:rPr lang="en-GB" err="1"/>
+              <a:t>xxxxxxxxxx</a:t>
+            </a:r>
+            <a:endParaRPr lang="en-GB"/>
+          </a:p>
+          <a:p>
+            <a:pPr lvl="1"/>
+            <a:r>
+              <a:rPr lang="en-GB" err="1"/>
+              <a:t>xxxxxxxxxxxxxxx</a:t>
+            </a:r>
+            <a:endParaRPr lang="en-GB"/>
+          </a:p>
+          <a:p>
+            <a:pPr lvl="1"/>
+            <a:r>
+              <a:rPr lang="en-GB" err="1"/>
+              <a:t>xxxxxxxxxxxxxxxxx</a:t>
+            </a:r>
+            <a:endParaRPr lang="en-GB"/>
           </a:p>
           <a:p>
             <a:pPr lvl="1"/>
             <a:endParaRPr lang="en-GB" noProof="0"/>
-          </a:p>
-          <a:p>
-            <a:r>
-              <a:rPr lang="en-GB" err="1"/>
-              <a:t>xxxxxxxxxxxx</a:t>
-            </a:r>
-            <a:endParaRPr lang="en-GB"/>
-          </a:p>
-          <a:p>
-            <a:pPr lvl="1"/>
-            <a:r>
-              <a:rPr lang="en-GB" err="1"/>
-              <a:t>xxxxxxxxxx</a:t>
-            </a:r>
-            <a:endParaRPr lang="en-GB"/>
-          </a:p>
-          <a:p>
-            <a:pPr lvl="1"/>
-            <a:r>
-              <a:rPr lang="en-GB" err="1"/>
-              <a:t>xxxxxxxxxxxxxxx</a:t>
-            </a:r>
-            <a:endParaRPr lang="en-GB"/>
-          </a:p>
-          <a:p>
-            <a:pPr lvl="1"/>
-            <a:r>
-              <a:rPr lang="en-GB" err="1"/>
-              <a:t>xxxxxxxxxxxxxxxxx</a:t>
-            </a:r>
-            <a:endParaRPr lang="en-GB"/>
-          </a:p>
-          <a:p>
-            <a:pPr lvl="1"/>
-            <a:endParaRPr lang="en-GB"/>
-          </a:p>
-          <a:p>
-            <a:r>
-              <a:rPr lang="en-GB" err="1"/>
-              <a:t>xxxxxxxxxxxx</a:t>
-            </a:r>
-            <a:endParaRPr lang="en-GB"/>
-          </a:p>
-          <a:p>
-            <a:pPr lvl="1"/>
-            <a:r>
-              <a:rPr lang="en-GB" err="1"/>
-              <a:t>xxxxxxxxxx</a:t>
-            </a:r>
-            <a:endParaRPr lang="en-GB"/>
-          </a:p>
-          <a:p>
-            <a:pPr lvl="1"/>
-            <a:r>
-              <a:rPr lang="en-GB" err="1"/>
-              <a:t>xxxxxxxxxxxxxxx</a:t>
-            </a:r>
-            <a:endParaRPr lang="en-GB"/>
-          </a:p>
-          <a:p>
-            <a:pPr lvl="1"/>
-            <a:r>
-              <a:rPr lang="en-GB" err="1"/>
-              <a:t>xxxxxxxxxxxxxxxxx</a:t>
-            </a:r>
-            <a:endParaRPr lang="en-GB"/>
           </a:p>
           <a:p>
             <a:endParaRPr lang="en-GB" noProof="0"/>
@@ -7479,7 +7592,7 @@
           <p:cNvPr id="6" name="Foliennummernplatzhalter 5">
             <a:extLst>
               <a:ext uri="{FF2B5EF4-FFF2-40B4-BE49-F238E27FC236}">
-                <a16:creationId xmlns:a16="http://schemas.microsoft.com/office/drawing/2014/main" id="{5E320FF7-3E23-0AC8-0889-45F7795C8222}"/>
+                <a16:creationId xmlns:a16="http://schemas.microsoft.com/office/drawing/2014/main" id="{1BD8CD17-EDBD-25BC-E543-25DF4667FF33}"/>
               </a:ext>
             </a:extLst>
           </p:cNvPr>
@@ -7507,7 +7620,7 @@
     </p:spTree>
     <p:extLst>
       <p:ext uri="{BB962C8B-B14F-4D97-AF65-F5344CB8AC3E}">
-        <p14:creationId xmlns:p14="http://schemas.microsoft.com/office/powerpoint/2010/main" val="1045838302"/>
+        <p14:creationId xmlns:p14="http://schemas.microsoft.com/office/powerpoint/2010/main" val="3460731855"/>
       </p:ext>
     </p:extLst>
   </p:cSld>
@@ -7583,120 +7696,107 @@
           <a:lstStyle/>
           <a:p>
             <a:r>
-              <a:rPr lang="en-GB" b="1"/>
-              <a:t>xxx: </a:t>
-            </a:r>
-            <a:r>
-              <a:rPr lang="en-GB"/>
-              <a:t>xxxxxxxxx</a:t>
-            </a:r>
+              <a:rPr lang="en-GB" b="1" noProof="0" dirty="0" err="1"/>
+              <a:t>xxxxxxxxxxxx</a:t>
+            </a:r>
+            <a:endParaRPr lang="en-GB" b="1" noProof="0" dirty="0"/>
           </a:p>
           <a:p>
             <a:pPr lvl="1"/>
             <a:r>
-              <a:rPr lang="en-GB" err="1"/>
+              <a:rPr lang="en-GB" noProof="0" dirty="0" err="1"/>
               <a:t>xxxxxxxxxx</a:t>
             </a:r>
-            <a:endParaRPr lang="en-GB"/>
+            <a:endParaRPr lang="en-GB" noProof="0" dirty="0"/>
           </a:p>
           <a:p>
             <a:pPr lvl="1"/>
             <a:r>
-              <a:rPr lang="en-GB" err="1"/>
+              <a:rPr lang="en-GB" noProof="0" dirty="0" err="1"/>
               <a:t>xxxxxxxxxxxxxxx</a:t>
             </a:r>
-            <a:endParaRPr lang="en-GB"/>
+            <a:endParaRPr lang="en-GB" noProof="0" dirty="0"/>
           </a:p>
           <a:p>
             <a:pPr lvl="1"/>
             <a:r>
-              <a:rPr lang="en-GB" err="1"/>
+              <a:rPr lang="en-GB" noProof="0" dirty="0" err="1"/>
               <a:t>xxxxxxxxxxxxxxxxx</a:t>
             </a:r>
-            <a:endParaRPr lang="en-GB"/>
+            <a:endParaRPr lang="en-GB" noProof="0" dirty="0"/>
           </a:p>
           <a:p>
             <a:pPr lvl="1"/>
-            <a:endParaRPr lang="en-GB"/>
-          </a:p>
-          <a:p>
-            <a:r>
-              <a:rPr lang="en-GB" b="1"/>
-              <a:t>xxx: </a:t>
-            </a:r>
-            <a:r>
-              <a:rPr lang="en-GB"/>
-              <a:t>xxxxxxxxx</a:t>
-            </a:r>
+            <a:endParaRPr lang="en-GB" noProof="0" dirty="0"/>
+          </a:p>
+          <a:p>
+            <a:r>
+              <a:rPr lang="en-GB" b="1" dirty="0" err="1"/>
+              <a:t>xxxxxxxxxxxx</a:t>
+            </a:r>
+            <a:endParaRPr lang="en-GB" b="1" dirty="0"/>
           </a:p>
           <a:p>
             <a:pPr lvl="1"/>
             <a:r>
-              <a:rPr lang="en-GB" err="1"/>
+              <a:rPr lang="en-GB" dirty="0" err="1"/>
               <a:t>xxxxxxxxxx</a:t>
             </a:r>
-            <a:endParaRPr lang="en-GB"/>
+            <a:endParaRPr lang="en-GB" dirty="0"/>
           </a:p>
           <a:p>
             <a:pPr lvl="1"/>
             <a:r>
-              <a:rPr lang="en-GB" err="1"/>
+              <a:rPr lang="en-GB" dirty="0" err="1"/>
               <a:t>xxxxxxxxxxxxxxx</a:t>
             </a:r>
-            <a:endParaRPr lang="en-GB"/>
+            <a:endParaRPr lang="en-GB" dirty="0"/>
           </a:p>
           <a:p>
             <a:pPr lvl="1"/>
             <a:r>
-              <a:rPr lang="en-GB" err="1"/>
+              <a:rPr lang="en-GB" dirty="0" err="1"/>
               <a:t>xxxxxxxxxxxxxxxxx</a:t>
             </a:r>
-            <a:endParaRPr lang="en-GB"/>
+            <a:endParaRPr lang="en-GB" dirty="0"/>
           </a:p>
           <a:p>
             <a:pPr lvl="1"/>
-            <a:endParaRPr lang="en-GB"/>
-          </a:p>
-          <a:p>
-            <a:r>
-              <a:rPr lang="en-GB" b="1"/>
-              <a:t>xxx: </a:t>
-            </a:r>
-            <a:r>
-              <a:rPr lang="en-GB"/>
-              <a:t>xxxxxxxxx</a:t>
-            </a:r>
+            <a:endParaRPr lang="en-GB" dirty="0"/>
+          </a:p>
+          <a:p>
+            <a:r>
+              <a:rPr lang="en-GB" b="1" dirty="0" err="1"/>
+              <a:t>xxxxxxxxxxxx</a:t>
+            </a:r>
+            <a:endParaRPr lang="en-GB" b="1" dirty="0"/>
           </a:p>
           <a:p>
             <a:pPr lvl="1"/>
             <a:r>
-              <a:rPr lang="en-GB" err="1"/>
+              <a:rPr lang="en-GB" dirty="0" err="1"/>
               <a:t>xxxxxxxxxx</a:t>
             </a:r>
-            <a:endParaRPr lang="en-GB"/>
+            <a:endParaRPr lang="en-GB" dirty="0"/>
           </a:p>
           <a:p>
             <a:pPr lvl="1"/>
             <a:r>
-              <a:rPr lang="en-GB" err="1"/>
+              <a:rPr lang="en-GB" dirty="0" err="1"/>
               <a:t>xxxxxxxxxxxxxxx</a:t>
             </a:r>
-            <a:endParaRPr lang="en-GB"/>
+            <a:endParaRPr lang="en-GB" dirty="0"/>
           </a:p>
           <a:p>
             <a:pPr lvl="1"/>
             <a:r>
-              <a:rPr lang="en-GB" err="1"/>
+              <a:rPr lang="en-GB" dirty="0" err="1"/>
               <a:t>xxxxxxxxxxxxxxxxx</a:t>
             </a:r>
-            <a:endParaRPr lang="en-GB"/>
-          </a:p>
-          <a:p>
-            <a:pPr lvl="1"/>
-            <a:endParaRPr lang="en-GB" noProof="0"/>
-          </a:p>
-          <a:p>
-            <a:endParaRPr lang="en-GB" noProof="0"/>
+            <a:endParaRPr lang="en-GB" dirty="0"/>
+          </a:p>
+          <a:p>
+            <a:endParaRPr lang="en-GB" noProof="0" dirty="0"/>
           </a:p>
         </p:txBody>
       </p:sp>
@@ -7758,7 +7858,7 @@
           <p:cNvPr id="6" name="Foliennummernplatzhalter 5">
             <a:extLst>
               <a:ext uri="{FF2B5EF4-FFF2-40B4-BE49-F238E27FC236}">
-                <a16:creationId xmlns:a16="http://schemas.microsoft.com/office/drawing/2014/main" id="{1BD8CD17-EDBD-25BC-E543-25DF4667FF33}"/>
+                <a16:creationId xmlns:a16="http://schemas.microsoft.com/office/drawing/2014/main" id="{BA3F8074-CA63-DD9D-7BFB-D49155B1002B}"/>
               </a:ext>
             </a:extLst>
           </p:cNvPr>
@@ -7786,7 +7886,7 @@
     </p:spTree>
     <p:extLst>
       <p:ext uri="{BB962C8B-B14F-4D97-AF65-F5344CB8AC3E}">
-        <p14:creationId xmlns:p14="http://schemas.microsoft.com/office/powerpoint/2010/main" val="3460731855"/>
+        <p14:creationId xmlns:p14="http://schemas.microsoft.com/office/powerpoint/2010/main" val="2040825420"/>
       </p:ext>
     </p:extLst>
   </p:cSld>
@@ -7815,10 +7915,10 @@
       </p:grpSpPr>
       <p:sp>
         <p:nvSpPr>
-          <p:cNvPr id="2" name="Titel 1">
+          <p:cNvPr id="11" name="Titel 10">
             <a:extLst>
               <a:ext uri="{FF2B5EF4-FFF2-40B4-BE49-F238E27FC236}">
-                <a16:creationId xmlns:a16="http://schemas.microsoft.com/office/drawing/2014/main" id="{F5377215-176B-48F3-8EA7-0B8FD213D845}"/>
+                <a16:creationId xmlns:a16="http://schemas.microsoft.com/office/drawing/2014/main" id="{65822FDD-7B22-4717-8E19-2E7093642AD9}"/>
               </a:ext>
             </a:extLst>
           </p:cNvPr>
@@ -7829,9 +7929,16 @@
             <p:ph type="title"/>
           </p:nvPr>
         </p:nvSpPr>
-        <p:spPr/>
+        <p:spPr>
+          <a:xfrm>
+            <a:off x="1915166" y="444485"/>
+            <a:ext cx="8835889" cy="382299"/>
+          </a:xfrm>
+        </p:spPr>
         <p:txBody>
-          <a:bodyPr/>
+          <a:bodyPr>
+            <a:normAutofit fontScale="90000"/>
+          </a:bodyPr>
           <a:lstStyle/>
           <a:p>
             <a:endParaRPr lang="en-GB" noProof="0"/>
@@ -7843,7 +7950,7 @@
           <p:cNvPr id="3" name="Inhaltsplatzhalter 2">
             <a:extLst>
               <a:ext uri="{FF2B5EF4-FFF2-40B4-BE49-F238E27FC236}">
-                <a16:creationId xmlns:a16="http://schemas.microsoft.com/office/drawing/2014/main" id="{1183B957-FA14-425F-B6FF-2B7BC11621FC}"/>
+                <a16:creationId xmlns:a16="http://schemas.microsoft.com/office/drawing/2014/main" id="{AC57AAC8-22CF-43D3-8783-3F5328526987}"/>
               </a:ext>
             </a:extLst>
           </p:cNvPr>
@@ -7851,7 +7958,7 @@
             <a:spLocks noGrp="1"/>
           </p:cNvSpPr>
           <p:nvPr>
-            <p:ph idx="1"/>
+            <p:ph sz="half" idx="1"/>
           </p:nvPr>
         </p:nvSpPr>
         <p:spPr/>
@@ -7862,116 +7969,110 @@
           <a:lstStyle/>
           <a:p>
             <a:r>
-              <a:rPr lang="en-GB" b="1" noProof="0" dirty="0" err="1"/>
-              <a:t>xxxxxxxxxxxx</a:t>
-            </a:r>
-            <a:endParaRPr lang="en-GB" b="1" noProof="0" dirty="0"/>
+              <a:rPr lang="en-GB"/>
+              <a:t>xxxxxxxxx</a:t>
+            </a:r>
           </a:p>
           <a:p>
             <a:pPr lvl="1"/>
             <a:r>
-              <a:rPr lang="en-GB" noProof="0" dirty="0" err="1"/>
+              <a:rPr lang="en-GB" err="1"/>
               <a:t>xxxxxxxxxx</a:t>
             </a:r>
-            <a:endParaRPr lang="en-GB" noProof="0" dirty="0"/>
+            <a:endParaRPr lang="en-GB"/>
           </a:p>
           <a:p>
             <a:pPr lvl="1"/>
             <a:r>
-              <a:rPr lang="en-GB" noProof="0" dirty="0" err="1"/>
+              <a:rPr lang="en-GB" err="1"/>
               <a:t>xxxxxxxxxxxxxxx</a:t>
             </a:r>
-            <a:endParaRPr lang="en-GB" noProof="0" dirty="0"/>
+            <a:endParaRPr lang="en-GB"/>
           </a:p>
           <a:p>
             <a:pPr lvl="1"/>
             <a:r>
-              <a:rPr lang="en-GB" noProof="0" dirty="0" err="1"/>
+              <a:rPr lang="en-GB" err="1"/>
               <a:t>xxxxxxxxxxxxxxxxx</a:t>
             </a:r>
-            <a:endParaRPr lang="en-GB" noProof="0" dirty="0"/>
+            <a:endParaRPr lang="en-GB"/>
           </a:p>
           <a:p>
             <a:pPr lvl="1"/>
-            <a:endParaRPr lang="en-GB" noProof="0" dirty="0"/>
-          </a:p>
-          <a:p>
-            <a:r>
-              <a:rPr lang="en-GB" b="1" dirty="0" err="1"/>
-              <a:t>xxxxxxxxxxxx</a:t>
-            </a:r>
-            <a:endParaRPr lang="en-GB" b="1" dirty="0"/>
+            <a:endParaRPr lang="en-GB"/>
+          </a:p>
+          <a:p>
+            <a:r>
+              <a:rPr lang="en-GB"/>
+              <a:t>xxxxxxxxx</a:t>
+            </a:r>
           </a:p>
           <a:p>
             <a:pPr lvl="1"/>
             <a:r>
-              <a:rPr lang="en-GB" dirty="0" err="1"/>
+              <a:rPr lang="en-GB" err="1"/>
               <a:t>xxxxxxxxxx</a:t>
             </a:r>
-            <a:endParaRPr lang="en-GB" dirty="0"/>
+            <a:endParaRPr lang="en-GB"/>
           </a:p>
           <a:p>
             <a:pPr lvl="1"/>
             <a:r>
-              <a:rPr lang="en-GB" dirty="0" err="1"/>
+              <a:rPr lang="en-GB" err="1"/>
               <a:t>xxxxxxxxxxxxxxx</a:t>
             </a:r>
-            <a:endParaRPr lang="en-GB" dirty="0"/>
+            <a:endParaRPr lang="en-GB"/>
           </a:p>
           <a:p>
             <a:pPr lvl="1"/>
             <a:r>
-              <a:rPr lang="en-GB" dirty="0" err="1"/>
+              <a:rPr lang="en-GB" err="1"/>
               <a:t>xxxxxxxxxxxxxxxxx</a:t>
             </a:r>
-            <a:endParaRPr lang="en-GB" dirty="0"/>
+            <a:endParaRPr lang="en-GB"/>
           </a:p>
           <a:p>
             <a:pPr lvl="1"/>
-            <a:endParaRPr lang="en-GB" dirty="0"/>
-          </a:p>
-          <a:p>
-            <a:r>
-              <a:rPr lang="en-GB" b="1" dirty="0" err="1"/>
-              <a:t>xxxxxxxxxxxx</a:t>
-            </a:r>
-            <a:endParaRPr lang="en-GB" b="1" dirty="0"/>
+            <a:endParaRPr lang="en-GB"/>
+          </a:p>
+          <a:p>
+            <a:r>
+              <a:rPr lang="en-GB"/>
+              <a:t>xxxxxxxxx</a:t>
+            </a:r>
           </a:p>
           <a:p>
             <a:pPr lvl="1"/>
             <a:r>
-              <a:rPr lang="en-GB" dirty="0" err="1"/>
+              <a:rPr lang="en-GB" err="1"/>
               <a:t>xxxxxxxxxx</a:t>
             </a:r>
-            <a:endParaRPr lang="en-GB" dirty="0"/>
+            <a:endParaRPr lang="en-GB"/>
           </a:p>
           <a:p>
             <a:pPr lvl="1"/>
             <a:r>
-              <a:rPr lang="en-GB" dirty="0" err="1"/>
+              <a:rPr lang="en-GB" err="1"/>
               <a:t>xxxxxxxxxxxxxxx</a:t>
             </a:r>
-            <a:endParaRPr lang="en-GB" dirty="0"/>
+            <a:endParaRPr lang="en-GB"/>
           </a:p>
           <a:p>
             <a:pPr lvl="1"/>
             <a:r>
-              <a:rPr lang="en-GB" dirty="0" err="1"/>
+              <a:rPr lang="en-GB" err="1"/>
               <a:t>xxxxxxxxxxxxxxxxx</a:t>
             </a:r>
-            <a:endParaRPr lang="en-GB" dirty="0"/>
-          </a:p>
-          <a:p>
-            <a:endParaRPr lang="en-GB" noProof="0" dirty="0"/>
+            <a:endParaRPr lang="en-GB"/>
           </a:p>
         </p:txBody>
       </p:sp>
       <p:sp>
         <p:nvSpPr>
-          <p:cNvPr id="4" name="Textplatzhalter 3">
+          <p:cNvPr id="2" name="Inhaltsplatzhalter 1">
             <a:extLst>
               <a:ext uri="{FF2B5EF4-FFF2-40B4-BE49-F238E27FC236}">
-                <a16:creationId xmlns:a16="http://schemas.microsoft.com/office/drawing/2014/main" id="{F09C4B38-D310-4ABD-9A5C-AC00DBE27798}"/>
+                <a16:creationId xmlns:a16="http://schemas.microsoft.com/office/drawing/2014/main" id="{E37DB8DB-C499-44C4-9FB8-B0E69EA6B282}"/>
               </a:ext>
             </a:extLst>
           </p:cNvPr>
@@ -7979,15 +8080,112 @@
             <a:spLocks noGrp="1"/>
           </p:cNvSpPr>
           <p:nvPr>
-            <p:ph type="body" sz="quarter" idx="13"/>
+            <p:ph sz="half" idx="2"/>
           </p:nvPr>
         </p:nvSpPr>
         <p:spPr/>
         <p:txBody>
-          <a:bodyPr/>
+          <a:bodyPr>
+            <a:normAutofit fontScale="62500" lnSpcReduction="20000"/>
+          </a:bodyPr>
           <a:lstStyle/>
           <a:p>
-            <a:endParaRPr lang="en-GB" noProof="0"/>
+            <a:r>
+              <a:rPr lang="en-GB"/>
+              <a:t>xxxxxxxxx</a:t>
+            </a:r>
+          </a:p>
+          <a:p>
+            <a:pPr lvl="1"/>
+            <a:r>
+              <a:rPr lang="en-GB" err="1"/>
+              <a:t>xxxxxxxxxx</a:t>
+            </a:r>
+            <a:endParaRPr lang="en-GB"/>
+          </a:p>
+          <a:p>
+            <a:pPr lvl="1"/>
+            <a:r>
+              <a:rPr lang="en-GB" err="1"/>
+              <a:t>xxxxxxxxxxxxxxx</a:t>
+            </a:r>
+            <a:endParaRPr lang="en-GB"/>
+          </a:p>
+          <a:p>
+            <a:pPr lvl="1"/>
+            <a:r>
+              <a:rPr lang="en-GB" err="1"/>
+              <a:t>xxxxxxxxxxxxxxxxx</a:t>
+            </a:r>
+            <a:endParaRPr lang="en-GB"/>
+          </a:p>
+          <a:p>
+            <a:pPr lvl="1"/>
+            <a:endParaRPr lang="en-GB"/>
+          </a:p>
+          <a:p>
+            <a:r>
+              <a:rPr lang="en-GB"/>
+              <a:t>xxxxxxxxx</a:t>
+            </a:r>
+          </a:p>
+          <a:p>
+            <a:pPr lvl="1"/>
+            <a:r>
+              <a:rPr lang="en-GB" err="1"/>
+              <a:t>xxxxxxxxxx</a:t>
+            </a:r>
+            <a:endParaRPr lang="en-GB"/>
+          </a:p>
+          <a:p>
+            <a:pPr lvl="1"/>
+            <a:r>
+              <a:rPr lang="en-GB" err="1"/>
+              <a:t>xxxxxxxxxxxxxxx</a:t>
+            </a:r>
+            <a:endParaRPr lang="en-GB"/>
+          </a:p>
+          <a:p>
+            <a:pPr lvl="1"/>
+            <a:r>
+              <a:rPr lang="en-GB" err="1"/>
+              <a:t>xxxxxxxxxxxxxxxxx</a:t>
+            </a:r>
+            <a:endParaRPr lang="en-GB"/>
+          </a:p>
+          <a:p>
+            <a:pPr lvl="1"/>
+            <a:endParaRPr lang="en-GB"/>
+          </a:p>
+          <a:p>
+            <a:r>
+              <a:rPr lang="en-GB"/>
+              <a:t>xxxxxxxxx</a:t>
+            </a:r>
+          </a:p>
+          <a:p>
+            <a:pPr lvl="1"/>
+            <a:r>
+              <a:rPr lang="en-GB" err="1"/>
+              <a:t>xxxxxxxxxx</a:t>
+            </a:r>
+            <a:endParaRPr lang="en-GB"/>
+          </a:p>
+          <a:p>
+            <a:pPr lvl="1"/>
+            <a:r>
+              <a:rPr lang="en-GB" err="1"/>
+              <a:t>xxxxxxxxxxxxxxx</a:t>
+            </a:r>
+            <a:endParaRPr lang="en-GB"/>
+          </a:p>
+          <a:p>
+            <a:pPr lvl="1"/>
+            <a:r>
+              <a:rPr lang="en-GB" err="1"/>
+              <a:t>xxxxxxxxxxxxxxxxx</a:t>
+            </a:r>
+            <a:endParaRPr lang="en-GB"/>
           </a:p>
         </p:txBody>
       </p:sp>
@@ -7996,7 +8194,7 @@
           <p:cNvPr id="5" name="Fußzeilenplatzhalter 4">
             <a:extLst>
               <a:ext uri="{FF2B5EF4-FFF2-40B4-BE49-F238E27FC236}">
-                <a16:creationId xmlns:a16="http://schemas.microsoft.com/office/drawing/2014/main" id="{D4631D21-9318-4F00-B6EF-E32C3FF16647}"/>
+                <a16:creationId xmlns:a16="http://schemas.microsoft.com/office/drawing/2014/main" id="{2DA1B41C-7299-45DA-98C6-6F44EFC11CB3}"/>
               </a:ext>
             </a:extLst>
           </p:cNvPr>
@@ -8021,10 +8219,42 @@
       </p:sp>
       <p:sp>
         <p:nvSpPr>
-          <p:cNvPr id="6" name="Foliennummernplatzhalter 5">
+          <p:cNvPr id="13" name="Textplatzhalter 12">
             <a:extLst>
               <a:ext uri="{FF2B5EF4-FFF2-40B4-BE49-F238E27FC236}">
-                <a16:creationId xmlns:a16="http://schemas.microsoft.com/office/drawing/2014/main" id="{BA3F8074-CA63-DD9D-7BFB-D49155B1002B}"/>
+                <a16:creationId xmlns:a16="http://schemas.microsoft.com/office/drawing/2014/main" id="{FB64CC0F-CD64-486F-B9A9-12C173777BE9}"/>
+              </a:ext>
+            </a:extLst>
+          </p:cNvPr>
+          <p:cNvSpPr>
+            <a:spLocks noGrp="1"/>
+          </p:cNvSpPr>
+          <p:nvPr>
+            <p:ph type="body" sz="quarter" idx="4294967295"/>
+          </p:nvPr>
+        </p:nvSpPr>
+        <p:spPr>
+          <a:xfrm>
+            <a:off x="1915166" y="1092672"/>
+            <a:ext cx="9311866" cy="224657"/>
+          </a:xfrm>
+        </p:spPr>
+        <p:txBody>
+          <a:bodyPr>
+            <a:normAutofit fontScale="25000" lnSpcReduction="20000"/>
+          </a:bodyPr>
+          <a:lstStyle/>
+          <a:p>
+            <a:endParaRPr lang="en-GB" noProof="0"/>
+          </a:p>
+        </p:txBody>
+      </p:sp>
+      <p:sp>
+        <p:nvSpPr>
+          <p:cNvPr id="4" name="Foliennummernplatzhalter 3">
+            <a:extLst>
+              <a:ext uri="{FF2B5EF4-FFF2-40B4-BE49-F238E27FC236}">
+                <a16:creationId xmlns:a16="http://schemas.microsoft.com/office/drawing/2014/main" id="{51988532-66B7-618A-A2DA-ABC630B99C6D}"/>
               </a:ext>
             </a:extLst>
           </p:cNvPr>
@@ -8052,7 +8282,7 @@
     </p:spTree>
     <p:extLst>
       <p:ext uri="{BB962C8B-B14F-4D97-AF65-F5344CB8AC3E}">
-        <p14:creationId xmlns:p14="http://schemas.microsoft.com/office/powerpoint/2010/main" val="2040825420"/>
+        <p14:creationId xmlns:p14="http://schemas.microsoft.com/office/powerpoint/2010/main" val="139227436"/>
       </p:ext>
     </p:extLst>
   </p:cSld>
@@ -8135,6 +8365,10 @@
           <a:lstStyle/>
           <a:p>
             <a:r>
+              <a:rPr lang="en-GB" b="1"/>
+              <a:t>xxx: </a:t>
+            </a:r>
+            <a:r>
               <a:rPr lang="en-GB"/>
               <a:t>xxxxxxxxx</a:t>
             </a:r>
@@ -8169,6 +8403,10 @@
           </a:p>
           <a:p>
             <a:r>
+              <a:rPr lang="en-GB" b="1"/>
+              <a:t>xxx: </a:t>
+            </a:r>
+            <a:r>
               <a:rPr lang="en-GB"/>
               <a:t>xxxxxxxxx</a:t>
             </a:r>
@@ -8202,6 +8440,10 @@
             <a:endParaRPr lang="en-GB"/>
           </a:p>
           <a:p>
+            <a:r>
+              <a:rPr lang="en-GB" b="1"/>
+              <a:t>xxx: </a:t>
+            </a:r>
             <a:r>
               <a:rPr lang="en-GB"/>
               <a:t>xxxxxxxxx</a:t>
@@ -8257,6 +8499,10 @@
           <a:lstStyle/>
           <a:p>
             <a:r>
+              <a:rPr lang="en-GB" b="1"/>
+              <a:t>xxx: </a:t>
+            </a:r>
+            <a:r>
               <a:rPr lang="en-GB"/>
               <a:t>xxxxxxxxx</a:t>
             </a:r>
@@ -8291,6 +8537,10 @@
           </a:p>
           <a:p>
             <a:r>
+              <a:rPr lang="en-GB" b="1"/>
+              <a:t>xxx: </a:t>
+            </a:r>
+            <a:r>
               <a:rPr lang="en-GB"/>
               <a:t>xxxxxxxxx</a:t>
             </a:r>
@@ -8324,6 +8574,10 @@
             <a:endParaRPr lang="en-GB"/>
           </a:p>
           <a:p>
+            <a:r>
+              <a:rPr lang="en-GB" b="1"/>
+              <a:t>xxx: </a:t>
+            </a:r>
             <a:r>
               <a:rPr lang="en-GB"/>
               <a:t>xxxxxxxxx</a:t>
@@ -8420,7 +8674,7 @@
           <p:cNvPr id="4" name="Foliennummernplatzhalter 3">
             <a:extLst>
               <a:ext uri="{FF2B5EF4-FFF2-40B4-BE49-F238E27FC236}">
-                <a16:creationId xmlns:a16="http://schemas.microsoft.com/office/drawing/2014/main" id="{51988532-66B7-618A-A2DA-ABC630B99C6D}"/>
+                <a16:creationId xmlns:a16="http://schemas.microsoft.com/office/drawing/2014/main" id="{5EE4A763-4CBB-FD52-5F8A-D83AA01A4E0B}"/>
               </a:ext>
             </a:extLst>
           </p:cNvPr>
@@ -8448,7 +8702,7 @@
     </p:spTree>
     <p:extLst>
       <p:ext uri="{BB962C8B-B14F-4D97-AF65-F5344CB8AC3E}">
-        <p14:creationId xmlns:p14="http://schemas.microsoft.com/office/powerpoint/2010/main" val="139227436"/>
+        <p14:creationId xmlns:p14="http://schemas.microsoft.com/office/powerpoint/2010/main" val="2460714391"/>
       </p:ext>
     </p:extLst>
   </p:cSld>
@@ -8532,10 +8786,6 @@
           <a:p>
             <a:r>
               <a:rPr lang="en-GB" b="1"/>
-              <a:t>xxx: </a:t>
-            </a:r>
-            <a:r>
-              <a:rPr lang="en-GB"/>
               <a:t>xxxxxxxxx</a:t>
             </a:r>
           </a:p>
@@ -8570,10 +8820,6 @@
           <a:p>
             <a:r>
               <a:rPr lang="en-GB" b="1"/>
-              <a:t>xxx: </a:t>
-            </a:r>
-            <a:r>
-              <a:rPr lang="en-GB"/>
               <a:t>xxxxxxxxx</a:t>
             </a:r>
           </a:p>
@@ -8608,10 +8854,6 @@
           <a:p>
             <a:r>
               <a:rPr lang="en-GB" b="1"/>
-              <a:t>xxx: </a:t>
-            </a:r>
-            <a:r>
-              <a:rPr lang="en-GB"/>
               <a:t>xxxxxxxxx</a:t>
             </a:r>
           </a:p>
@@ -8666,10 +8908,6 @@
           <a:p>
             <a:r>
               <a:rPr lang="en-GB" b="1"/>
-              <a:t>xxx: </a:t>
-            </a:r>
-            <a:r>
-              <a:rPr lang="en-GB"/>
               <a:t>xxxxxxxxx</a:t>
             </a:r>
           </a:p>
@@ -8704,10 +8942,6 @@
           <a:p>
             <a:r>
               <a:rPr lang="en-GB" b="1"/>
-              <a:t>xxx: </a:t>
-            </a:r>
-            <a:r>
-              <a:rPr lang="en-GB"/>
               <a:t>xxxxxxxxx</a:t>
             </a:r>
           </a:p>
@@ -8742,10 +8976,6 @@
           <a:p>
             <a:r>
               <a:rPr lang="en-GB" b="1"/>
-              <a:t>xxx: </a:t>
-            </a:r>
-            <a:r>
-              <a:rPr lang="en-GB"/>
               <a:t>xxxxxxxxx</a:t>
             </a:r>
           </a:p>
@@ -8840,402 +9070,6 @@
           <p:cNvPr id="4" name="Foliennummernplatzhalter 3">
             <a:extLst>
               <a:ext uri="{FF2B5EF4-FFF2-40B4-BE49-F238E27FC236}">
-                <a16:creationId xmlns:a16="http://schemas.microsoft.com/office/drawing/2014/main" id="{5EE4A763-4CBB-FD52-5F8A-D83AA01A4E0B}"/>
-              </a:ext>
-            </a:extLst>
-          </p:cNvPr>
-          <p:cNvSpPr>
-            <a:spLocks noGrp="1"/>
-          </p:cNvSpPr>
-          <p:nvPr>
-            <p:ph type="sldNum" sz="quarter" idx="4"/>
-          </p:nvPr>
-        </p:nvSpPr>
-        <p:spPr/>
-        <p:txBody>
-          <a:bodyPr/>
-          <a:lstStyle/>
-          <a:p>
-            <a:fld id="{7D8F40E6-5147-4048-8648-74966E0AD208}" type="slidenum">
-              <a:rPr lang="en-GB" noProof="0" smtClean="0"/>
-              <a:pPr/>
-              <a:t>24</a:t>
-            </a:fld>
-            <a:endParaRPr lang="en-GB" noProof="0"/>
-          </a:p>
-        </p:txBody>
-      </p:sp>
-    </p:spTree>
-    <p:extLst>
-      <p:ext uri="{BB962C8B-B14F-4D97-AF65-F5344CB8AC3E}">
-        <p14:creationId xmlns:p14="http://schemas.microsoft.com/office/powerpoint/2010/main" val="2460714391"/>
-      </p:ext>
-    </p:extLst>
-  </p:cSld>
-  <p:clrMapOvr>
-    <a:masterClrMapping/>
-  </p:clrMapOvr>
-</p:sld>
-</file>
-
-<file path=ppt/slides/slide25.xml><?xml version="1.0" encoding="utf-8"?>
-<p:sld xmlns:a="http://schemas.openxmlformats.org/drawingml/2006/main" xmlns:r="http://schemas.openxmlformats.org/officeDocument/2006/relationships" xmlns:p="http://schemas.openxmlformats.org/presentationml/2006/main">
-  <p:cSld>
-    <p:spTree>
-      <p:nvGrpSpPr>
-        <p:cNvPr id="1" name=""/>
-        <p:cNvGrpSpPr/>
-        <p:nvPr/>
-      </p:nvGrpSpPr>
-      <p:grpSpPr>
-        <a:xfrm>
-          <a:off x="0" y="0"/>
-          <a:ext cx="0" cy="0"/>
-          <a:chOff x="0" y="0"/>
-          <a:chExt cx="0" cy="0"/>
-        </a:xfrm>
-      </p:grpSpPr>
-      <p:sp>
-        <p:nvSpPr>
-          <p:cNvPr id="11" name="Titel 10">
-            <a:extLst>
-              <a:ext uri="{FF2B5EF4-FFF2-40B4-BE49-F238E27FC236}">
-                <a16:creationId xmlns:a16="http://schemas.microsoft.com/office/drawing/2014/main" id="{65822FDD-7B22-4717-8E19-2E7093642AD9}"/>
-              </a:ext>
-            </a:extLst>
-          </p:cNvPr>
-          <p:cNvSpPr>
-            <a:spLocks noGrp="1"/>
-          </p:cNvSpPr>
-          <p:nvPr>
-            <p:ph type="title"/>
-          </p:nvPr>
-        </p:nvSpPr>
-        <p:spPr>
-          <a:xfrm>
-            <a:off x="1915166" y="444485"/>
-            <a:ext cx="8835889" cy="382299"/>
-          </a:xfrm>
-        </p:spPr>
-        <p:txBody>
-          <a:bodyPr>
-            <a:normAutofit fontScale="90000"/>
-          </a:bodyPr>
-          <a:lstStyle/>
-          <a:p>
-            <a:endParaRPr lang="en-GB" noProof="0"/>
-          </a:p>
-        </p:txBody>
-      </p:sp>
-      <p:sp>
-        <p:nvSpPr>
-          <p:cNvPr id="3" name="Inhaltsplatzhalter 2">
-            <a:extLst>
-              <a:ext uri="{FF2B5EF4-FFF2-40B4-BE49-F238E27FC236}">
-                <a16:creationId xmlns:a16="http://schemas.microsoft.com/office/drawing/2014/main" id="{AC57AAC8-22CF-43D3-8783-3F5328526987}"/>
-              </a:ext>
-            </a:extLst>
-          </p:cNvPr>
-          <p:cNvSpPr>
-            <a:spLocks noGrp="1"/>
-          </p:cNvSpPr>
-          <p:nvPr>
-            <p:ph sz="half" idx="1"/>
-          </p:nvPr>
-        </p:nvSpPr>
-        <p:spPr/>
-        <p:txBody>
-          <a:bodyPr>
-            <a:normAutofit fontScale="70000" lnSpcReduction="20000"/>
-          </a:bodyPr>
-          <a:lstStyle/>
-          <a:p>
-            <a:r>
-              <a:rPr lang="en-GB" b="1"/>
-              <a:t>xxxxxxxxx</a:t>
-            </a:r>
-          </a:p>
-          <a:p>
-            <a:pPr lvl="1"/>
-            <a:r>
-              <a:rPr lang="en-GB" err="1"/>
-              <a:t>xxxxxxxxxx</a:t>
-            </a:r>
-            <a:endParaRPr lang="en-GB"/>
-          </a:p>
-          <a:p>
-            <a:pPr lvl="1"/>
-            <a:r>
-              <a:rPr lang="en-GB" err="1"/>
-              <a:t>xxxxxxxxxxxxxxx</a:t>
-            </a:r>
-            <a:endParaRPr lang="en-GB"/>
-          </a:p>
-          <a:p>
-            <a:pPr lvl="1"/>
-            <a:r>
-              <a:rPr lang="en-GB" err="1"/>
-              <a:t>xxxxxxxxxxxxxxxxx</a:t>
-            </a:r>
-            <a:endParaRPr lang="en-GB"/>
-          </a:p>
-          <a:p>
-            <a:pPr lvl="1"/>
-            <a:endParaRPr lang="en-GB"/>
-          </a:p>
-          <a:p>
-            <a:r>
-              <a:rPr lang="en-GB" b="1"/>
-              <a:t>xxxxxxxxx</a:t>
-            </a:r>
-          </a:p>
-          <a:p>
-            <a:pPr lvl="1"/>
-            <a:r>
-              <a:rPr lang="en-GB" err="1"/>
-              <a:t>xxxxxxxxxx</a:t>
-            </a:r>
-            <a:endParaRPr lang="en-GB"/>
-          </a:p>
-          <a:p>
-            <a:pPr lvl="1"/>
-            <a:r>
-              <a:rPr lang="en-GB" err="1"/>
-              <a:t>xxxxxxxxxxxxxxx</a:t>
-            </a:r>
-            <a:endParaRPr lang="en-GB"/>
-          </a:p>
-          <a:p>
-            <a:pPr lvl="1"/>
-            <a:r>
-              <a:rPr lang="en-GB" err="1"/>
-              <a:t>xxxxxxxxxxxxxxxxx</a:t>
-            </a:r>
-            <a:endParaRPr lang="en-GB"/>
-          </a:p>
-          <a:p>
-            <a:pPr lvl="1"/>
-            <a:endParaRPr lang="en-GB"/>
-          </a:p>
-          <a:p>
-            <a:r>
-              <a:rPr lang="en-GB" b="1"/>
-              <a:t>xxxxxxxxx</a:t>
-            </a:r>
-          </a:p>
-          <a:p>
-            <a:pPr lvl="1"/>
-            <a:r>
-              <a:rPr lang="en-GB" err="1"/>
-              <a:t>xxxxxxxxxx</a:t>
-            </a:r>
-            <a:endParaRPr lang="en-GB"/>
-          </a:p>
-          <a:p>
-            <a:pPr lvl="1"/>
-            <a:r>
-              <a:rPr lang="en-GB" err="1"/>
-              <a:t>xxxxxxxxxxxxxxx</a:t>
-            </a:r>
-            <a:endParaRPr lang="en-GB"/>
-          </a:p>
-          <a:p>
-            <a:pPr lvl="1"/>
-            <a:r>
-              <a:rPr lang="en-GB" err="1"/>
-              <a:t>xxxxxxxxxxxxxxxxx</a:t>
-            </a:r>
-            <a:endParaRPr lang="en-GB"/>
-          </a:p>
-        </p:txBody>
-      </p:sp>
-      <p:sp>
-        <p:nvSpPr>
-          <p:cNvPr id="2" name="Inhaltsplatzhalter 1">
-            <a:extLst>
-              <a:ext uri="{FF2B5EF4-FFF2-40B4-BE49-F238E27FC236}">
-                <a16:creationId xmlns:a16="http://schemas.microsoft.com/office/drawing/2014/main" id="{E37DB8DB-C499-44C4-9FB8-B0E69EA6B282}"/>
-              </a:ext>
-            </a:extLst>
-          </p:cNvPr>
-          <p:cNvSpPr>
-            <a:spLocks noGrp="1"/>
-          </p:cNvSpPr>
-          <p:nvPr>
-            <p:ph sz="half" idx="2"/>
-          </p:nvPr>
-        </p:nvSpPr>
-        <p:spPr/>
-        <p:txBody>
-          <a:bodyPr>
-            <a:normAutofit fontScale="62500" lnSpcReduction="20000"/>
-          </a:bodyPr>
-          <a:lstStyle/>
-          <a:p>
-            <a:r>
-              <a:rPr lang="en-GB" b="1"/>
-              <a:t>xxxxxxxxx</a:t>
-            </a:r>
-          </a:p>
-          <a:p>
-            <a:pPr lvl="1"/>
-            <a:r>
-              <a:rPr lang="en-GB" err="1"/>
-              <a:t>xxxxxxxxxx</a:t>
-            </a:r>
-            <a:endParaRPr lang="en-GB"/>
-          </a:p>
-          <a:p>
-            <a:pPr lvl="1"/>
-            <a:r>
-              <a:rPr lang="en-GB" err="1"/>
-              <a:t>xxxxxxxxxxxxxxx</a:t>
-            </a:r>
-            <a:endParaRPr lang="en-GB"/>
-          </a:p>
-          <a:p>
-            <a:pPr lvl="1"/>
-            <a:r>
-              <a:rPr lang="en-GB" err="1"/>
-              <a:t>xxxxxxxxxxxxxxxxx</a:t>
-            </a:r>
-            <a:endParaRPr lang="en-GB"/>
-          </a:p>
-          <a:p>
-            <a:pPr lvl="1"/>
-            <a:endParaRPr lang="en-GB"/>
-          </a:p>
-          <a:p>
-            <a:r>
-              <a:rPr lang="en-GB" b="1"/>
-              <a:t>xxxxxxxxx</a:t>
-            </a:r>
-          </a:p>
-          <a:p>
-            <a:pPr lvl="1"/>
-            <a:r>
-              <a:rPr lang="en-GB" err="1"/>
-              <a:t>xxxxxxxxxx</a:t>
-            </a:r>
-            <a:endParaRPr lang="en-GB"/>
-          </a:p>
-          <a:p>
-            <a:pPr lvl="1"/>
-            <a:r>
-              <a:rPr lang="en-GB" err="1"/>
-              <a:t>xxxxxxxxxxxxxxx</a:t>
-            </a:r>
-            <a:endParaRPr lang="en-GB"/>
-          </a:p>
-          <a:p>
-            <a:pPr lvl="1"/>
-            <a:r>
-              <a:rPr lang="en-GB" err="1"/>
-              <a:t>xxxxxxxxxxxxxxxxx</a:t>
-            </a:r>
-            <a:endParaRPr lang="en-GB"/>
-          </a:p>
-          <a:p>
-            <a:pPr lvl="1"/>
-            <a:endParaRPr lang="en-GB"/>
-          </a:p>
-          <a:p>
-            <a:r>
-              <a:rPr lang="en-GB" b="1"/>
-              <a:t>xxxxxxxxx</a:t>
-            </a:r>
-          </a:p>
-          <a:p>
-            <a:pPr lvl="1"/>
-            <a:r>
-              <a:rPr lang="en-GB" err="1"/>
-              <a:t>xxxxxxxxxx</a:t>
-            </a:r>
-            <a:endParaRPr lang="en-GB"/>
-          </a:p>
-          <a:p>
-            <a:pPr lvl="1"/>
-            <a:r>
-              <a:rPr lang="en-GB" err="1"/>
-              <a:t>xxxxxxxxxxxxxxx</a:t>
-            </a:r>
-            <a:endParaRPr lang="en-GB"/>
-          </a:p>
-          <a:p>
-            <a:pPr lvl="1"/>
-            <a:r>
-              <a:rPr lang="en-GB" err="1"/>
-              <a:t>xxxxxxxxxxxxxxxxx</a:t>
-            </a:r>
-            <a:endParaRPr lang="en-GB"/>
-          </a:p>
-        </p:txBody>
-      </p:sp>
-      <p:sp>
-        <p:nvSpPr>
-          <p:cNvPr id="5" name="Fußzeilenplatzhalter 4">
-            <a:extLst>
-              <a:ext uri="{FF2B5EF4-FFF2-40B4-BE49-F238E27FC236}">
-                <a16:creationId xmlns:a16="http://schemas.microsoft.com/office/drawing/2014/main" id="{2DA1B41C-7299-45DA-98C6-6F44EFC11CB3}"/>
-              </a:ext>
-            </a:extLst>
-          </p:cNvPr>
-          <p:cNvSpPr>
-            <a:spLocks noGrp="1"/>
-          </p:cNvSpPr>
-          <p:nvPr>
-            <p:ph type="ftr" sz="quarter" idx="3"/>
-          </p:nvPr>
-        </p:nvSpPr>
-        <p:spPr/>
-        <p:txBody>
-          <a:bodyPr/>
-          <a:lstStyle/>
-          <a:p>
-            <a:r>
-              <a:rPr lang="en-GB" dirty="0"/>
-              <a:t>Open Music Europe | WP Presentation</a:t>
-            </a:r>
-          </a:p>
-        </p:txBody>
-      </p:sp>
-      <p:sp>
-        <p:nvSpPr>
-          <p:cNvPr id="13" name="Textplatzhalter 12">
-            <a:extLst>
-              <a:ext uri="{FF2B5EF4-FFF2-40B4-BE49-F238E27FC236}">
-                <a16:creationId xmlns:a16="http://schemas.microsoft.com/office/drawing/2014/main" id="{FB64CC0F-CD64-486F-B9A9-12C173777BE9}"/>
-              </a:ext>
-            </a:extLst>
-          </p:cNvPr>
-          <p:cNvSpPr>
-            <a:spLocks noGrp="1"/>
-          </p:cNvSpPr>
-          <p:nvPr>
-            <p:ph type="body" sz="quarter" idx="4294967295"/>
-          </p:nvPr>
-        </p:nvSpPr>
-        <p:spPr>
-          <a:xfrm>
-            <a:off x="1915166" y="1092672"/>
-            <a:ext cx="9311866" cy="224657"/>
-          </a:xfrm>
-        </p:spPr>
-        <p:txBody>
-          <a:bodyPr>
-            <a:normAutofit fontScale="25000" lnSpcReduction="20000"/>
-          </a:bodyPr>
-          <a:lstStyle/>
-          <a:p>
-            <a:endParaRPr lang="en-GB" noProof="0"/>
-          </a:p>
-        </p:txBody>
-      </p:sp>
-      <p:sp>
-        <p:nvSpPr>
-          <p:cNvPr id="4" name="Foliennummernplatzhalter 3">
-            <a:extLst>
-              <a:ext uri="{FF2B5EF4-FFF2-40B4-BE49-F238E27FC236}">
                 <a16:creationId xmlns:a16="http://schemas.microsoft.com/office/drawing/2014/main" id="{0FDA2CD3-ABF7-4836-1831-46C16D002ADE}"/>
               </a:ext>
             </a:extLst>
@@ -9255,7 +9089,7 @@
             <a:fld id="{7D8F40E6-5147-4048-8648-74966E0AD208}" type="slidenum">
               <a:rPr lang="en-GB" noProof="0" smtClean="0"/>
               <a:pPr/>
-              <a:t>25</a:t>
+              <a:t>24</a:t>
             </a:fld>
             <a:endParaRPr lang="en-GB" noProof="0"/>
           </a:p>
@@ -9274,7 +9108,7 @@
 </p:sld>
 </file>
 
-<file path=ppt/slides/slide26.xml><?xml version="1.0" encoding="utf-8"?>
+<file path=ppt/slides/slide25.xml><?xml version="1.0" encoding="utf-8"?>
 <p:sld xmlns:a="http://schemas.openxmlformats.org/drawingml/2006/main" xmlns:r="http://schemas.openxmlformats.org/officeDocument/2006/relationships" xmlns:p="http://schemas.openxmlformats.org/presentationml/2006/main">
   <p:cSld>
     <p:spTree>
@@ -9641,7 +9475,7 @@
             <a:fld id="{7D8F40E6-5147-4048-8648-74966E0AD208}" type="slidenum">
               <a:rPr lang="en-GB" noProof="0" smtClean="0"/>
               <a:pPr/>
-              <a:t>26</a:t>
+              <a:t>25</a:t>
             </a:fld>
             <a:endParaRPr lang="en-GB" noProof="0"/>
           </a:p>
@@ -9651,6 +9485,416 @@
     <p:extLst>
       <p:ext uri="{BB962C8B-B14F-4D97-AF65-F5344CB8AC3E}">
         <p14:creationId xmlns:p14="http://schemas.microsoft.com/office/powerpoint/2010/main" val="833744728"/>
+      </p:ext>
+    </p:extLst>
+  </p:cSld>
+  <p:clrMapOvr>
+    <a:masterClrMapping/>
+  </p:clrMapOvr>
+</p:sld>
+</file>
+
+<file path=ppt/slides/slide26.xml><?xml version="1.0" encoding="utf-8"?>
+<p:sld xmlns:a="http://schemas.openxmlformats.org/drawingml/2006/main" xmlns:r="http://schemas.openxmlformats.org/officeDocument/2006/relationships" xmlns:p="http://schemas.openxmlformats.org/presentationml/2006/main">
+  <p:cSld>
+    <p:spTree>
+      <p:nvGrpSpPr>
+        <p:cNvPr id="1" name=""/>
+        <p:cNvGrpSpPr/>
+        <p:nvPr/>
+      </p:nvGrpSpPr>
+      <p:grpSpPr>
+        <a:xfrm>
+          <a:off x="0" y="0"/>
+          <a:ext cx="0" cy="0"/>
+          <a:chOff x="0" y="0"/>
+          <a:chExt cx="0" cy="0"/>
+        </a:xfrm>
+      </p:grpSpPr>
+      <p:sp>
+        <p:nvSpPr>
+          <p:cNvPr id="4" name="Titel 3">
+            <a:extLst>
+              <a:ext uri="{FF2B5EF4-FFF2-40B4-BE49-F238E27FC236}">
+                <a16:creationId xmlns:a16="http://schemas.microsoft.com/office/drawing/2014/main" id="{EFAA9743-E980-48A8-B83A-7F2777EB0D50}"/>
+              </a:ext>
+            </a:extLst>
+          </p:cNvPr>
+          <p:cNvSpPr>
+            <a:spLocks noGrp="1"/>
+          </p:cNvSpPr>
+          <p:nvPr>
+            <p:ph type="title"/>
+          </p:nvPr>
+        </p:nvSpPr>
+        <p:spPr/>
+        <p:txBody>
+          <a:bodyPr>
+            <a:normAutofit fontScale="90000"/>
+          </a:bodyPr>
+          <a:lstStyle/>
+          <a:p>
+            <a:endParaRPr lang="en-GB"/>
+          </a:p>
+        </p:txBody>
+      </p:sp>
+      <p:sp>
+        <p:nvSpPr>
+          <p:cNvPr id="3" name="Inhaltsplatzhalter 2">
+            <a:extLst>
+              <a:ext uri="{FF2B5EF4-FFF2-40B4-BE49-F238E27FC236}">
+                <a16:creationId xmlns:a16="http://schemas.microsoft.com/office/drawing/2014/main" id="{AC57AAC8-22CF-43D3-8783-3F5328526987}"/>
+              </a:ext>
+            </a:extLst>
+          </p:cNvPr>
+          <p:cNvSpPr>
+            <a:spLocks noGrp="1"/>
+          </p:cNvSpPr>
+          <p:nvPr>
+            <p:ph sz="half" idx="1"/>
+          </p:nvPr>
+        </p:nvSpPr>
+        <p:spPr/>
+        <p:txBody>
+          <a:bodyPr>
+            <a:normAutofit fontScale="62500" lnSpcReduction="20000"/>
+          </a:bodyPr>
+          <a:lstStyle/>
+          <a:p>
+            <a:r>
+              <a:rPr lang="en-GB" b="1"/>
+              <a:t>xxx: </a:t>
+            </a:r>
+            <a:r>
+              <a:rPr lang="en-GB"/>
+              <a:t>xxxxxxxxx</a:t>
+            </a:r>
+          </a:p>
+          <a:p>
+            <a:pPr lvl="1"/>
+            <a:r>
+              <a:rPr lang="en-GB" err="1"/>
+              <a:t>xxxxxxxxxx</a:t>
+            </a:r>
+            <a:endParaRPr lang="en-GB"/>
+          </a:p>
+          <a:p>
+            <a:pPr lvl="1"/>
+            <a:r>
+              <a:rPr lang="en-GB" err="1"/>
+              <a:t>xxxxxxxxxxxxxxx</a:t>
+            </a:r>
+            <a:endParaRPr lang="en-GB"/>
+          </a:p>
+          <a:p>
+            <a:pPr lvl="1"/>
+            <a:r>
+              <a:rPr lang="en-GB" err="1"/>
+              <a:t>xxxxxxxxxxxxxxxxx</a:t>
+            </a:r>
+            <a:endParaRPr lang="en-GB"/>
+          </a:p>
+          <a:p>
+            <a:pPr lvl="1"/>
+            <a:endParaRPr lang="en-GB"/>
+          </a:p>
+          <a:p>
+            <a:r>
+              <a:rPr lang="en-GB" b="1"/>
+              <a:t>xxx: </a:t>
+            </a:r>
+            <a:r>
+              <a:rPr lang="en-GB"/>
+              <a:t>xxxxxxxxx</a:t>
+            </a:r>
+          </a:p>
+          <a:p>
+            <a:pPr lvl="1"/>
+            <a:r>
+              <a:rPr lang="en-GB" err="1"/>
+              <a:t>xxxxxxxxxx</a:t>
+            </a:r>
+            <a:endParaRPr lang="en-GB"/>
+          </a:p>
+          <a:p>
+            <a:pPr lvl="1"/>
+            <a:r>
+              <a:rPr lang="en-GB" err="1"/>
+              <a:t>xxxxxxxxxxxxxxx</a:t>
+            </a:r>
+            <a:endParaRPr lang="en-GB"/>
+          </a:p>
+          <a:p>
+            <a:pPr lvl="1"/>
+            <a:r>
+              <a:rPr lang="en-GB" err="1"/>
+              <a:t>xxxxxxxxxxxxxxxxx</a:t>
+            </a:r>
+            <a:endParaRPr lang="en-GB"/>
+          </a:p>
+          <a:p>
+            <a:pPr lvl="1"/>
+            <a:endParaRPr lang="en-GB"/>
+          </a:p>
+          <a:p>
+            <a:r>
+              <a:rPr lang="en-GB" b="1"/>
+              <a:t>xxx: </a:t>
+            </a:r>
+            <a:r>
+              <a:rPr lang="en-GB"/>
+              <a:t>xxxxxxxxx</a:t>
+            </a:r>
+          </a:p>
+          <a:p>
+            <a:pPr lvl="1"/>
+            <a:r>
+              <a:rPr lang="en-GB" err="1"/>
+              <a:t>xxxxxxxxxx</a:t>
+            </a:r>
+            <a:endParaRPr lang="en-GB"/>
+          </a:p>
+          <a:p>
+            <a:pPr lvl="1"/>
+            <a:r>
+              <a:rPr lang="en-GB" err="1"/>
+              <a:t>xxxxxxxxxxxxxxx</a:t>
+            </a:r>
+            <a:endParaRPr lang="en-GB"/>
+          </a:p>
+          <a:p>
+            <a:pPr lvl="1"/>
+            <a:r>
+              <a:rPr lang="en-GB" err="1"/>
+              <a:t>xxxxxxxxxxxxxxxxx</a:t>
+            </a:r>
+            <a:endParaRPr lang="en-GB"/>
+          </a:p>
+        </p:txBody>
+      </p:sp>
+      <p:sp>
+        <p:nvSpPr>
+          <p:cNvPr id="2" name="Inhaltsplatzhalter 1">
+            <a:extLst>
+              <a:ext uri="{FF2B5EF4-FFF2-40B4-BE49-F238E27FC236}">
+                <a16:creationId xmlns:a16="http://schemas.microsoft.com/office/drawing/2014/main" id="{E37DB8DB-C499-44C4-9FB8-B0E69EA6B282}"/>
+              </a:ext>
+            </a:extLst>
+          </p:cNvPr>
+          <p:cNvSpPr>
+            <a:spLocks noGrp="1"/>
+          </p:cNvSpPr>
+          <p:nvPr>
+            <p:ph sz="half" idx="2"/>
+          </p:nvPr>
+        </p:nvSpPr>
+        <p:spPr>
+          <a:noFill/>
+        </p:spPr>
+        <p:txBody>
+          <a:bodyPr>
+            <a:normAutofit fontScale="62500" lnSpcReduction="20000"/>
+          </a:bodyPr>
+          <a:lstStyle/>
+          <a:p>
+            <a:r>
+              <a:rPr lang="en-GB" b="1"/>
+              <a:t>xxx: </a:t>
+            </a:r>
+            <a:r>
+              <a:rPr lang="en-GB"/>
+              <a:t>xxxxxxxxx</a:t>
+            </a:r>
+          </a:p>
+          <a:p>
+            <a:pPr lvl="1"/>
+            <a:r>
+              <a:rPr lang="en-GB" err="1"/>
+              <a:t>xxxxxxxxxx</a:t>
+            </a:r>
+            <a:endParaRPr lang="en-GB"/>
+          </a:p>
+          <a:p>
+            <a:pPr lvl="1"/>
+            <a:r>
+              <a:rPr lang="en-GB" err="1"/>
+              <a:t>xxxxxxxxxxxxxxx</a:t>
+            </a:r>
+            <a:endParaRPr lang="en-GB"/>
+          </a:p>
+          <a:p>
+            <a:pPr lvl="1"/>
+            <a:r>
+              <a:rPr lang="en-GB" err="1"/>
+              <a:t>xxxxxxxxxxxxxxxxx</a:t>
+            </a:r>
+            <a:endParaRPr lang="en-GB"/>
+          </a:p>
+          <a:p>
+            <a:pPr lvl="1"/>
+            <a:endParaRPr lang="en-GB"/>
+          </a:p>
+          <a:p>
+            <a:r>
+              <a:rPr lang="en-GB" b="1"/>
+              <a:t>xxx: </a:t>
+            </a:r>
+            <a:r>
+              <a:rPr lang="en-GB"/>
+              <a:t>xxxxxxxxx</a:t>
+            </a:r>
+          </a:p>
+          <a:p>
+            <a:pPr lvl="1"/>
+            <a:r>
+              <a:rPr lang="en-GB" err="1"/>
+              <a:t>xxxxxxxxxx</a:t>
+            </a:r>
+            <a:endParaRPr lang="en-GB"/>
+          </a:p>
+          <a:p>
+            <a:pPr lvl="1"/>
+            <a:r>
+              <a:rPr lang="en-GB" err="1"/>
+              <a:t>xxxxxxxxxxxxxxx</a:t>
+            </a:r>
+            <a:endParaRPr lang="en-GB"/>
+          </a:p>
+          <a:p>
+            <a:pPr lvl="1"/>
+            <a:r>
+              <a:rPr lang="en-GB" err="1"/>
+              <a:t>xxxxxxxxxxxxxxxxx</a:t>
+            </a:r>
+            <a:endParaRPr lang="en-GB"/>
+          </a:p>
+          <a:p>
+            <a:pPr lvl="1"/>
+            <a:endParaRPr lang="en-GB"/>
+          </a:p>
+          <a:p>
+            <a:r>
+              <a:rPr lang="en-GB" b="1"/>
+              <a:t>xxx: </a:t>
+            </a:r>
+            <a:r>
+              <a:rPr lang="en-GB"/>
+              <a:t>xxxxxxxxx</a:t>
+            </a:r>
+          </a:p>
+          <a:p>
+            <a:pPr lvl="1"/>
+            <a:r>
+              <a:rPr lang="en-GB" err="1"/>
+              <a:t>xxxxxxxxxx</a:t>
+            </a:r>
+            <a:endParaRPr lang="en-GB"/>
+          </a:p>
+          <a:p>
+            <a:pPr lvl="1"/>
+            <a:r>
+              <a:rPr lang="en-GB" err="1"/>
+              <a:t>xxxxxxxxxxxxxxx</a:t>
+            </a:r>
+            <a:endParaRPr lang="en-GB"/>
+          </a:p>
+          <a:p>
+            <a:pPr lvl="1"/>
+            <a:r>
+              <a:rPr lang="en-GB" err="1"/>
+              <a:t>xxxxxxxxxxxxxxxxx</a:t>
+            </a:r>
+            <a:endParaRPr lang="en-GB"/>
+          </a:p>
+        </p:txBody>
+      </p:sp>
+      <p:sp>
+        <p:nvSpPr>
+          <p:cNvPr id="5" name="Fußzeilenplatzhalter 4">
+            <a:extLst>
+              <a:ext uri="{FF2B5EF4-FFF2-40B4-BE49-F238E27FC236}">
+                <a16:creationId xmlns:a16="http://schemas.microsoft.com/office/drawing/2014/main" id="{2DA1B41C-7299-45DA-98C6-6F44EFC11CB3}"/>
+              </a:ext>
+            </a:extLst>
+          </p:cNvPr>
+          <p:cNvSpPr>
+            <a:spLocks noGrp="1"/>
+          </p:cNvSpPr>
+          <p:nvPr>
+            <p:ph type="ftr" sz="quarter" idx="3"/>
+          </p:nvPr>
+        </p:nvSpPr>
+        <p:spPr/>
+        <p:txBody>
+          <a:bodyPr/>
+          <a:lstStyle/>
+          <a:p>
+            <a:r>
+              <a:rPr lang="en-GB" dirty="0"/>
+              <a:t>Open Music Europe | WP Presentation</a:t>
+            </a:r>
+          </a:p>
+        </p:txBody>
+      </p:sp>
+      <p:sp>
+        <p:nvSpPr>
+          <p:cNvPr id="6" name="Textplatzhalter 5">
+            <a:extLst>
+              <a:ext uri="{FF2B5EF4-FFF2-40B4-BE49-F238E27FC236}">
+                <a16:creationId xmlns:a16="http://schemas.microsoft.com/office/drawing/2014/main" id="{6EA822D8-EACD-4141-AAE5-3270B9FBF7AE}"/>
+              </a:ext>
+            </a:extLst>
+          </p:cNvPr>
+          <p:cNvSpPr>
+            <a:spLocks noGrp="1"/>
+          </p:cNvSpPr>
+          <p:nvPr>
+            <p:ph type="body" sz="quarter" idx="13"/>
+          </p:nvPr>
+        </p:nvSpPr>
+        <p:spPr/>
+        <p:txBody>
+          <a:bodyPr/>
+          <a:lstStyle/>
+          <a:p>
+            <a:endParaRPr lang="en-GB"/>
+          </a:p>
+        </p:txBody>
+      </p:sp>
+      <p:sp>
+        <p:nvSpPr>
+          <p:cNvPr id="7" name="Foliennummernplatzhalter 6">
+            <a:extLst>
+              <a:ext uri="{FF2B5EF4-FFF2-40B4-BE49-F238E27FC236}">
+                <a16:creationId xmlns:a16="http://schemas.microsoft.com/office/drawing/2014/main" id="{F4E4360E-5F3E-682D-4B5F-D409A060622F}"/>
+              </a:ext>
+            </a:extLst>
+          </p:cNvPr>
+          <p:cNvSpPr>
+            <a:spLocks noGrp="1"/>
+          </p:cNvSpPr>
+          <p:nvPr>
+            <p:ph type="sldNum" sz="quarter" idx="4"/>
+          </p:nvPr>
+        </p:nvSpPr>
+        <p:spPr/>
+        <p:txBody>
+          <a:bodyPr/>
+          <a:lstStyle/>
+          <a:p>
+            <a:fld id="{7D8F40E6-5147-4048-8648-74966E0AD208}" type="slidenum">
+              <a:rPr lang="en-GB" noProof="0" smtClean="0"/>
+              <a:pPr/>
+              <a:t>26</a:t>
+            </a:fld>
+            <a:endParaRPr lang="en-GB" noProof="0"/>
+          </a:p>
+        </p:txBody>
+      </p:sp>
+    </p:spTree>
+    <p:extLst>
+      <p:ext uri="{BB962C8B-B14F-4D97-AF65-F5344CB8AC3E}">
+        <p14:creationId xmlns:p14="http://schemas.microsoft.com/office/powerpoint/2010/main" val="3621810431"/>
       </p:ext>
     </p:extLst>
   </p:cSld>
@@ -9729,10 +9973,6 @@
           <a:p>
             <a:r>
               <a:rPr lang="en-GB" b="1"/>
-              <a:t>xxx: </a:t>
-            </a:r>
-            <a:r>
-              <a:rPr lang="en-GB"/>
               <a:t>xxxxxxxxx</a:t>
             </a:r>
           </a:p>
@@ -9767,10 +10007,6 @@
           <a:p>
             <a:r>
               <a:rPr lang="en-GB" b="1"/>
-              <a:t>xxx: </a:t>
-            </a:r>
-            <a:r>
-              <a:rPr lang="en-GB"/>
               <a:t>xxxxxxxxx</a:t>
             </a:r>
           </a:p>
@@ -9805,10 +10041,6 @@
           <a:p>
             <a:r>
               <a:rPr lang="en-GB" b="1"/>
-              <a:t>xxx: </a:t>
-            </a:r>
-            <a:r>
-              <a:rPr lang="en-GB"/>
               <a:t>xxxxxxxxx</a:t>
             </a:r>
           </a:p>
@@ -9865,10 +10097,6 @@
           <a:p>
             <a:r>
               <a:rPr lang="en-GB" b="1"/>
-              <a:t>xxx: </a:t>
-            </a:r>
-            <a:r>
-              <a:rPr lang="en-GB"/>
               <a:t>xxxxxxxxx</a:t>
             </a:r>
           </a:p>
@@ -9903,10 +10131,6 @@
           <a:p>
             <a:r>
               <a:rPr lang="en-GB" b="1"/>
-              <a:t>xxx: </a:t>
-            </a:r>
-            <a:r>
-              <a:rPr lang="en-GB"/>
               <a:t>xxxxxxxxx</a:t>
             </a:r>
           </a:p>
@@ -9941,10 +10165,6 @@
           <a:p>
             <a:r>
               <a:rPr lang="en-GB" b="1"/>
-              <a:t>xxx: </a:t>
-            </a:r>
-            <a:r>
-              <a:rPr lang="en-GB"/>
               <a:t>xxxxxxxxx</a:t>
             </a:r>
           </a:p>
@@ -10032,7 +10252,7 @@
           <p:cNvPr id="7" name="Foliennummernplatzhalter 6">
             <a:extLst>
               <a:ext uri="{FF2B5EF4-FFF2-40B4-BE49-F238E27FC236}">
-                <a16:creationId xmlns:a16="http://schemas.microsoft.com/office/drawing/2014/main" id="{F4E4360E-5F3E-682D-4B5F-D409A060622F}"/>
+                <a16:creationId xmlns:a16="http://schemas.microsoft.com/office/drawing/2014/main" id="{7B206071-BE83-1C0D-5F46-1702BCA6F8EA}"/>
               </a:ext>
             </a:extLst>
           </p:cNvPr>
@@ -10060,7 +10280,7 @@
     </p:spTree>
     <p:extLst>
       <p:ext uri="{BB962C8B-B14F-4D97-AF65-F5344CB8AC3E}">
-        <p14:creationId xmlns:p14="http://schemas.microsoft.com/office/powerpoint/2010/main" val="3621810431"/>
+        <p14:creationId xmlns:p14="http://schemas.microsoft.com/office/powerpoint/2010/main" val="2603315666"/>
       </p:ext>
     </p:extLst>
   </p:cSld>
@@ -10071,6 +10291,396 @@
 </file>
 
 <file path=ppt/slides/slide28.xml><?xml version="1.0" encoding="utf-8"?>
+<p:sld xmlns:a="http://schemas.openxmlformats.org/drawingml/2006/main" xmlns:r="http://schemas.openxmlformats.org/officeDocument/2006/relationships" xmlns:p="http://schemas.openxmlformats.org/presentationml/2006/main">
+  <p:cSld>
+    <p:spTree>
+      <p:nvGrpSpPr>
+        <p:cNvPr id="1" name=""/>
+        <p:cNvGrpSpPr/>
+        <p:nvPr/>
+      </p:nvGrpSpPr>
+      <p:grpSpPr>
+        <a:xfrm>
+          <a:off x="0" y="0"/>
+          <a:ext cx="0" cy="0"/>
+          <a:chOff x="0" y="0"/>
+          <a:chExt cx="0" cy="0"/>
+        </a:xfrm>
+      </p:grpSpPr>
+      <p:sp>
+        <p:nvSpPr>
+          <p:cNvPr id="4" name="Titel 3">
+            <a:extLst>
+              <a:ext uri="{FF2B5EF4-FFF2-40B4-BE49-F238E27FC236}">
+                <a16:creationId xmlns:a16="http://schemas.microsoft.com/office/drawing/2014/main" id="{8959AEFA-DC2F-4241-9BAC-E1335AD64908}"/>
+              </a:ext>
+            </a:extLst>
+          </p:cNvPr>
+          <p:cNvSpPr>
+            <a:spLocks noGrp="1"/>
+          </p:cNvSpPr>
+          <p:nvPr>
+            <p:ph type="title"/>
+          </p:nvPr>
+        </p:nvSpPr>
+        <p:spPr/>
+        <p:txBody>
+          <a:bodyPr>
+            <a:normAutofit fontScale="90000"/>
+          </a:bodyPr>
+          <a:lstStyle/>
+          <a:p>
+            <a:endParaRPr lang="en-GB"/>
+          </a:p>
+        </p:txBody>
+      </p:sp>
+      <p:sp>
+        <p:nvSpPr>
+          <p:cNvPr id="3" name="Inhaltsplatzhalter 2">
+            <a:extLst>
+              <a:ext uri="{FF2B5EF4-FFF2-40B4-BE49-F238E27FC236}">
+                <a16:creationId xmlns:a16="http://schemas.microsoft.com/office/drawing/2014/main" id="{AC57AAC8-22CF-43D3-8783-3F5328526987}"/>
+              </a:ext>
+            </a:extLst>
+          </p:cNvPr>
+          <p:cNvSpPr>
+            <a:spLocks noGrp="1"/>
+          </p:cNvSpPr>
+          <p:nvPr>
+            <p:ph sz="half" idx="1"/>
+          </p:nvPr>
+        </p:nvSpPr>
+        <p:spPr/>
+        <p:txBody>
+          <a:bodyPr>
+            <a:normAutofit fontScale="62500" lnSpcReduction="20000"/>
+          </a:bodyPr>
+          <a:lstStyle/>
+          <a:p>
+            <a:r>
+              <a:rPr lang="en-GB"/>
+              <a:t>xxxxxxxxx</a:t>
+            </a:r>
+          </a:p>
+          <a:p>
+            <a:pPr lvl="1"/>
+            <a:r>
+              <a:rPr lang="en-GB" err="1"/>
+              <a:t>xxxxxxxxxx</a:t>
+            </a:r>
+            <a:endParaRPr lang="en-GB"/>
+          </a:p>
+          <a:p>
+            <a:pPr lvl="1"/>
+            <a:r>
+              <a:rPr lang="en-GB" err="1"/>
+              <a:t>xxxxxxxxxxxxxxx</a:t>
+            </a:r>
+            <a:endParaRPr lang="en-GB"/>
+          </a:p>
+          <a:p>
+            <a:pPr lvl="1"/>
+            <a:r>
+              <a:rPr lang="en-GB" err="1"/>
+              <a:t>xxxxxxxxxxxxxxxxx</a:t>
+            </a:r>
+            <a:endParaRPr lang="en-GB"/>
+          </a:p>
+          <a:p>
+            <a:pPr lvl="1"/>
+            <a:endParaRPr lang="en-GB"/>
+          </a:p>
+          <a:p>
+            <a:r>
+              <a:rPr lang="en-GB"/>
+              <a:t>xxxxxxxxx</a:t>
+            </a:r>
+          </a:p>
+          <a:p>
+            <a:pPr lvl="1"/>
+            <a:r>
+              <a:rPr lang="en-GB" err="1"/>
+              <a:t>xxxxxxxxxx</a:t>
+            </a:r>
+            <a:endParaRPr lang="en-GB"/>
+          </a:p>
+          <a:p>
+            <a:pPr lvl="1"/>
+            <a:r>
+              <a:rPr lang="en-GB" err="1"/>
+              <a:t>xxxxxxxxxxxxxxx</a:t>
+            </a:r>
+            <a:endParaRPr lang="en-GB"/>
+          </a:p>
+          <a:p>
+            <a:pPr lvl="1"/>
+            <a:r>
+              <a:rPr lang="en-GB" err="1"/>
+              <a:t>xxxxxxxxxxxxxxxxx</a:t>
+            </a:r>
+            <a:endParaRPr lang="en-GB"/>
+          </a:p>
+          <a:p>
+            <a:pPr lvl="1"/>
+            <a:endParaRPr lang="en-GB"/>
+          </a:p>
+          <a:p>
+            <a:r>
+              <a:rPr lang="en-GB"/>
+              <a:t>xxxxxxxxx</a:t>
+            </a:r>
+          </a:p>
+          <a:p>
+            <a:pPr lvl="1"/>
+            <a:r>
+              <a:rPr lang="en-GB" err="1"/>
+              <a:t>xxxxxxxxxx</a:t>
+            </a:r>
+            <a:endParaRPr lang="en-GB"/>
+          </a:p>
+          <a:p>
+            <a:pPr lvl="1"/>
+            <a:r>
+              <a:rPr lang="en-GB" err="1"/>
+              <a:t>xxxxxxxxxxxxxxx</a:t>
+            </a:r>
+            <a:endParaRPr lang="en-GB"/>
+          </a:p>
+          <a:p>
+            <a:pPr lvl="1"/>
+            <a:r>
+              <a:rPr lang="en-GB" err="1"/>
+              <a:t>xxxxxxxxxxxxxxxxx</a:t>
+            </a:r>
+            <a:endParaRPr lang="en-GB"/>
+          </a:p>
+        </p:txBody>
+      </p:sp>
+      <p:sp>
+        <p:nvSpPr>
+          <p:cNvPr id="2" name="Inhaltsplatzhalter 1">
+            <a:extLst>
+              <a:ext uri="{FF2B5EF4-FFF2-40B4-BE49-F238E27FC236}">
+                <a16:creationId xmlns:a16="http://schemas.microsoft.com/office/drawing/2014/main" id="{E37DB8DB-C499-44C4-9FB8-B0E69EA6B282}"/>
+              </a:ext>
+            </a:extLst>
+          </p:cNvPr>
+          <p:cNvSpPr>
+            <a:spLocks noGrp="1"/>
+          </p:cNvSpPr>
+          <p:nvPr>
+            <p:ph sz="half" idx="2"/>
+          </p:nvPr>
+        </p:nvSpPr>
+        <p:spPr>
+          <a:solidFill>
+            <a:schemeClr val="bg1">
+              <a:lumMod val="95000"/>
+            </a:schemeClr>
+          </a:solidFill>
+        </p:spPr>
+        <p:txBody>
+          <a:bodyPr>
+            <a:normAutofit fontScale="62500" lnSpcReduction="20000"/>
+          </a:bodyPr>
+          <a:lstStyle/>
+          <a:p>
+            <a:r>
+              <a:rPr lang="en-GB"/>
+              <a:t>xxxxxxxxx</a:t>
+            </a:r>
+          </a:p>
+          <a:p>
+            <a:pPr lvl="1"/>
+            <a:r>
+              <a:rPr lang="en-GB" err="1"/>
+              <a:t>xxxxxxxxxx</a:t>
+            </a:r>
+            <a:endParaRPr lang="en-GB"/>
+          </a:p>
+          <a:p>
+            <a:pPr lvl="1"/>
+            <a:r>
+              <a:rPr lang="en-GB" err="1"/>
+              <a:t>xxxxxxxxxxxxxxx</a:t>
+            </a:r>
+            <a:endParaRPr lang="en-GB"/>
+          </a:p>
+          <a:p>
+            <a:pPr lvl="1"/>
+            <a:r>
+              <a:rPr lang="en-GB" err="1"/>
+              <a:t>xxxxxxxxxxxxxxxxx</a:t>
+            </a:r>
+            <a:endParaRPr lang="en-GB"/>
+          </a:p>
+          <a:p>
+            <a:pPr lvl="1"/>
+            <a:endParaRPr lang="en-GB"/>
+          </a:p>
+          <a:p>
+            <a:r>
+              <a:rPr lang="en-GB"/>
+              <a:t>xxxxxxxxx</a:t>
+            </a:r>
+          </a:p>
+          <a:p>
+            <a:pPr lvl="1"/>
+            <a:r>
+              <a:rPr lang="en-GB" err="1"/>
+              <a:t>xxxxxxxxxx</a:t>
+            </a:r>
+            <a:endParaRPr lang="en-GB"/>
+          </a:p>
+          <a:p>
+            <a:pPr lvl="1"/>
+            <a:r>
+              <a:rPr lang="en-GB" err="1"/>
+              <a:t>xxxxxxxxxxxxxxx</a:t>
+            </a:r>
+            <a:endParaRPr lang="en-GB"/>
+          </a:p>
+          <a:p>
+            <a:pPr lvl="1"/>
+            <a:r>
+              <a:rPr lang="en-GB" err="1"/>
+              <a:t>xxxxxxxxxxxxxxxxx</a:t>
+            </a:r>
+            <a:endParaRPr lang="en-GB"/>
+          </a:p>
+          <a:p>
+            <a:pPr lvl="1"/>
+            <a:endParaRPr lang="en-GB"/>
+          </a:p>
+          <a:p>
+            <a:r>
+              <a:rPr lang="en-GB"/>
+              <a:t>xxxxxxxxx</a:t>
+            </a:r>
+          </a:p>
+          <a:p>
+            <a:pPr lvl="1"/>
+            <a:r>
+              <a:rPr lang="en-GB" err="1"/>
+              <a:t>xxxxxxxxxx</a:t>
+            </a:r>
+            <a:endParaRPr lang="en-GB"/>
+          </a:p>
+          <a:p>
+            <a:pPr lvl="1"/>
+            <a:r>
+              <a:rPr lang="en-GB" err="1"/>
+              <a:t>xxxxxxxxxxxxxxx</a:t>
+            </a:r>
+            <a:endParaRPr lang="en-GB"/>
+          </a:p>
+          <a:p>
+            <a:pPr lvl="1"/>
+            <a:r>
+              <a:rPr lang="en-GB" err="1"/>
+              <a:t>xxxxxxxxxxxxxxxxx</a:t>
+            </a:r>
+            <a:endParaRPr lang="en-GB"/>
+          </a:p>
+        </p:txBody>
+      </p:sp>
+      <p:sp>
+        <p:nvSpPr>
+          <p:cNvPr id="5" name="Fußzeilenplatzhalter 4">
+            <a:extLst>
+              <a:ext uri="{FF2B5EF4-FFF2-40B4-BE49-F238E27FC236}">
+                <a16:creationId xmlns:a16="http://schemas.microsoft.com/office/drawing/2014/main" id="{2DA1B41C-7299-45DA-98C6-6F44EFC11CB3}"/>
+              </a:ext>
+            </a:extLst>
+          </p:cNvPr>
+          <p:cNvSpPr>
+            <a:spLocks noGrp="1"/>
+          </p:cNvSpPr>
+          <p:nvPr>
+            <p:ph type="ftr" sz="quarter" idx="3"/>
+          </p:nvPr>
+        </p:nvSpPr>
+        <p:spPr/>
+        <p:txBody>
+          <a:bodyPr/>
+          <a:lstStyle/>
+          <a:p>
+            <a:r>
+              <a:rPr lang="en-GB" dirty="0"/>
+              <a:t>Open Music Europe | WP Presentation</a:t>
+            </a:r>
+          </a:p>
+        </p:txBody>
+      </p:sp>
+      <p:sp>
+        <p:nvSpPr>
+          <p:cNvPr id="6" name="Textplatzhalter 5">
+            <a:extLst>
+              <a:ext uri="{FF2B5EF4-FFF2-40B4-BE49-F238E27FC236}">
+                <a16:creationId xmlns:a16="http://schemas.microsoft.com/office/drawing/2014/main" id="{F66B75AE-127F-42F9-9E67-ED3131B827DB}"/>
+              </a:ext>
+            </a:extLst>
+          </p:cNvPr>
+          <p:cNvSpPr>
+            <a:spLocks noGrp="1"/>
+          </p:cNvSpPr>
+          <p:nvPr>
+            <p:ph type="body" sz="quarter" idx="13"/>
+          </p:nvPr>
+        </p:nvSpPr>
+        <p:spPr/>
+        <p:txBody>
+          <a:bodyPr/>
+          <a:lstStyle/>
+          <a:p>
+            <a:endParaRPr lang="en-GB"/>
+          </a:p>
+        </p:txBody>
+      </p:sp>
+      <p:sp>
+        <p:nvSpPr>
+          <p:cNvPr id="7" name="Foliennummernplatzhalter 6">
+            <a:extLst>
+              <a:ext uri="{FF2B5EF4-FFF2-40B4-BE49-F238E27FC236}">
+                <a16:creationId xmlns:a16="http://schemas.microsoft.com/office/drawing/2014/main" id="{6A0F7978-6E44-7F6E-6D78-7806A576C0EA}"/>
+              </a:ext>
+            </a:extLst>
+          </p:cNvPr>
+          <p:cNvSpPr>
+            <a:spLocks noGrp="1"/>
+          </p:cNvSpPr>
+          <p:nvPr>
+            <p:ph type="sldNum" sz="quarter" idx="4"/>
+          </p:nvPr>
+        </p:nvSpPr>
+        <p:spPr/>
+        <p:txBody>
+          <a:bodyPr/>
+          <a:lstStyle/>
+          <a:p>
+            <a:fld id="{7D8F40E6-5147-4048-8648-74966E0AD208}" type="slidenum">
+              <a:rPr lang="en-GB" noProof="0" smtClean="0"/>
+              <a:pPr/>
+              <a:t>28</a:t>
+            </a:fld>
+            <a:endParaRPr lang="en-GB" noProof="0"/>
+          </a:p>
+        </p:txBody>
+      </p:sp>
+    </p:spTree>
+    <p:extLst>
+      <p:ext uri="{BB962C8B-B14F-4D97-AF65-F5344CB8AC3E}">
+        <p14:creationId xmlns:p14="http://schemas.microsoft.com/office/powerpoint/2010/main" val="474460875"/>
+      </p:ext>
+    </p:extLst>
+  </p:cSld>
+  <p:clrMapOvr>
+    <a:masterClrMapping/>
+  </p:clrMapOvr>
+</p:sld>
+</file>
+
+<file path=ppt/slides/slide29.xml><?xml version="1.0" encoding="utf-8"?>
 <p:sld xmlns:a="http://schemas.openxmlformats.org/drawingml/2006/main" xmlns:r="http://schemas.openxmlformats.org/officeDocument/2006/relationships" xmlns:p="http://schemas.openxmlformats.org/presentationml/2006/main">
   <p:cSld>
     <p:spTree>
@@ -10139,6 +10749,10 @@
           <a:p>
             <a:r>
               <a:rPr lang="en-GB" b="1"/>
+              <a:t>xxx: </a:t>
+            </a:r>
+            <a:r>
+              <a:rPr lang="en-GB"/>
               <a:t>xxxxxxxxx</a:t>
             </a:r>
           </a:p>
@@ -10173,6 +10787,10 @@
           <a:p>
             <a:r>
               <a:rPr lang="en-GB" b="1"/>
+              <a:t>xxx: </a:t>
+            </a:r>
+            <a:r>
+              <a:rPr lang="en-GB"/>
               <a:t>xxxxxxxxx</a:t>
             </a:r>
           </a:p>
@@ -10207,390 +10825,8 @@
           <a:p>
             <a:r>
               <a:rPr lang="en-GB" b="1"/>
-              <a:t>xxxxxxxxx</a:t>
-            </a:r>
-          </a:p>
-          <a:p>
-            <a:pPr lvl="1"/>
-            <a:r>
-              <a:rPr lang="en-GB" err="1"/>
-              <a:t>xxxxxxxxxx</a:t>
-            </a:r>
-            <a:endParaRPr lang="en-GB"/>
-          </a:p>
-          <a:p>
-            <a:pPr lvl="1"/>
-            <a:r>
-              <a:rPr lang="en-GB" err="1"/>
-              <a:t>xxxxxxxxxxxxxxx</a:t>
-            </a:r>
-            <a:endParaRPr lang="en-GB"/>
-          </a:p>
-          <a:p>
-            <a:pPr lvl="1"/>
-            <a:r>
-              <a:rPr lang="en-GB" err="1"/>
-              <a:t>xxxxxxxxxxxxxxxxx</a:t>
-            </a:r>
-            <a:endParaRPr lang="en-GB"/>
-          </a:p>
-        </p:txBody>
-      </p:sp>
-      <p:sp>
-        <p:nvSpPr>
-          <p:cNvPr id="2" name="Inhaltsplatzhalter 1">
-            <a:extLst>
-              <a:ext uri="{FF2B5EF4-FFF2-40B4-BE49-F238E27FC236}">
-                <a16:creationId xmlns:a16="http://schemas.microsoft.com/office/drawing/2014/main" id="{E37DB8DB-C499-44C4-9FB8-B0E69EA6B282}"/>
-              </a:ext>
-            </a:extLst>
-          </p:cNvPr>
-          <p:cNvSpPr>
-            <a:spLocks noGrp="1"/>
-          </p:cNvSpPr>
-          <p:nvPr>
-            <p:ph sz="half" idx="2"/>
-          </p:nvPr>
-        </p:nvSpPr>
-        <p:spPr>
-          <a:noFill/>
-        </p:spPr>
-        <p:txBody>
-          <a:bodyPr>
-            <a:normAutofit fontScale="62500" lnSpcReduction="20000"/>
-          </a:bodyPr>
-          <a:lstStyle/>
-          <a:p>
-            <a:r>
-              <a:rPr lang="en-GB" b="1"/>
-              <a:t>xxxxxxxxx</a:t>
-            </a:r>
-          </a:p>
-          <a:p>
-            <a:pPr lvl="1"/>
-            <a:r>
-              <a:rPr lang="en-GB" err="1"/>
-              <a:t>xxxxxxxxxx</a:t>
-            </a:r>
-            <a:endParaRPr lang="en-GB"/>
-          </a:p>
-          <a:p>
-            <a:pPr lvl="1"/>
-            <a:r>
-              <a:rPr lang="en-GB" err="1"/>
-              <a:t>xxxxxxxxxxxxxxx</a:t>
-            </a:r>
-            <a:endParaRPr lang="en-GB"/>
-          </a:p>
-          <a:p>
-            <a:pPr lvl="1"/>
-            <a:r>
-              <a:rPr lang="en-GB" err="1"/>
-              <a:t>xxxxxxxxxxxxxxxxx</a:t>
-            </a:r>
-            <a:endParaRPr lang="en-GB"/>
-          </a:p>
-          <a:p>
-            <a:pPr lvl="1"/>
-            <a:endParaRPr lang="en-GB"/>
-          </a:p>
-          <a:p>
-            <a:r>
-              <a:rPr lang="en-GB" b="1"/>
-              <a:t>xxxxxxxxx</a:t>
-            </a:r>
-          </a:p>
-          <a:p>
-            <a:pPr lvl="1"/>
-            <a:r>
-              <a:rPr lang="en-GB" err="1"/>
-              <a:t>xxxxxxxxxx</a:t>
-            </a:r>
-            <a:endParaRPr lang="en-GB"/>
-          </a:p>
-          <a:p>
-            <a:pPr lvl="1"/>
-            <a:r>
-              <a:rPr lang="en-GB" err="1"/>
-              <a:t>xxxxxxxxxxxxxxx</a:t>
-            </a:r>
-            <a:endParaRPr lang="en-GB"/>
-          </a:p>
-          <a:p>
-            <a:pPr lvl="1"/>
-            <a:r>
-              <a:rPr lang="en-GB" err="1"/>
-              <a:t>xxxxxxxxxxxxxxxxx</a:t>
-            </a:r>
-            <a:endParaRPr lang="en-GB"/>
-          </a:p>
-          <a:p>
-            <a:pPr lvl="1"/>
-            <a:endParaRPr lang="en-GB"/>
-          </a:p>
-          <a:p>
-            <a:r>
-              <a:rPr lang="en-GB" b="1"/>
-              <a:t>xxxxxxxxx</a:t>
-            </a:r>
-          </a:p>
-          <a:p>
-            <a:pPr lvl="1"/>
-            <a:r>
-              <a:rPr lang="en-GB" err="1"/>
-              <a:t>xxxxxxxxxx</a:t>
-            </a:r>
-            <a:endParaRPr lang="en-GB"/>
-          </a:p>
-          <a:p>
-            <a:pPr lvl="1"/>
-            <a:r>
-              <a:rPr lang="en-GB" err="1"/>
-              <a:t>xxxxxxxxxxxxxxx</a:t>
-            </a:r>
-            <a:endParaRPr lang="en-GB"/>
-          </a:p>
-          <a:p>
-            <a:pPr lvl="1"/>
-            <a:r>
-              <a:rPr lang="en-GB" err="1"/>
-              <a:t>xxxxxxxxxxxxxxxxx</a:t>
-            </a:r>
-            <a:endParaRPr lang="en-GB"/>
-          </a:p>
-        </p:txBody>
-      </p:sp>
-      <p:sp>
-        <p:nvSpPr>
-          <p:cNvPr id="5" name="Fußzeilenplatzhalter 4">
-            <a:extLst>
-              <a:ext uri="{FF2B5EF4-FFF2-40B4-BE49-F238E27FC236}">
-                <a16:creationId xmlns:a16="http://schemas.microsoft.com/office/drawing/2014/main" id="{2DA1B41C-7299-45DA-98C6-6F44EFC11CB3}"/>
-              </a:ext>
-            </a:extLst>
-          </p:cNvPr>
-          <p:cNvSpPr>
-            <a:spLocks noGrp="1"/>
-          </p:cNvSpPr>
-          <p:nvPr>
-            <p:ph type="ftr" sz="quarter" idx="3"/>
-          </p:nvPr>
-        </p:nvSpPr>
-        <p:spPr/>
-        <p:txBody>
-          <a:bodyPr/>
-          <a:lstStyle/>
-          <a:p>
-            <a:r>
-              <a:rPr lang="en-GB" dirty="0"/>
-              <a:t>Open Music Europe | WP Presentation</a:t>
-            </a:r>
-          </a:p>
-        </p:txBody>
-      </p:sp>
-      <p:sp>
-        <p:nvSpPr>
-          <p:cNvPr id="6" name="Textplatzhalter 5">
-            <a:extLst>
-              <a:ext uri="{FF2B5EF4-FFF2-40B4-BE49-F238E27FC236}">
-                <a16:creationId xmlns:a16="http://schemas.microsoft.com/office/drawing/2014/main" id="{6EA822D8-EACD-4141-AAE5-3270B9FBF7AE}"/>
-              </a:ext>
-            </a:extLst>
-          </p:cNvPr>
-          <p:cNvSpPr>
-            <a:spLocks noGrp="1"/>
-          </p:cNvSpPr>
-          <p:nvPr>
-            <p:ph type="body" sz="quarter" idx="13"/>
-          </p:nvPr>
-        </p:nvSpPr>
-        <p:spPr/>
-        <p:txBody>
-          <a:bodyPr/>
-          <a:lstStyle/>
-          <a:p>
-            <a:endParaRPr lang="en-GB"/>
-          </a:p>
-        </p:txBody>
-      </p:sp>
-      <p:sp>
-        <p:nvSpPr>
-          <p:cNvPr id="7" name="Foliennummernplatzhalter 6">
-            <a:extLst>
-              <a:ext uri="{FF2B5EF4-FFF2-40B4-BE49-F238E27FC236}">
-                <a16:creationId xmlns:a16="http://schemas.microsoft.com/office/drawing/2014/main" id="{7B206071-BE83-1C0D-5F46-1702BCA6F8EA}"/>
-              </a:ext>
-            </a:extLst>
-          </p:cNvPr>
-          <p:cNvSpPr>
-            <a:spLocks noGrp="1"/>
-          </p:cNvSpPr>
-          <p:nvPr>
-            <p:ph type="sldNum" sz="quarter" idx="4"/>
-          </p:nvPr>
-        </p:nvSpPr>
-        <p:spPr/>
-        <p:txBody>
-          <a:bodyPr/>
-          <a:lstStyle/>
-          <a:p>
-            <a:fld id="{7D8F40E6-5147-4048-8648-74966E0AD208}" type="slidenum">
-              <a:rPr lang="en-GB" noProof="0" smtClean="0"/>
-              <a:pPr/>
-              <a:t>28</a:t>
-            </a:fld>
-            <a:endParaRPr lang="en-GB" noProof="0"/>
-          </a:p>
-        </p:txBody>
-      </p:sp>
-    </p:spTree>
-    <p:extLst>
-      <p:ext uri="{BB962C8B-B14F-4D97-AF65-F5344CB8AC3E}">
-        <p14:creationId xmlns:p14="http://schemas.microsoft.com/office/powerpoint/2010/main" val="2603315666"/>
-      </p:ext>
-    </p:extLst>
-  </p:cSld>
-  <p:clrMapOvr>
-    <a:masterClrMapping/>
-  </p:clrMapOvr>
-</p:sld>
-</file>
-
-<file path=ppt/slides/slide29.xml><?xml version="1.0" encoding="utf-8"?>
-<p:sld xmlns:a="http://schemas.openxmlformats.org/drawingml/2006/main" xmlns:r="http://schemas.openxmlformats.org/officeDocument/2006/relationships" xmlns:p="http://schemas.openxmlformats.org/presentationml/2006/main">
-  <p:cSld>
-    <p:spTree>
-      <p:nvGrpSpPr>
-        <p:cNvPr id="1" name=""/>
-        <p:cNvGrpSpPr/>
-        <p:nvPr/>
-      </p:nvGrpSpPr>
-      <p:grpSpPr>
-        <a:xfrm>
-          <a:off x="0" y="0"/>
-          <a:ext cx="0" cy="0"/>
-          <a:chOff x="0" y="0"/>
-          <a:chExt cx="0" cy="0"/>
-        </a:xfrm>
-      </p:grpSpPr>
-      <p:sp>
-        <p:nvSpPr>
-          <p:cNvPr id="4" name="Titel 3">
-            <a:extLst>
-              <a:ext uri="{FF2B5EF4-FFF2-40B4-BE49-F238E27FC236}">
-                <a16:creationId xmlns:a16="http://schemas.microsoft.com/office/drawing/2014/main" id="{8959AEFA-DC2F-4241-9BAC-E1335AD64908}"/>
-              </a:ext>
-            </a:extLst>
-          </p:cNvPr>
-          <p:cNvSpPr>
-            <a:spLocks noGrp="1"/>
-          </p:cNvSpPr>
-          <p:nvPr>
-            <p:ph type="title"/>
-          </p:nvPr>
-        </p:nvSpPr>
-        <p:spPr/>
-        <p:txBody>
-          <a:bodyPr>
-            <a:normAutofit fontScale="90000"/>
-          </a:bodyPr>
-          <a:lstStyle/>
-          <a:p>
-            <a:endParaRPr lang="en-GB"/>
-          </a:p>
-        </p:txBody>
-      </p:sp>
-      <p:sp>
-        <p:nvSpPr>
-          <p:cNvPr id="3" name="Inhaltsplatzhalter 2">
-            <a:extLst>
-              <a:ext uri="{FF2B5EF4-FFF2-40B4-BE49-F238E27FC236}">
-                <a16:creationId xmlns:a16="http://schemas.microsoft.com/office/drawing/2014/main" id="{AC57AAC8-22CF-43D3-8783-3F5328526987}"/>
-              </a:ext>
-            </a:extLst>
-          </p:cNvPr>
-          <p:cNvSpPr>
-            <a:spLocks noGrp="1"/>
-          </p:cNvSpPr>
-          <p:nvPr>
-            <p:ph sz="half" idx="1"/>
-          </p:nvPr>
-        </p:nvSpPr>
-        <p:spPr/>
-        <p:txBody>
-          <a:bodyPr>
-            <a:normAutofit fontScale="62500" lnSpcReduction="20000"/>
-          </a:bodyPr>
-          <a:lstStyle/>
-          <a:p>
-            <a:r>
-              <a:rPr lang="en-GB"/>
-              <a:t>xxxxxxxxx</a:t>
-            </a:r>
-          </a:p>
-          <a:p>
-            <a:pPr lvl="1"/>
-            <a:r>
-              <a:rPr lang="en-GB" err="1"/>
-              <a:t>xxxxxxxxxx</a:t>
-            </a:r>
-            <a:endParaRPr lang="en-GB"/>
-          </a:p>
-          <a:p>
-            <a:pPr lvl="1"/>
-            <a:r>
-              <a:rPr lang="en-GB" err="1"/>
-              <a:t>xxxxxxxxxxxxxxx</a:t>
-            </a:r>
-            <a:endParaRPr lang="en-GB"/>
-          </a:p>
-          <a:p>
-            <a:pPr lvl="1"/>
-            <a:r>
-              <a:rPr lang="en-GB" err="1"/>
-              <a:t>xxxxxxxxxxxxxxxxx</a:t>
-            </a:r>
-            <a:endParaRPr lang="en-GB"/>
-          </a:p>
-          <a:p>
-            <a:pPr lvl="1"/>
-            <a:endParaRPr lang="en-GB"/>
-          </a:p>
-          <a:p>
-            <a:r>
-              <a:rPr lang="en-GB"/>
-              <a:t>xxxxxxxxx</a:t>
-            </a:r>
-          </a:p>
-          <a:p>
-            <a:pPr lvl="1"/>
-            <a:r>
-              <a:rPr lang="en-GB" err="1"/>
-              <a:t>xxxxxxxxxx</a:t>
-            </a:r>
-            <a:endParaRPr lang="en-GB"/>
-          </a:p>
-          <a:p>
-            <a:pPr lvl="1"/>
-            <a:r>
-              <a:rPr lang="en-GB" err="1"/>
-              <a:t>xxxxxxxxxxxxxxx</a:t>
-            </a:r>
-            <a:endParaRPr lang="en-GB"/>
-          </a:p>
-          <a:p>
-            <a:pPr lvl="1"/>
-            <a:r>
-              <a:rPr lang="en-GB" err="1"/>
-              <a:t>xxxxxxxxxxxxxxxxx</a:t>
-            </a:r>
-            <a:endParaRPr lang="en-GB"/>
-          </a:p>
-          <a:p>
-            <a:pPr lvl="1"/>
-            <a:endParaRPr lang="en-GB"/>
-          </a:p>
-          <a:p>
+              <a:t>xxx: </a:t>
+            </a:r>
             <a:r>
               <a:rPr lang="en-GB"/>
               <a:t>xxxxxxxxx</a:t>
@@ -10652,6 +10888,10 @@
           <a:lstStyle/>
           <a:p>
             <a:r>
+              <a:rPr lang="en-GB" b="1"/>
+              <a:t>xxx: </a:t>
+            </a:r>
+            <a:r>
               <a:rPr lang="en-GB"/>
               <a:t>xxxxxxxxx</a:t>
             </a:r>
@@ -10686,6 +10926,10 @@
           </a:p>
           <a:p>
             <a:r>
+              <a:rPr lang="en-GB" b="1"/>
+              <a:t>xxx: </a:t>
+            </a:r>
+            <a:r>
               <a:rPr lang="en-GB"/>
               <a:t>xxxxxxxxx</a:t>
             </a:r>
@@ -10719,6 +10963,10 @@
             <a:endParaRPr lang="en-GB"/>
           </a:p>
           <a:p>
+            <a:r>
+              <a:rPr lang="en-GB" b="1"/>
+              <a:t>xxx: </a:t>
+            </a:r>
             <a:r>
               <a:rPr lang="en-GB"/>
               <a:t>xxxxxxxxx</a:t>
@@ -10783,7 +11031,7 @@
           <p:cNvPr id="6" name="Textplatzhalter 5">
             <a:extLst>
               <a:ext uri="{FF2B5EF4-FFF2-40B4-BE49-F238E27FC236}">
-                <a16:creationId xmlns:a16="http://schemas.microsoft.com/office/drawing/2014/main" id="{F66B75AE-127F-42F9-9E67-ED3131B827DB}"/>
+                <a16:creationId xmlns:a16="http://schemas.microsoft.com/office/drawing/2014/main" id="{6EA822D8-EACD-4141-AAE5-3270B9FBF7AE}"/>
               </a:ext>
             </a:extLst>
           </p:cNvPr>
@@ -10808,7 +11056,7 @@
           <p:cNvPr id="7" name="Foliennummernplatzhalter 6">
             <a:extLst>
               <a:ext uri="{FF2B5EF4-FFF2-40B4-BE49-F238E27FC236}">
-                <a16:creationId xmlns:a16="http://schemas.microsoft.com/office/drawing/2014/main" id="{6A0F7978-6E44-7F6E-6D78-7806A576C0EA}"/>
+                <a16:creationId xmlns:a16="http://schemas.microsoft.com/office/drawing/2014/main" id="{D4C38B32-BC50-2AD4-8438-FFB47C432047}"/>
               </a:ext>
             </a:extLst>
           </p:cNvPr>
@@ -10836,7 +11084,7 @@
     </p:spTree>
     <p:extLst>
       <p:ext uri="{BB962C8B-B14F-4D97-AF65-F5344CB8AC3E}">
-        <p14:creationId xmlns:p14="http://schemas.microsoft.com/office/powerpoint/2010/main" val="474460875"/>
+        <p14:creationId xmlns:p14="http://schemas.microsoft.com/office/powerpoint/2010/main" val="2866704208"/>
       </p:ext>
     </p:extLst>
   </p:cSld>
@@ -10885,10 +11133,9 @@
           <a:lstStyle/>
           <a:p>
             <a:r>
-              <a:rPr lang="en-GB" noProof="0"/>
-              <a:t>TO DO: Each WP-Lead</a:t>
-            </a:r>
-            <a:endParaRPr lang="en-GB" noProof="0" dirty="0"/>
+              <a:rPr lang="en-GB" noProof="0" dirty="0"/>
+              <a:t>WPx: Objectives and outcomes</a:t>
+            </a:r>
           </a:p>
         </p:txBody>
       </p:sp>
@@ -10908,172 +11155,69 @@
             <p:ph idx="1"/>
           </p:nvPr>
         </p:nvSpPr>
-        <p:spPr>
-          <a:xfrm>
-            <a:off x="1128073" y="1490170"/>
-            <a:ext cx="10433663" cy="4585166"/>
-          </a:xfrm>
-        </p:spPr>
+        <p:spPr/>
         <p:txBody>
           <a:bodyPr>
-            <a:normAutofit fontScale="77500" lnSpcReduction="20000"/>
+            <a:normAutofit/>
           </a:bodyPr>
           <a:lstStyle/>
           <a:p>
-            <a:pPr marL="342900" indent="-342900">
-              <a:buFont typeface="Wingdings" panose="05000000000000000000" pitchFamily="2" charset="2"/>
-              <a:buChar char="à"/>
-            </a:pPr>
-            <a:r>
-              <a:rPr lang="en-GB" dirty="0">
-                <a:solidFill>
-                  <a:srgbClr val="CC0066"/>
-                </a:solidFill>
-              </a:rPr>
-              <a:t>Provide short presentation of the WP that your organisation leads </a:t>
-            </a:r>
-          </a:p>
-          <a:p>
-            <a:r>
-              <a:rPr lang="en-GB" dirty="0">
-                <a:solidFill>
-                  <a:srgbClr val="CC0066"/>
-                </a:solidFill>
-              </a:rPr>
-              <a:t>   	       </a:t>
-            </a:r>
-          </a:p>
-          <a:p>
-            <a:r>
-              <a:rPr lang="en-GB" dirty="0">
-                <a:solidFill>
-                  <a:srgbClr val="CC0066"/>
-                </a:solidFill>
-                <a:sym typeface="Wingdings" panose="05000000000000000000" pitchFamily="2" charset="2"/>
-              </a:rPr>
-              <a:t> </a:t>
-            </a:r>
-            <a:r>
-              <a:rPr lang="en-GB" dirty="0">
-                <a:solidFill>
-                  <a:srgbClr val="CC0066"/>
-                </a:solidFill>
-              </a:rPr>
-              <a:t>Each WP leader has max. 15-20 minutes (!) for the presentation + 10 min. for Q&amp;A</a:t>
+            <a:r>
+              <a:rPr lang="en-GB" b="1" noProof="0" dirty="0"/>
+              <a:t>Objectives of the work package</a:t>
             </a:r>
           </a:p>
           <a:p>
             <a:pPr lvl="1"/>
             <a:r>
-              <a:rPr lang="en-GB" dirty="0">
-                <a:solidFill>
-                  <a:srgbClr val="CC0066"/>
-                </a:solidFill>
-              </a:rPr>
-              <a:t>Describe the aim of the WP</a:t>
+              <a:rPr lang="en-GB" noProof="0" dirty="0"/>
+              <a:t>…</a:t>
             </a:r>
           </a:p>
           <a:p>
             <a:pPr lvl="1"/>
             <a:r>
-              <a:rPr lang="en-GB" dirty="0">
-                <a:solidFill>
-                  <a:srgbClr val="CC0066"/>
-                </a:solidFill>
-              </a:rPr>
-              <a:t>Show interconnection of Tasks/Deliverables/Milestones in the WP and with other WPs</a:t>
+              <a:rPr lang="en-GB" noProof="0" dirty="0"/>
+              <a:t>…</a:t>
             </a:r>
           </a:p>
           <a:p>
             <a:pPr lvl="1"/>
             <a:r>
-              <a:rPr lang="en-GB" dirty="0">
-                <a:solidFill>
-                  <a:srgbClr val="CC0066"/>
-                </a:solidFill>
-              </a:rPr>
-              <a:t>Explain which existing know-how and resources in your organisation are of relevance for the WP</a:t>
+              <a:rPr lang="en-GB" noProof="0" dirty="0"/>
+              <a:t>…</a:t>
             </a:r>
           </a:p>
           <a:p>
             <a:pPr lvl="1"/>
-            <a:r>
-              <a:rPr lang="en-GB" dirty="0">
-                <a:solidFill>
-                  <a:srgbClr val="CC0066"/>
-                </a:solidFill>
-              </a:rPr>
-              <a:t>Overview of the timeline, involved partners and their efforts</a:t>
+            <a:endParaRPr lang="en-GB" noProof="0" dirty="0"/>
+          </a:p>
+          <a:p>
+            <a:r>
+              <a:rPr lang="en-GB" b="1" dirty="0"/>
+              <a:t>Outcomes of the work package</a:t>
             </a:r>
           </a:p>
           <a:p>
             <a:pPr lvl="1"/>
             <a:r>
-              <a:rPr lang="en-GB" dirty="0">
-                <a:solidFill>
-                  <a:srgbClr val="CC0066"/>
-                </a:solidFill>
-              </a:rPr>
-              <a:t>What are the biggest challenges in the WP</a:t>
+              <a:rPr lang="en-GB" dirty="0"/>
+              <a:t>…</a:t>
             </a:r>
           </a:p>
           <a:p>
             <a:pPr lvl="1"/>
-            <a:endParaRPr lang="en-GB" dirty="0">
-              <a:solidFill>
-                <a:srgbClr val="CC0066"/>
-              </a:solidFill>
-            </a:endParaRPr>
-          </a:p>
-          <a:p>
-            <a:pPr marL="342900" indent="-342900">
-              <a:buFont typeface="Wingdings" panose="05000000000000000000" pitchFamily="2" charset="2"/>
-              <a:buChar char="à"/>
-            </a:pPr>
-            <a:r>
-              <a:rPr lang="en-GB" sz="2100" kern="0" dirty="0">
-                <a:solidFill>
-                  <a:srgbClr val="CC0066"/>
-                </a:solidFill>
-              </a:rPr>
-              <a:t>Collection of questions and main WP outcomes during the presentation</a:t>
-            </a:r>
-          </a:p>
-          <a:p>
-            <a:pPr marL="342900" indent="-342900">
-              <a:buFont typeface="Wingdings" panose="05000000000000000000" pitchFamily="2" charset="2"/>
-              <a:buChar char="à"/>
-            </a:pPr>
-            <a:endParaRPr lang="en-GB" sz="2100" kern="0" dirty="0">
-              <a:solidFill>
-                <a:srgbClr val="CC0066"/>
-              </a:solidFill>
-            </a:endParaRPr>
-          </a:p>
-          <a:p>
-            <a:pPr marL="342900" indent="-342900">
-              <a:buFont typeface="Wingdings" panose="05000000000000000000" pitchFamily="2" charset="2"/>
-              <a:buChar char="à"/>
-            </a:pPr>
-            <a:r>
-              <a:rPr lang="en-GB" sz="2100" kern="0" dirty="0">
-                <a:solidFill>
-                  <a:srgbClr val="CC0066"/>
-                </a:solidFill>
-              </a:rPr>
-              <a:t>After the final slide you could find some pre-structured slides in case you want to use them</a:t>
-            </a:r>
-          </a:p>
-          <a:p>
-            <a:pPr marL="342900" indent="-342900">
-              <a:buFont typeface="Wingdings" panose="05000000000000000000" pitchFamily="2" charset="2"/>
-              <a:buChar char="à"/>
-            </a:pPr>
-            <a:endParaRPr lang="en-GB" sz="2100" kern="0" dirty="0">
-              <a:solidFill>
-                <a:srgbClr val="CC0066"/>
-              </a:solidFill>
-            </a:endParaRPr>
+            <a:r>
+              <a:rPr lang="en-GB" dirty="0"/>
+              <a:t>…</a:t>
+            </a:r>
+          </a:p>
+          <a:p>
+            <a:pPr lvl="1"/>
+            <a:r>
+              <a:rPr lang="en-GB" dirty="0"/>
+              <a:t>…</a:t>
+            </a:r>
           </a:p>
         </p:txBody>
       </p:sp>
@@ -11098,14 +11242,7 @@
           <a:bodyPr/>
           <a:lstStyle/>
           <a:p>
-            <a:r>
-              <a:rPr lang="en-GB" noProof="0" dirty="0">
-                <a:solidFill>
-                  <a:srgbClr val="CC0066"/>
-                </a:solidFill>
-              </a:rPr>
-              <a:t>Delete this slide at the end</a:t>
-            </a:r>
+            <a:endParaRPr lang="en-GB" noProof="0" dirty="0"/>
           </a:p>
         </p:txBody>
       </p:sp>
@@ -11171,7 +11308,7 @@
     </p:spTree>
     <p:extLst>
       <p:ext uri="{BB962C8B-B14F-4D97-AF65-F5344CB8AC3E}">
-        <p14:creationId xmlns:p14="http://schemas.microsoft.com/office/powerpoint/2010/main" val="871874053"/>
+        <p14:creationId xmlns:p14="http://schemas.microsoft.com/office/powerpoint/2010/main" val="1991965104"/>
       </p:ext>
     </p:extLst>
   </p:cSld>
@@ -11241,7 +11378,13 @@
             <p:ph sz="half" idx="1"/>
           </p:nvPr>
         </p:nvSpPr>
-        <p:spPr/>
+        <p:spPr>
+          <a:solidFill>
+            <a:schemeClr val="bg1">
+              <a:lumMod val="95000"/>
+            </a:schemeClr>
+          </a:solidFill>
+        </p:spPr>
         <p:txBody>
           <a:bodyPr>
             <a:normAutofit fontScale="62500" lnSpcReduction="20000"/>
@@ -11249,113 +11392,116 @@
           <a:lstStyle/>
           <a:p>
             <a:r>
-              <a:rPr lang="en-GB" b="1"/>
+              <a:rPr lang="en-GB" b="1" dirty="0"/>
               <a:t>xxx: </a:t>
             </a:r>
             <a:r>
-              <a:rPr lang="en-GB"/>
+              <a:rPr lang="en-GB" dirty="0" err="1"/>
               <a:t>xxxxxxxxx</a:t>
             </a:r>
+            <a:endParaRPr lang="en-GB" dirty="0"/>
           </a:p>
           <a:p>
             <a:pPr lvl="1"/>
             <a:r>
-              <a:rPr lang="en-GB" err="1"/>
+              <a:rPr lang="en-GB" dirty="0" err="1"/>
               <a:t>xxxxxxxxxx</a:t>
             </a:r>
-            <a:endParaRPr lang="en-GB"/>
+            <a:endParaRPr lang="en-GB" dirty="0"/>
           </a:p>
           <a:p>
             <a:pPr lvl="1"/>
             <a:r>
-              <a:rPr lang="en-GB" err="1"/>
+              <a:rPr lang="en-GB" dirty="0" err="1"/>
               <a:t>xxxxxxxxxxxxxxx</a:t>
             </a:r>
-            <a:endParaRPr lang="en-GB"/>
+            <a:endParaRPr lang="en-GB" dirty="0"/>
           </a:p>
           <a:p>
             <a:pPr lvl="1"/>
             <a:r>
-              <a:rPr lang="en-GB" err="1"/>
+              <a:rPr lang="en-GB" dirty="0" err="1"/>
               <a:t>xxxxxxxxxxxxxxxxx</a:t>
             </a:r>
-            <a:endParaRPr lang="en-GB"/>
+            <a:endParaRPr lang="en-GB" dirty="0"/>
           </a:p>
           <a:p>
             <a:pPr lvl="1"/>
-            <a:endParaRPr lang="en-GB"/>
-          </a:p>
-          <a:p>
-            <a:r>
-              <a:rPr lang="en-GB" b="1"/>
+            <a:endParaRPr lang="en-GB" dirty="0"/>
+          </a:p>
+          <a:p>
+            <a:r>
+              <a:rPr lang="en-GB" b="1" dirty="0"/>
               <a:t>xxx: </a:t>
             </a:r>
             <a:r>
-              <a:rPr lang="en-GB"/>
+              <a:rPr lang="en-GB" dirty="0" err="1"/>
               <a:t>xxxxxxxxx</a:t>
             </a:r>
+            <a:endParaRPr lang="en-GB" dirty="0"/>
           </a:p>
           <a:p>
             <a:pPr lvl="1"/>
             <a:r>
-              <a:rPr lang="en-GB" err="1"/>
+              <a:rPr lang="en-GB" dirty="0" err="1"/>
               <a:t>xxxxxxxxxx</a:t>
             </a:r>
-            <a:endParaRPr lang="en-GB"/>
+            <a:endParaRPr lang="en-GB" dirty="0"/>
           </a:p>
           <a:p>
             <a:pPr lvl="1"/>
             <a:r>
-              <a:rPr lang="en-GB" err="1"/>
+              <a:rPr lang="en-GB" dirty="0" err="1"/>
               <a:t>xxxxxxxxxxxxxxx</a:t>
             </a:r>
-            <a:endParaRPr lang="en-GB"/>
+            <a:endParaRPr lang="en-GB" dirty="0"/>
           </a:p>
           <a:p>
             <a:pPr lvl="1"/>
             <a:r>
-              <a:rPr lang="en-GB" err="1"/>
+              <a:rPr lang="en-GB" dirty="0" err="1"/>
               <a:t>xxxxxxxxxxxxxxxxx</a:t>
             </a:r>
-            <a:endParaRPr lang="en-GB"/>
+            <a:endParaRPr lang="en-GB" dirty="0"/>
           </a:p>
           <a:p>
             <a:pPr lvl="1"/>
-            <a:endParaRPr lang="en-GB"/>
-          </a:p>
-          <a:p>
-            <a:r>
-              <a:rPr lang="en-GB" b="1"/>
+            <a:endParaRPr lang="en-GB" dirty="0"/>
+          </a:p>
+          <a:p>
+            <a:r>
+              <a:rPr lang="en-GB" b="1" dirty="0"/>
               <a:t>xxx: </a:t>
             </a:r>
             <a:r>
-              <a:rPr lang="en-GB"/>
+              <a:rPr lang="en-GB" dirty="0" err="1"/>
               <a:t>xxxxxxxxx</a:t>
             </a:r>
+            <a:endParaRPr lang="en-GB" dirty="0"/>
           </a:p>
           <a:p>
             <a:pPr lvl="1"/>
             <a:r>
-              <a:rPr lang="en-GB" err="1"/>
+              <a:rPr lang="en-GB" dirty="0" err="1"/>
               <a:t>xxxxxxxxxx</a:t>
             </a:r>
-            <a:endParaRPr lang="en-GB"/>
+            <a:endParaRPr lang="en-GB" dirty="0"/>
           </a:p>
           <a:p>
             <a:pPr lvl="1"/>
             <a:r>
-              <a:rPr lang="en-GB" err="1"/>
+              <a:rPr lang="en-GB" dirty="0" err="1"/>
               <a:t>xxxxxxxxxxxxxxx</a:t>
             </a:r>
-            <a:endParaRPr lang="en-GB"/>
+            <a:endParaRPr lang="en-GB" dirty="0"/>
           </a:p>
           <a:p>
             <a:pPr lvl="1"/>
             <a:r>
-              <a:rPr lang="en-GB" err="1"/>
+              <a:rPr lang="en-GB" dirty="0" err="1"/>
               <a:t>xxxxxxxxxxxxxxxxx</a:t>
             </a:r>
-            <a:endParaRPr lang="en-GB"/>
+            <a:endParaRPr lang="en-GB" dirty="0"/>
           </a:p>
         </p:txBody>
       </p:sp>
@@ -11377,13 +11523,11 @@
         </p:nvSpPr>
         <p:spPr>
           <a:solidFill>
-            <a:schemeClr val="bg1">
-              <a:lumMod val="95000"/>
-            </a:schemeClr>
+            <a:srgbClr val="4EC0E4"/>
           </a:solidFill>
         </p:spPr>
         <p:txBody>
-          <a:bodyPr>
+          <a:bodyPr vert="horz" lIns="91440" tIns="45720" rIns="91440" bIns="45720" rtlCol="0">
             <a:normAutofit fontScale="62500" lnSpcReduction="20000"/>
           </a:bodyPr>
           <a:lstStyle/>
@@ -11557,7 +11701,7 @@
           <p:cNvPr id="7" name="Foliennummernplatzhalter 6">
             <a:extLst>
               <a:ext uri="{FF2B5EF4-FFF2-40B4-BE49-F238E27FC236}">
-                <a16:creationId xmlns:a16="http://schemas.microsoft.com/office/drawing/2014/main" id="{D4C38B32-BC50-2AD4-8438-FFB47C432047}"/>
+                <a16:creationId xmlns:a16="http://schemas.microsoft.com/office/drawing/2014/main" id="{0E8ABF51-C32A-B8EB-CCA7-F5E0B125B885}"/>
               </a:ext>
             </a:extLst>
           </p:cNvPr>
@@ -11585,7 +11729,7 @@
     </p:spTree>
     <p:extLst>
       <p:ext uri="{BB962C8B-B14F-4D97-AF65-F5344CB8AC3E}">
-        <p14:creationId xmlns:p14="http://schemas.microsoft.com/office/powerpoint/2010/main" val="2866704208"/>
+        <p14:creationId xmlns:p14="http://schemas.microsoft.com/office/powerpoint/2010/main" val="2911797751"/>
       </p:ext>
     </p:extLst>
   </p:cSld>
@@ -11617,7 +11761,7 @@
           <p:cNvPr id="4" name="Titel 3">
             <a:extLst>
               <a:ext uri="{FF2B5EF4-FFF2-40B4-BE49-F238E27FC236}">
-                <a16:creationId xmlns:a16="http://schemas.microsoft.com/office/drawing/2014/main" id="{EFAA9743-E980-48A8-B83A-7F2777EB0D50}"/>
+                <a16:creationId xmlns:a16="http://schemas.microsoft.com/office/drawing/2014/main" id="{8959AEFA-DC2F-4241-9BAC-E1335AD64908}"/>
               </a:ext>
             </a:extLst>
           </p:cNvPr>
@@ -11655,13 +11799,7 @@
             <p:ph sz="half" idx="1"/>
           </p:nvPr>
         </p:nvSpPr>
-        <p:spPr>
-          <a:solidFill>
-            <a:schemeClr val="bg1">
-              <a:lumMod val="95000"/>
-            </a:schemeClr>
-          </a:solidFill>
-        </p:spPr>
+        <p:spPr/>
         <p:txBody>
           <a:bodyPr>
             <a:normAutofit fontScale="62500" lnSpcReduction="20000"/>
@@ -11669,116 +11807,101 @@
           <a:lstStyle/>
           <a:p>
             <a:r>
-              <a:rPr lang="en-GB" b="1" dirty="0"/>
-              <a:t>xxx: </a:t>
-            </a:r>
-            <a:r>
-              <a:rPr lang="en-GB" dirty="0" err="1"/>
+              <a:rPr lang="en-GB"/>
               <a:t>xxxxxxxxx</a:t>
             </a:r>
-            <a:endParaRPr lang="en-GB" dirty="0"/>
           </a:p>
           <a:p>
             <a:pPr lvl="1"/>
             <a:r>
-              <a:rPr lang="en-GB" dirty="0" err="1"/>
+              <a:rPr lang="en-GB" err="1"/>
               <a:t>xxxxxxxxxx</a:t>
             </a:r>
-            <a:endParaRPr lang="en-GB" dirty="0"/>
+            <a:endParaRPr lang="en-GB"/>
           </a:p>
           <a:p>
             <a:pPr lvl="1"/>
             <a:r>
-              <a:rPr lang="en-GB" dirty="0" err="1"/>
+              <a:rPr lang="en-GB" err="1"/>
               <a:t>xxxxxxxxxxxxxxx</a:t>
             </a:r>
-            <a:endParaRPr lang="en-GB" dirty="0"/>
+            <a:endParaRPr lang="en-GB"/>
           </a:p>
           <a:p>
             <a:pPr lvl="1"/>
             <a:r>
-              <a:rPr lang="en-GB" dirty="0" err="1"/>
+              <a:rPr lang="en-GB" err="1"/>
               <a:t>xxxxxxxxxxxxxxxxx</a:t>
             </a:r>
-            <a:endParaRPr lang="en-GB" dirty="0"/>
+            <a:endParaRPr lang="en-GB"/>
           </a:p>
           <a:p>
             <a:pPr lvl="1"/>
-            <a:endParaRPr lang="en-GB" dirty="0"/>
-          </a:p>
-          <a:p>
-            <a:r>
-              <a:rPr lang="en-GB" b="1" dirty="0"/>
-              <a:t>xxx: </a:t>
-            </a:r>
-            <a:r>
-              <a:rPr lang="en-GB" dirty="0" err="1"/>
+            <a:endParaRPr lang="en-GB"/>
+          </a:p>
+          <a:p>
+            <a:r>
+              <a:rPr lang="en-GB"/>
               <a:t>xxxxxxxxx</a:t>
             </a:r>
-            <a:endParaRPr lang="en-GB" dirty="0"/>
           </a:p>
           <a:p>
             <a:pPr lvl="1"/>
             <a:r>
-              <a:rPr lang="en-GB" dirty="0" err="1"/>
+              <a:rPr lang="en-GB" err="1"/>
               <a:t>xxxxxxxxxx</a:t>
             </a:r>
-            <a:endParaRPr lang="en-GB" dirty="0"/>
+            <a:endParaRPr lang="en-GB"/>
           </a:p>
           <a:p>
             <a:pPr lvl="1"/>
             <a:r>
-              <a:rPr lang="en-GB" dirty="0" err="1"/>
+              <a:rPr lang="en-GB" err="1"/>
               <a:t>xxxxxxxxxxxxxxx</a:t>
             </a:r>
-            <a:endParaRPr lang="en-GB" dirty="0"/>
+            <a:endParaRPr lang="en-GB"/>
           </a:p>
           <a:p>
             <a:pPr lvl="1"/>
             <a:r>
-              <a:rPr lang="en-GB" dirty="0" err="1"/>
+              <a:rPr lang="en-GB" err="1"/>
               <a:t>xxxxxxxxxxxxxxxxx</a:t>
             </a:r>
-            <a:endParaRPr lang="en-GB" dirty="0"/>
+            <a:endParaRPr lang="en-GB"/>
           </a:p>
           <a:p>
             <a:pPr lvl="1"/>
-            <a:endParaRPr lang="en-GB" dirty="0"/>
-          </a:p>
-          <a:p>
-            <a:r>
-              <a:rPr lang="en-GB" b="1" dirty="0"/>
-              <a:t>xxx: </a:t>
-            </a:r>
-            <a:r>
-              <a:rPr lang="en-GB" dirty="0" err="1"/>
+            <a:endParaRPr lang="en-GB"/>
+          </a:p>
+          <a:p>
+            <a:r>
+              <a:rPr lang="en-GB"/>
               <a:t>xxxxxxxxx</a:t>
             </a:r>
-            <a:endParaRPr lang="en-GB" dirty="0"/>
           </a:p>
           <a:p>
             <a:pPr lvl="1"/>
             <a:r>
-              <a:rPr lang="en-GB" dirty="0" err="1"/>
+              <a:rPr lang="en-GB" err="1"/>
               <a:t>xxxxxxxxxx</a:t>
             </a:r>
-            <a:endParaRPr lang="en-GB" dirty="0"/>
+            <a:endParaRPr lang="en-GB"/>
           </a:p>
           <a:p>
             <a:pPr lvl="1"/>
             <a:r>
-              <a:rPr lang="en-GB" dirty="0" err="1"/>
+              <a:rPr lang="en-GB" err="1"/>
               <a:t>xxxxxxxxxxxxxxx</a:t>
             </a:r>
-            <a:endParaRPr lang="en-GB" dirty="0"/>
+            <a:endParaRPr lang="en-GB"/>
           </a:p>
           <a:p>
             <a:pPr lvl="1"/>
             <a:r>
-              <a:rPr lang="en-GB" dirty="0" err="1"/>
+              <a:rPr lang="en-GB" err="1"/>
               <a:t>xxxxxxxxxxxxxxxxx</a:t>
             </a:r>
-            <a:endParaRPr lang="en-GB" dirty="0"/>
+            <a:endParaRPr lang="en-GB"/>
           </a:p>
         </p:txBody>
       </p:sp>
@@ -11800,123 +11923,155 @@
         </p:nvSpPr>
         <p:spPr>
           <a:solidFill>
-            <a:srgbClr val="4EC0E4"/>
+            <a:schemeClr val="accent2"/>
           </a:solidFill>
         </p:spPr>
         <p:txBody>
-          <a:bodyPr vert="horz" lIns="91440" tIns="45720" rIns="91440" bIns="45720" rtlCol="0">
-            <a:normAutofit fontScale="62500" lnSpcReduction="20000"/>
+          <a:bodyPr>
+            <a:normAutofit fontScale="77500" lnSpcReduction="20000"/>
           </a:bodyPr>
           <a:lstStyle/>
           <a:p>
             <a:r>
-              <a:rPr lang="en-GB" b="1"/>
-              <a:t>xxx: </a:t>
-            </a:r>
-            <a:r>
-              <a:rPr lang="en-GB"/>
+              <a:rPr lang="en-GB" b="1">
+                <a:solidFill>
+                  <a:schemeClr val="bg1"/>
+                </a:solidFill>
+              </a:rPr>
               <a:t>xxxxxxxxx</a:t>
             </a:r>
           </a:p>
           <a:p>
             <a:pPr lvl="1"/>
-            <a:r>
-              <a:rPr lang="en-GB" err="1"/>
+            <a:endParaRPr lang="en-GB">
+              <a:solidFill>
+                <a:schemeClr val="bg1"/>
+              </a:solidFill>
+            </a:endParaRPr>
+          </a:p>
+          <a:p>
+            <a:r>
+              <a:rPr lang="en-GB">
+                <a:solidFill>
+                  <a:schemeClr val="bg1"/>
+                </a:solidFill>
+              </a:rPr>
+              <a:t>xxxxxxxxx</a:t>
+            </a:r>
+          </a:p>
+          <a:p>
+            <a:pPr lvl="1"/>
+            <a:r>
+              <a:rPr lang="en-GB" err="1">
+                <a:solidFill>
+                  <a:schemeClr val="bg1"/>
+                </a:solidFill>
+              </a:rPr>
               <a:t>xxxxxxxxxx</a:t>
             </a:r>
-            <a:endParaRPr lang="en-GB"/>
+            <a:endParaRPr lang="en-GB">
+              <a:solidFill>
+                <a:schemeClr val="bg1"/>
+              </a:solidFill>
+            </a:endParaRPr>
           </a:p>
           <a:p>
             <a:pPr lvl="1"/>
             <a:r>
-              <a:rPr lang="en-GB" err="1"/>
+              <a:rPr lang="en-GB" err="1">
+                <a:solidFill>
+                  <a:schemeClr val="bg1"/>
+                </a:solidFill>
+              </a:rPr>
               <a:t>xxxxxxxxxxxxxxx</a:t>
             </a:r>
-            <a:endParaRPr lang="en-GB"/>
+            <a:endParaRPr lang="en-GB">
+              <a:solidFill>
+                <a:schemeClr val="bg1"/>
+              </a:solidFill>
+            </a:endParaRPr>
           </a:p>
           <a:p>
             <a:pPr lvl="1"/>
             <a:r>
-              <a:rPr lang="en-GB" err="1"/>
+              <a:rPr lang="en-GB" err="1">
+                <a:solidFill>
+                  <a:schemeClr val="bg1"/>
+                </a:solidFill>
+              </a:rPr>
               <a:t>xxxxxxxxxxxxxxxxx</a:t>
             </a:r>
-            <a:endParaRPr lang="en-GB"/>
+            <a:endParaRPr lang="en-GB">
+              <a:solidFill>
+                <a:schemeClr val="bg1"/>
+              </a:solidFill>
+            </a:endParaRPr>
           </a:p>
           <a:p>
             <a:pPr lvl="1"/>
-            <a:endParaRPr lang="en-GB"/>
-          </a:p>
-          <a:p>
-            <a:r>
-              <a:rPr lang="en-GB" b="1"/>
-              <a:t>xxx: </a:t>
-            </a:r>
-            <a:r>
-              <a:rPr lang="en-GB"/>
+            <a:endParaRPr lang="en-GB">
+              <a:solidFill>
+                <a:schemeClr val="bg1"/>
+              </a:solidFill>
+            </a:endParaRPr>
+          </a:p>
+          <a:p>
+            <a:r>
+              <a:rPr lang="en-GB">
+                <a:solidFill>
+                  <a:schemeClr val="bg1"/>
+                </a:solidFill>
+              </a:rPr>
               <a:t>xxxxxxxxx</a:t>
             </a:r>
           </a:p>
           <a:p>
             <a:pPr lvl="1"/>
             <a:r>
-              <a:rPr lang="en-GB" err="1"/>
+              <a:rPr lang="en-GB" err="1">
+                <a:solidFill>
+                  <a:schemeClr val="bg1"/>
+                </a:solidFill>
+              </a:rPr>
               <a:t>xxxxxxxxxx</a:t>
             </a:r>
-            <a:endParaRPr lang="en-GB"/>
+            <a:endParaRPr lang="en-GB">
+              <a:solidFill>
+                <a:schemeClr val="bg1"/>
+              </a:solidFill>
+            </a:endParaRPr>
           </a:p>
           <a:p>
             <a:pPr lvl="1"/>
             <a:r>
-              <a:rPr lang="en-GB" err="1"/>
+              <a:rPr lang="en-GB" err="1">
+                <a:solidFill>
+                  <a:schemeClr val="bg1"/>
+                </a:solidFill>
+              </a:rPr>
               <a:t>xxxxxxxxxxxxxxx</a:t>
             </a:r>
-            <a:endParaRPr lang="en-GB"/>
+            <a:endParaRPr lang="en-GB">
+              <a:solidFill>
+                <a:schemeClr val="bg1"/>
+              </a:solidFill>
+            </a:endParaRPr>
           </a:p>
           <a:p>
             <a:pPr lvl="1"/>
             <a:r>
-              <a:rPr lang="en-GB" err="1"/>
+              <a:rPr lang="en-GB" err="1">
+                <a:solidFill>
+                  <a:schemeClr val="bg1"/>
+                </a:solidFill>
+              </a:rPr>
               <a:t>xxxxxxxxxxxxxxxxx</a:t>
             </a:r>
-            <a:endParaRPr lang="en-GB"/>
-          </a:p>
-          <a:p>
-            <a:pPr lvl="1"/>
-            <a:endParaRPr lang="en-GB"/>
-          </a:p>
-          <a:p>
-            <a:r>
-              <a:rPr lang="en-GB" b="1"/>
-              <a:t>xxx: </a:t>
-            </a:r>
-            <a:r>
-              <a:rPr lang="en-GB"/>
-              <a:t>xxxxxxxxx</a:t>
-            </a:r>
-          </a:p>
-          <a:p>
-            <a:pPr lvl="1"/>
-            <a:r>
-              <a:rPr lang="en-GB" err="1"/>
-              <a:t>xxxxxxxxxx</a:t>
-            </a:r>
-            <a:endParaRPr lang="en-GB"/>
-          </a:p>
-          <a:p>
-            <a:pPr lvl="1"/>
-            <a:r>
-              <a:rPr lang="en-GB" err="1"/>
-              <a:t>xxxxxxxxxxxxxxx</a:t>
-            </a:r>
-            <a:endParaRPr lang="en-GB"/>
-          </a:p>
-          <a:p>
-            <a:pPr lvl="1"/>
-            <a:r>
-              <a:rPr lang="en-GB" err="1"/>
-              <a:t>xxxxxxxxxxxxxxxxx</a:t>
-            </a:r>
-            <a:endParaRPr lang="en-GB"/>
+            <a:endParaRPr lang="en-GB">
+              <a:solidFill>
+                <a:schemeClr val="bg1"/>
+              </a:solidFill>
+            </a:endParaRPr>
           </a:p>
         </p:txBody>
       </p:sp>
@@ -11953,7 +12108,7 @@
           <p:cNvPr id="6" name="Textplatzhalter 5">
             <a:extLst>
               <a:ext uri="{FF2B5EF4-FFF2-40B4-BE49-F238E27FC236}">
-                <a16:creationId xmlns:a16="http://schemas.microsoft.com/office/drawing/2014/main" id="{6EA822D8-EACD-4141-AAE5-3270B9FBF7AE}"/>
+                <a16:creationId xmlns:a16="http://schemas.microsoft.com/office/drawing/2014/main" id="{F66B75AE-127F-42F9-9E67-ED3131B827DB}"/>
               </a:ext>
             </a:extLst>
           </p:cNvPr>
@@ -11978,7 +12133,7 @@
           <p:cNvPr id="7" name="Foliennummernplatzhalter 6">
             <a:extLst>
               <a:ext uri="{FF2B5EF4-FFF2-40B4-BE49-F238E27FC236}">
-                <a16:creationId xmlns:a16="http://schemas.microsoft.com/office/drawing/2014/main" id="{0E8ABF51-C32A-B8EB-CCA7-F5E0B125B885}"/>
+                <a16:creationId xmlns:a16="http://schemas.microsoft.com/office/drawing/2014/main" id="{1F450F87-E682-4117-FF20-C496C6197C2C}"/>
               </a:ext>
             </a:extLst>
           </p:cNvPr>
@@ -12006,7 +12161,7 @@
     </p:spTree>
     <p:extLst>
       <p:ext uri="{BB962C8B-B14F-4D97-AF65-F5344CB8AC3E}">
-        <p14:creationId xmlns:p14="http://schemas.microsoft.com/office/powerpoint/2010/main" val="2911797751"/>
+        <p14:creationId xmlns:p14="http://schemas.microsoft.com/office/powerpoint/2010/main" val="2634856759"/>
       </p:ext>
     </p:extLst>
   </p:cSld>
@@ -12200,7 +12355,7 @@
         </p:nvSpPr>
         <p:spPr>
           <a:solidFill>
-            <a:schemeClr val="accent2"/>
+            <a:schemeClr val="accent4"/>
           </a:solidFill>
         </p:spPr>
         <p:txBody>
@@ -12410,438 +12565,6 @@
           <p:cNvPr id="7" name="Foliennummernplatzhalter 6">
             <a:extLst>
               <a:ext uri="{FF2B5EF4-FFF2-40B4-BE49-F238E27FC236}">
-                <a16:creationId xmlns:a16="http://schemas.microsoft.com/office/drawing/2014/main" id="{1F450F87-E682-4117-FF20-C496C6197C2C}"/>
-              </a:ext>
-            </a:extLst>
-          </p:cNvPr>
-          <p:cNvSpPr>
-            <a:spLocks noGrp="1"/>
-          </p:cNvSpPr>
-          <p:nvPr>
-            <p:ph type="sldNum" sz="quarter" idx="4"/>
-          </p:nvPr>
-        </p:nvSpPr>
-        <p:spPr/>
-        <p:txBody>
-          <a:bodyPr/>
-          <a:lstStyle/>
-          <a:p>
-            <a:fld id="{7D8F40E6-5147-4048-8648-74966E0AD208}" type="slidenum">
-              <a:rPr lang="en-GB" noProof="0" smtClean="0"/>
-              <a:pPr/>
-              <a:t>32</a:t>
-            </a:fld>
-            <a:endParaRPr lang="en-GB" noProof="0"/>
-          </a:p>
-        </p:txBody>
-      </p:sp>
-    </p:spTree>
-    <p:extLst>
-      <p:ext uri="{BB962C8B-B14F-4D97-AF65-F5344CB8AC3E}">
-        <p14:creationId xmlns:p14="http://schemas.microsoft.com/office/powerpoint/2010/main" val="2634856759"/>
-      </p:ext>
-    </p:extLst>
-  </p:cSld>
-  <p:clrMapOvr>
-    <a:masterClrMapping/>
-  </p:clrMapOvr>
-</p:sld>
-</file>
-
-<file path=ppt/slides/slide33.xml><?xml version="1.0" encoding="utf-8"?>
-<p:sld xmlns:a="http://schemas.openxmlformats.org/drawingml/2006/main" xmlns:r="http://schemas.openxmlformats.org/officeDocument/2006/relationships" xmlns:p="http://schemas.openxmlformats.org/presentationml/2006/main">
-  <p:cSld>
-    <p:spTree>
-      <p:nvGrpSpPr>
-        <p:cNvPr id="1" name=""/>
-        <p:cNvGrpSpPr/>
-        <p:nvPr/>
-      </p:nvGrpSpPr>
-      <p:grpSpPr>
-        <a:xfrm>
-          <a:off x="0" y="0"/>
-          <a:ext cx="0" cy="0"/>
-          <a:chOff x="0" y="0"/>
-          <a:chExt cx="0" cy="0"/>
-        </a:xfrm>
-      </p:grpSpPr>
-      <p:sp>
-        <p:nvSpPr>
-          <p:cNvPr id="4" name="Titel 3">
-            <a:extLst>
-              <a:ext uri="{FF2B5EF4-FFF2-40B4-BE49-F238E27FC236}">
-                <a16:creationId xmlns:a16="http://schemas.microsoft.com/office/drawing/2014/main" id="{8959AEFA-DC2F-4241-9BAC-E1335AD64908}"/>
-              </a:ext>
-            </a:extLst>
-          </p:cNvPr>
-          <p:cNvSpPr>
-            <a:spLocks noGrp="1"/>
-          </p:cNvSpPr>
-          <p:nvPr>
-            <p:ph type="title"/>
-          </p:nvPr>
-        </p:nvSpPr>
-        <p:spPr/>
-        <p:txBody>
-          <a:bodyPr>
-            <a:normAutofit fontScale="90000"/>
-          </a:bodyPr>
-          <a:lstStyle/>
-          <a:p>
-            <a:endParaRPr lang="en-GB"/>
-          </a:p>
-        </p:txBody>
-      </p:sp>
-      <p:sp>
-        <p:nvSpPr>
-          <p:cNvPr id="3" name="Inhaltsplatzhalter 2">
-            <a:extLst>
-              <a:ext uri="{FF2B5EF4-FFF2-40B4-BE49-F238E27FC236}">
-                <a16:creationId xmlns:a16="http://schemas.microsoft.com/office/drawing/2014/main" id="{AC57AAC8-22CF-43D3-8783-3F5328526987}"/>
-              </a:ext>
-            </a:extLst>
-          </p:cNvPr>
-          <p:cNvSpPr>
-            <a:spLocks noGrp="1"/>
-          </p:cNvSpPr>
-          <p:nvPr>
-            <p:ph sz="half" idx="1"/>
-          </p:nvPr>
-        </p:nvSpPr>
-        <p:spPr/>
-        <p:txBody>
-          <a:bodyPr>
-            <a:normAutofit fontScale="62500" lnSpcReduction="20000"/>
-          </a:bodyPr>
-          <a:lstStyle/>
-          <a:p>
-            <a:r>
-              <a:rPr lang="en-GB"/>
-              <a:t>xxxxxxxxx</a:t>
-            </a:r>
-          </a:p>
-          <a:p>
-            <a:pPr lvl="1"/>
-            <a:r>
-              <a:rPr lang="en-GB" err="1"/>
-              <a:t>xxxxxxxxxx</a:t>
-            </a:r>
-            <a:endParaRPr lang="en-GB"/>
-          </a:p>
-          <a:p>
-            <a:pPr lvl="1"/>
-            <a:r>
-              <a:rPr lang="en-GB" err="1"/>
-              <a:t>xxxxxxxxxxxxxxx</a:t>
-            </a:r>
-            <a:endParaRPr lang="en-GB"/>
-          </a:p>
-          <a:p>
-            <a:pPr lvl="1"/>
-            <a:r>
-              <a:rPr lang="en-GB" err="1"/>
-              <a:t>xxxxxxxxxxxxxxxxx</a:t>
-            </a:r>
-            <a:endParaRPr lang="en-GB"/>
-          </a:p>
-          <a:p>
-            <a:pPr lvl="1"/>
-            <a:endParaRPr lang="en-GB"/>
-          </a:p>
-          <a:p>
-            <a:r>
-              <a:rPr lang="en-GB"/>
-              <a:t>xxxxxxxxx</a:t>
-            </a:r>
-          </a:p>
-          <a:p>
-            <a:pPr lvl="1"/>
-            <a:r>
-              <a:rPr lang="en-GB" err="1"/>
-              <a:t>xxxxxxxxxx</a:t>
-            </a:r>
-            <a:endParaRPr lang="en-GB"/>
-          </a:p>
-          <a:p>
-            <a:pPr lvl="1"/>
-            <a:r>
-              <a:rPr lang="en-GB" err="1"/>
-              <a:t>xxxxxxxxxxxxxxx</a:t>
-            </a:r>
-            <a:endParaRPr lang="en-GB"/>
-          </a:p>
-          <a:p>
-            <a:pPr lvl="1"/>
-            <a:r>
-              <a:rPr lang="en-GB" err="1"/>
-              <a:t>xxxxxxxxxxxxxxxxx</a:t>
-            </a:r>
-            <a:endParaRPr lang="en-GB"/>
-          </a:p>
-          <a:p>
-            <a:pPr lvl="1"/>
-            <a:endParaRPr lang="en-GB"/>
-          </a:p>
-          <a:p>
-            <a:r>
-              <a:rPr lang="en-GB"/>
-              <a:t>xxxxxxxxx</a:t>
-            </a:r>
-          </a:p>
-          <a:p>
-            <a:pPr lvl="1"/>
-            <a:r>
-              <a:rPr lang="en-GB" err="1"/>
-              <a:t>xxxxxxxxxx</a:t>
-            </a:r>
-            <a:endParaRPr lang="en-GB"/>
-          </a:p>
-          <a:p>
-            <a:pPr lvl="1"/>
-            <a:r>
-              <a:rPr lang="en-GB" err="1"/>
-              <a:t>xxxxxxxxxxxxxxx</a:t>
-            </a:r>
-            <a:endParaRPr lang="en-GB"/>
-          </a:p>
-          <a:p>
-            <a:pPr lvl="1"/>
-            <a:r>
-              <a:rPr lang="en-GB" err="1"/>
-              <a:t>xxxxxxxxxxxxxxxxx</a:t>
-            </a:r>
-            <a:endParaRPr lang="en-GB"/>
-          </a:p>
-        </p:txBody>
-      </p:sp>
-      <p:sp>
-        <p:nvSpPr>
-          <p:cNvPr id="2" name="Inhaltsplatzhalter 1">
-            <a:extLst>
-              <a:ext uri="{FF2B5EF4-FFF2-40B4-BE49-F238E27FC236}">
-                <a16:creationId xmlns:a16="http://schemas.microsoft.com/office/drawing/2014/main" id="{E37DB8DB-C499-44C4-9FB8-B0E69EA6B282}"/>
-              </a:ext>
-            </a:extLst>
-          </p:cNvPr>
-          <p:cNvSpPr>
-            <a:spLocks noGrp="1"/>
-          </p:cNvSpPr>
-          <p:nvPr>
-            <p:ph sz="half" idx="2"/>
-          </p:nvPr>
-        </p:nvSpPr>
-        <p:spPr>
-          <a:solidFill>
-            <a:schemeClr val="accent4"/>
-          </a:solidFill>
-        </p:spPr>
-        <p:txBody>
-          <a:bodyPr>
-            <a:normAutofit fontScale="77500" lnSpcReduction="20000"/>
-          </a:bodyPr>
-          <a:lstStyle/>
-          <a:p>
-            <a:r>
-              <a:rPr lang="en-GB" b="1">
-                <a:solidFill>
-                  <a:schemeClr val="bg1"/>
-                </a:solidFill>
-              </a:rPr>
-              <a:t>xxxxxxxxx</a:t>
-            </a:r>
-          </a:p>
-          <a:p>
-            <a:pPr lvl="1"/>
-            <a:endParaRPr lang="en-GB">
-              <a:solidFill>
-                <a:schemeClr val="bg1"/>
-              </a:solidFill>
-            </a:endParaRPr>
-          </a:p>
-          <a:p>
-            <a:r>
-              <a:rPr lang="en-GB">
-                <a:solidFill>
-                  <a:schemeClr val="bg1"/>
-                </a:solidFill>
-              </a:rPr>
-              <a:t>xxxxxxxxx</a:t>
-            </a:r>
-          </a:p>
-          <a:p>
-            <a:pPr lvl="1"/>
-            <a:r>
-              <a:rPr lang="en-GB" err="1">
-                <a:solidFill>
-                  <a:schemeClr val="bg1"/>
-                </a:solidFill>
-              </a:rPr>
-              <a:t>xxxxxxxxxx</a:t>
-            </a:r>
-            <a:endParaRPr lang="en-GB">
-              <a:solidFill>
-                <a:schemeClr val="bg1"/>
-              </a:solidFill>
-            </a:endParaRPr>
-          </a:p>
-          <a:p>
-            <a:pPr lvl="1"/>
-            <a:r>
-              <a:rPr lang="en-GB" err="1">
-                <a:solidFill>
-                  <a:schemeClr val="bg1"/>
-                </a:solidFill>
-              </a:rPr>
-              <a:t>xxxxxxxxxxxxxxx</a:t>
-            </a:r>
-            <a:endParaRPr lang="en-GB">
-              <a:solidFill>
-                <a:schemeClr val="bg1"/>
-              </a:solidFill>
-            </a:endParaRPr>
-          </a:p>
-          <a:p>
-            <a:pPr lvl="1"/>
-            <a:r>
-              <a:rPr lang="en-GB" err="1">
-                <a:solidFill>
-                  <a:schemeClr val="bg1"/>
-                </a:solidFill>
-              </a:rPr>
-              <a:t>xxxxxxxxxxxxxxxxx</a:t>
-            </a:r>
-            <a:endParaRPr lang="en-GB">
-              <a:solidFill>
-                <a:schemeClr val="bg1"/>
-              </a:solidFill>
-            </a:endParaRPr>
-          </a:p>
-          <a:p>
-            <a:pPr lvl="1"/>
-            <a:endParaRPr lang="en-GB">
-              <a:solidFill>
-                <a:schemeClr val="bg1"/>
-              </a:solidFill>
-            </a:endParaRPr>
-          </a:p>
-          <a:p>
-            <a:r>
-              <a:rPr lang="en-GB">
-                <a:solidFill>
-                  <a:schemeClr val="bg1"/>
-                </a:solidFill>
-              </a:rPr>
-              <a:t>xxxxxxxxx</a:t>
-            </a:r>
-          </a:p>
-          <a:p>
-            <a:pPr lvl="1"/>
-            <a:r>
-              <a:rPr lang="en-GB" err="1">
-                <a:solidFill>
-                  <a:schemeClr val="bg1"/>
-                </a:solidFill>
-              </a:rPr>
-              <a:t>xxxxxxxxxx</a:t>
-            </a:r>
-            <a:endParaRPr lang="en-GB">
-              <a:solidFill>
-                <a:schemeClr val="bg1"/>
-              </a:solidFill>
-            </a:endParaRPr>
-          </a:p>
-          <a:p>
-            <a:pPr lvl="1"/>
-            <a:r>
-              <a:rPr lang="en-GB" err="1">
-                <a:solidFill>
-                  <a:schemeClr val="bg1"/>
-                </a:solidFill>
-              </a:rPr>
-              <a:t>xxxxxxxxxxxxxxx</a:t>
-            </a:r>
-            <a:endParaRPr lang="en-GB">
-              <a:solidFill>
-                <a:schemeClr val="bg1"/>
-              </a:solidFill>
-            </a:endParaRPr>
-          </a:p>
-          <a:p>
-            <a:pPr lvl="1"/>
-            <a:r>
-              <a:rPr lang="en-GB" err="1">
-                <a:solidFill>
-                  <a:schemeClr val="bg1"/>
-                </a:solidFill>
-              </a:rPr>
-              <a:t>xxxxxxxxxxxxxxxxx</a:t>
-            </a:r>
-            <a:endParaRPr lang="en-GB">
-              <a:solidFill>
-                <a:schemeClr val="bg1"/>
-              </a:solidFill>
-            </a:endParaRPr>
-          </a:p>
-        </p:txBody>
-      </p:sp>
-      <p:sp>
-        <p:nvSpPr>
-          <p:cNvPr id="5" name="Fußzeilenplatzhalter 4">
-            <a:extLst>
-              <a:ext uri="{FF2B5EF4-FFF2-40B4-BE49-F238E27FC236}">
-                <a16:creationId xmlns:a16="http://schemas.microsoft.com/office/drawing/2014/main" id="{2DA1B41C-7299-45DA-98C6-6F44EFC11CB3}"/>
-              </a:ext>
-            </a:extLst>
-          </p:cNvPr>
-          <p:cNvSpPr>
-            <a:spLocks noGrp="1"/>
-          </p:cNvSpPr>
-          <p:nvPr>
-            <p:ph type="ftr" sz="quarter" idx="3"/>
-          </p:nvPr>
-        </p:nvSpPr>
-        <p:spPr/>
-        <p:txBody>
-          <a:bodyPr/>
-          <a:lstStyle/>
-          <a:p>
-            <a:r>
-              <a:rPr lang="en-GB" dirty="0"/>
-              <a:t>Open Music Europe | WP Presentation</a:t>
-            </a:r>
-          </a:p>
-        </p:txBody>
-      </p:sp>
-      <p:sp>
-        <p:nvSpPr>
-          <p:cNvPr id="6" name="Textplatzhalter 5">
-            <a:extLst>
-              <a:ext uri="{FF2B5EF4-FFF2-40B4-BE49-F238E27FC236}">
-                <a16:creationId xmlns:a16="http://schemas.microsoft.com/office/drawing/2014/main" id="{F66B75AE-127F-42F9-9E67-ED3131B827DB}"/>
-              </a:ext>
-            </a:extLst>
-          </p:cNvPr>
-          <p:cNvSpPr>
-            <a:spLocks noGrp="1"/>
-          </p:cNvSpPr>
-          <p:nvPr>
-            <p:ph type="body" sz="quarter" idx="13"/>
-          </p:nvPr>
-        </p:nvSpPr>
-        <p:spPr/>
-        <p:txBody>
-          <a:bodyPr/>
-          <a:lstStyle/>
-          <a:p>
-            <a:endParaRPr lang="en-GB"/>
-          </a:p>
-        </p:txBody>
-      </p:sp>
-      <p:sp>
-        <p:nvSpPr>
-          <p:cNvPr id="7" name="Foliennummernplatzhalter 6">
-            <a:extLst>
-              <a:ext uri="{FF2B5EF4-FFF2-40B4-BE49-F238E27FC236}">
                 <a16:creationId xmlns:a16="http://schemas.microsoft.com/office/drawing/2014/main" id="{D4C37355-8A01-ECB1-4CE9-6847EF56B49D}"/>
               </a:ext>
             </a:extLst>
@@ -12861,7 +12584,7 @@
             <a:fld id="{7D8F40E6-5147-4048-8648-74966E0AD208}" type="slidenum">
               <a:rPr lang="en-GB" noProof="0" smtClean="0"/>
               <a:pPr/>
-              <a:t>33</a:t>
+              <a:t>32</a:t>
             </a:fld>
             <a:endParaRPr lang="en-GB" noProof="0"/>
           </a:p>
@@ -12880,7 +12603,7 @@
 </p:sld>
 </file>
 
-<file path=ppt/slides/slide34.xml><?xml version="1.0" encoding="utf-8"?>
+<file path=ppt/slides/slide33.xml><?xml version="1.0" encoding="utf-8"?>
 <p:sld xmlns:a="http://schemas.openxmlformats.org/drawingml/2006/main" xmlns:r="http://schemas.openxmlformats.org/officeDocument/2006/relationships" xmlns:p="http://schemas.openxmlformats.org/presentationml/2006/main">
   <p:cSld>
     <p:spTree>
@@ -13055,7 +12778,7 @@
             <a:fld id="{7D8F40E6-5147-4048-8648-74966E0AD208}" type="slidenum">
               <a:rPr lang="en-GB" smtClean="0"/>
               <a:pPr/>
-              <a:t>34</a:t>
+              <a:t>33</a:t>
             </a:fld>
             <a:endParaRPr lang="en-GB"/>
           </a:p>
@@ -13074,7 +12797,7 @@
 </p:sld>
 </file>
 
-<file path=ppt/slides/slide35.xml><?xml version="1.0" encoding="utf-8"?>
+<file path=ppt/slides/slide34.xml><?xml version="1.0" encoding="utf-8"?>
 <p:sld xmlns:a="http://schemas.openxmlformats.org/drawingml/2006/main" xmlns:r="http://schemas.openxmlformats.org/officeDocument/2006/relationships" xmlns:p="http://schemas.openxmlformats.org/presentationml/2006/main">
   <p:cSld>
     <p:spTree>
@@ -14028,7 +13751,7 @@
             <a:fld id="{7D8F40E6-5147-4048-8648-74966E0AD208}" type="slidenum">
               <a:rPr lang="en-GB" noProof="0" smtClean="0"/>
               <a:pPr/>
-              <a:t>35</a:t>
+              <a:t>34</a:t>
             </a:fld>
             <a:endParaRPr lang="en-GB" noProof="0"/>
           </a:p>
@@ -14047,7 +13770,7 @@
 </p:sld>
 </file>
 
-<file path=ppt/slides/slide36.xml><?xml version="1.0" encoding="utf-8"?>
+<file path=ppt/slides/slide35.xml><?xml version="1.0" encoding="utf-8"?>
 <p:sld xmlns:a="http://schemas.openxmlformats.org/drawingml/2006/main" xmlns:r="http://schemas.openxmlformats.org/officeDocument/2006/relationships" xmlns:p="http://schemas.openxmlformats.org/presentationml/2006/main">
   <p:cSld>
     <p:spTree>
@@ -15248,7 +14971,7 @@
             <a:fld id="{7D8F40E6-5147-4048-8648-74966E0AD208}" type="slidenum">
               <a:rPr lang="en-GB" noProof="0" smtClean="0"/>
               <a:pPr/>
-              <a:t>36</a:t>
+              <a:t>35</a:t>
             </a:fld>
             <a:endParaRPr lang="en-GB" noProof="0"/>
           </a:p>
@@ -15267,7 +14990,7 @@
 </p:sld>
 </file>
 
-<file path=ppt/slides/slide37.xml><?xml version="1.0" encoding="utf-8"?>
+<file path=ppt/slides/slide36.xml><?xml version="1.0" encoding="utf-8"?>
 <p:sld xmlns:a="http://schemas.openxmlformats.org/drawingml/2006/main" xmlns:r="http://schemas.openxmlformats.org/officeDocument/2006/relationships" xmlns:p="http://schemas.openxmlformats.org/presentationml/2006/main">
   <p:cSld>
     <p:spTree>
@@ -17413,7 +17136,7 @@
             <a:fld id="{7D8F40E6-5147-4048-8648-74966E0AD208}" type="slidenum">
               <a:rPr lang="en-GB" noProof="0" smtClean="0"/>
               <a:pPr/>
-              <a:t>37</a:t>
+              <a:t>36</a:t>
             </a:fld>
             <a:endParaRPr lang="en-GB" noProof="0"/>
           </a:p>
@@ -17432,7 +17155,7 @@
 </p:sld>
 </file>
 
-<file path=ppt/slides/slide38.xml><?xml version="1.0" encoding="utf-8"?>
+<file path=ppt/slides/slide37.xml><?xml version="1.0" encoding="utf-8"?>
 <p:sld xmlns:a="http://schemas.openxmlformats.org/drawingml/2006/main" xmlns:r="http://schemas.openxmlformats.org/officeDocument/2006/relationships" xmlns:p="http://schemas.openxmlformats.org/presentationml/2006/main">
   <p:cSld>
     <p:spTree>
@@ -19890,7 +19613,7 @@
             <a:fld id="{7D8F40E6-5147-4048-8648-74966E0AD208}" type="slidenum">
               <a:rPr lang="en-GB" noProof="0" smtClean="0"/>
               <a:pPr/>
-              <a:t>38</a:t>
+              <a:t>37</a:t>
             </a:fld>
             <a:endParaRPr lang="en-GB" noProof="0"/>
           </a:p>
@@ -19909,7 +19632,7 @@
 </p:sld>
 </file>
 
-<file path=ppt/slides/slide39.xml><?xml version="1.0" encoding="utf-8"?>
+<file path=ppt/slides/slide38.xml><?xml version="1.0" encoding="utf-8"?>
 <p:sld xmlns:a="http://schemas.openxmlformats.org/drawingml/2006/main" xmlns:r="http://schemas.openxmlformats.org/officeDocument/2006/relationships" xmlns:p="http://schemas.openxmlformats.org/presentationml/2006/main">
   <p:cSld>
     <p:spTree>
@@ -24578,7 +24301,7 @@
             <a:fld id="{7D8F40E6-5147-4048-8648-74966E0AD208}" type="slidenum">
               <a:rPr lang="en-GB" noProof="0" smtClean="0"/>
               <a:pPr/>
-              <a:t>39</a:t>
+              <a:t>38</a:t>
             </a:fld>
             <a:endParaRPr lang="en-GB" noProof="0"/>
           </a:p>
@@ -24597,231 +24320,7 @@
 </p:sld>
 </file>
 
-<file path=ppt/slides/slide4.xml><?xml version="1.0" encoding="utf-8"?>
-<p:sld xmlns:a="http://schemas.openxmlformats.org/drawingml/2006/main" xmlns:r="http://schemas.openxmlformats.org/officeDocument/2006/relationships" xmlns:p="http://schemas.openxmlformats.org/presentationml/2006/main">
-  <p:cSld>
-    <p:spTree>
-      <p:nvGrpSpPr>
-        <p:cNvPr id="1" name=""/>
-        <p:cNvGrpSpPr/>
-        <p:nvPr/>
-      </p:nvGrpSpPr>
-      <p:grpSpPr>
-        <a:xfrm>
-          <a:off x="0" y="0"/>
-          <a:ext cx="0" cy="0"/>
-          <a:chOff x="0" y="0"/>
-          <a:chExt cx="0" cy="0"/>
-        </a:xfrm>
-      </p:grpSpPr>
-      <p:sp>
-        <p:nvSpPr>
-          <p:cNvPr id="2" name="Titel 1">
-            <a:extLst>
-              <a:ext uri="{FF2B5EF4-FFF2-40B4-BE49-F238E27FC236}">
-                <a16:creationId xmlns:a16="http://schemas.microsoft.com/office/drawing/2014/main" id="{F5377215-176B-48F3-8EA7-0B8FD213D845}"/>
-              </a:ext>
-            </a:extLst>
-          </p:cNvPr>
-          <p:cNvSpPr>
-            <a:spLocks noGrp="1"/>
-          </p:cNvSpPr>
-          <p:nvPr>
-            <p:ph type="title"/>
-          </p:nvPr>
-        </p:nvSpPr>
-        <p:spPr/>
-        <p:txBody>
-          <a:bodyPr/>
-          <a:lstStyle/>
-          <a:p>
-            <a:r>
-              <a:rPr lang="en-GB" noProof="0" dirty="0"/>
-              <a:t>WPx: Objectives and outcomes</a:t>
-            </a:r>
-          </a:p>
-        </p:txBody>
-      </p:sp>
-      <p:sp>
-        <p:nvSpPr>
-          <p:cNvPr id="3" name="Inhaltsplatzhalter 2">
-            <a:extLst>
-              <a:ext uri="{FF2B5EF4-FFF2-40B4-BE49-F238E27FC236}">
-                <a16:creationId xmlns:a16="http://schemas.microsoft.com/office/drawing/2014/main" id="{1183B957-FA14-425F-B6FF-2B7BC11621FC}"/>
-              </a:ext>
-            </a:extLst>
-          </p:cNvPr>
-          <p:cNvSpPr>
-            <a:spLocks noGrp="1"/>
-          </p:cNvSpPr>
-          <p:nvPr>
-            <p:ph idx="1"/>
-          </p:nvPr>
-        </p:nvSpPr>
-        <p:spPr/>
-        <p:txBody>
-          <a:bodyPr>
-            <a:normAutofit/>
-          </a:bodyPr>
-          <a:lstStyle/>
-          <a:p>
-            <a:r>
-              <a:rPr lang="en-GB" b="1" noProof="0" dirty="0"/>
-              <a:t>Objectives of the work package</a:t>
-            </a:r>
-          </a:p>
-          <a:p>
-            <a:pPr lvl="1"/>
-            <a:r>
-              <a:rPr lang="en-GB" noProof="0" dirty="0"/>
-              <a:t>…</a:t>
-            </a:r>
-          </a:p>
-          <a:p>
-            <a:pPr lvl="1"/>
-            <a:r>
-              <a:rPr lang="en-GB" noProof="0" dirty="0"/>
-              <a:t>…</a:t>
-            </a:r>
-          </a:p>
-          <a:p>
-            <a:pPr lvl="1"/>
-            <a:r>
-              <a:rPr lang="en-GB" noProof="0" dirty="0"/>
-              <a:t>…</a:t>
-            </a:r>
-          </a:p>
-          <a:p>
-            <a:pPr lvl="1"/>
-            <a:endParaRPr lang="en-GB" noProof="0" dirty="0"/>
-          </a:p>
-          <a:p>
-            <a:r>
-              <a:rPr lang="en-GB" b="1" dirty="0"/>
-              <a:t>Outcomes of the work package</a:t>
-            </a:r>
-          </a:p>
-          <a:p>
-            <a:pPr lvl="1"/>
-            <a:r>
-              <a:rPr lang="en-GB" dirty="0"/>
-              <a:t>…</a:t>
-            </a:r>
-          </a:p>
-          <a:p>
-            <a:pPr lvl="1"/>
-            <a:r>
-              <a:rPr lang="en-GB" dirty="0"/>
-              <a:t>…</a:t>
-            </a:r>
-          </a:p>
-          <a:p>
-            <a:pPr lvl="1"/>
-            <a:r>
-              <a:rPr lang="en-GB" dirty="0"/>
-              <a:t>…</a:t>
-            </a:r>
-          </a:p>
-        </p:txBody>
-      </p:sp>
-      <p:sp>
-        <p:nvSpPr>
-          <p:cNvPr id="4" name="Textplatzhalter 3">
-            <a:extLst>
-              <a:ext uri="{FF2B5EF4-FFF2-40B4-BE49-F238E27FC236}">
-                <a16:creationId xmlns:a16="http://schemas.microsoft.com/office/drawing/2014/main" id="{F09C4B38-D310-4ABD-9A5C-AC00DBE27798}"/>
-              </a:ext>
-            </a:extLst>
-          </p:cNvPr>
-          <p:cNvSpPr>
-            <a:spLocks noGrp="1"/>
-          </p:cNvSpPr>
-          <p:nvPr>
-            <p:ph type="body" sz="quarter" idx="13"/>
-          </p:nvPr>
-        </p:nvSpPr>
-        <p:spPr/>
-        <p:txBody>
-          <a:bodyPr/>
-          <a:lstStyle/>
-          <a:p>
-            <a:endParaRPr lang="en-GB" noProof="0" dirty="0"/>
-          </a:p>
-        </p:txBody>
-      </p:sp>
-      <p:sp>
-        <p:nvSpPr>
-          <p:cNvPr id="5" name="Fußzeilenplatzhalter 4">
-            <a:extLst>
-              <a:ext uri="{FF2B5EF4-FFF2-40B4-BE49-F238E27FC236}">
-                <a16:creationId xmlns:a16="http://schemas.microsoft.com/office/drawing/2014/main" id="{D4631D21-9318-4F00-B6EF-E32C3FF16647}"/>
-              </a:ext>
-            </a:extLst>
-          </p:cNvPr>
-          <p:cNvSpPr>
-            <a:spLocks noGrp="1"/>
-          </p:cNvSpPr>
-          <p:nvPr>
-            <p:ph type="ftr" sz="quarter" idx="3"/>
-          </p:nvPr>
-        </p:nvSpPr>
-        <p:spPr/>
-        <p:txBody>
-          <a:bodyPr/>
-          <a:lstStyle/>
-          <a:p>
-            <a:r>
-              <a:rPr lang="en-GB" dirty="0"/>
-              <a:t>Open Music Europe | WP Presentation</a:t>
-            </a:r>
-            <a:endParaRPr lang="en-GB" noProof="0" dirty="0"/>
-          </a:p>
-        </p:txBody>
-      </p:sp>
-      <p:sp>
-        <p:nvSpPr>
-          <p:cNvPr id="6" name="Foliennummernplatzhalter 5">
-            <a:extLst>
-              <a:ext uri="{FF2B5EF4-FFF2-40B4-BE49-F238E27FC236}">
-                <a16:creationId xmlns:a16="http://schemas.microsoft.com/office/drawing/2014/main" id="{608F9807-20B4-4C79-900A-9F9D4D93727C}"/>
-              </a:ext>
-            </a:extLst>
-          </p:cNvPr>
-          <p:cNvSpPr>
-            <a:spLocks noGrp="1"/>
-          </p:cNvSpPr>
-          <p:nvPr>
-            <p:ph type="sldNum" sz="quarter" idx="4"/>
-          </p:nvPr>
-        </p:nvSpPr>
-        <p:spPr/>
-        <p:txBody>
-          <a:bodyPr/>
-          <a:lstStyle/>
-          <a:p>
-            <a:fld id="{7D8F40E6-5147-4048-8648-74966E0AD208}" type="slidenum">
-              <a:rPr lang="en-GB" smtClean="0"/>
-              <a:pPr/>
-              <a:t>4</a:t>
-            </a:fld>
-            <a:endParaRPr lang="en-GB"/>
-          </a:p>
-        </p:txBody>
-      </p:sp>
-    </p:spTree>
-    <p:extLst>
-      <p:ext uri="{BB962C8B-B14F-4D97-AF65-F5344CB8AC3E}">
-        <p14:creationId xmlns:p14="http://schemas.microsoft.com/office/powerpoint/2010/main" val="1991965104"/>
-      </p:ext>
-    </p:extLst>
-  </p:cSld>
-  <p:clrMapOvr>
-    <a:masterClrMapping/>
-  </p:clrMapOvr>
-</p:sld>
-</file>
-
-<file path=ppt/slides/slide40.xml><?xml version="1.0" encoding="utf-8"?>
+<file path=ppt/slides/slide39.xml><?xml version="1.0" encoding="utf-8"?>
 <p:sld xmlns:a="http://schemas.openxmlformats.org/drawingml/2006/main" xmlns:r="http://schemas.openxmlformats.org/officeDocument/2006/relationships" xmlns:p="http://schemas.openxmlformats.org/presentationml/2006/main">
   <p:cSld>
     <p:spTree>
@@ -29496,7 +28995,7 @@
             <a:fld id="{7D8F40E6-5147-4048-8648-74966E0AD208}" type="slidenum">
               <a:rPr lang="en-GB" noProof="0" smtClean="0"/>
               <a:pPr/>
-              <a:t>40</a:t>
+              <a:t>39</a:t>
             </a:fld>
             <a:endParaRPr lang="en-GB" noProof="0"/>
           </a:p>
@@ -29506,6 +29005,285 @@
     <p:extLst>
       <p:ext uri="{BB962C8B-B14F-4D97-AF65-F5344CB8AC3E}">
         <p14:creationId xmlns:p14="http://schemas.microsoft.com/office/powerpoint/2010/main" val="712532409"/>
+      </p:ext>
+    </p:extLst>
+  </p:cSld>
+  <p:clrMapOvr>
+    <a:masterClrMapping/>
+  </p:clrMapOvr>
+</p:sld>
+</file>
+
+<file path=ppt/slides/slide4.xml><?xml version="1.0" encoding="utf-8"?>
+<p:sld xmlns:a="http://schemas.openxmlformats.org/drawingml/2006/main" xmlns:r="http://schemas.openxmlformats.org/officeDocument/2006/relationships" xmlns:p="http://schemas.openxmlformats.org/presentationml/2006/main">
+  <p:cSld>
+    <p:spTree>
+      <p:nvGrpSpPr>
+        <p:cNvPr id="1" name=""/>
+        <p:cNvGrpSpPr/>
+        <p:nvPr/>
+      </p:nvGrpSpPr>
+      <p:grpSpPr>
+        <a:xfrm>
+          <a:off x="0" y="0"/>
+          <a:ext cx="0" cy="0"/>
+          <a:chOff x="0" y="0"/>
+          <a:chExt cx="0" cy="0"/>
+        </a:xfrm>
+      </p:grpSpPr>
+      <p:sp>
+        <p:nvSpPr>
+          <p:cNvPr id="2" name="Titel 1">
+            <a:extLst>
+              <a:ext uri="{FF2B5EF4-FFF2-40B4-BE49-F238E27FC236}">
+                <a16:creationId xmlns:a16="http://schemas.microsoft.com/office/drawing/2014/main" id="{F5377215-176B-48F3-8EA7-0B8FD213D845}"/>
+              </a:ext>
+            </a:extLst>
+          </p:cNvPr>
+          <p:cNvSpPr>
+            <a:spLocks noGrp="1"/>
+          </p:cNvSpPr>
+          <p:nvPr>
+            <p:ph type="title"/>
+          </p:nvPr>
+        </p:nvSpPr>
+        <p:spPr/>
+        <p:txBody>
+          <a:bodyPr/>
+          <a:lstStyle/>
+          <a:p>
+            <a:r>
+              <a:rPr lang="en-GB" noProof="0" dirty="0"/>
+              <a:t>WPx: Tasks</a:t>
+            </a:r>
+          </a:p>
+        </p:txBody>
+      </p:sp>
+      <p:sp>
+        <p:nvSpPr>
+          <p:cNvPr id="3" name="Inhaltsplatzhalter 2">
+            <a:extLst>
+              <a:ext uri="{FF2B5EF4-FFF2-40B4-BE49-F238E27FC236}">
+                <a16:creationId xmlns:a16="http://schemas.microsoft.com/office/drawing/2014/main" id="{1183B957-FA14-425F-B6FF-2B7BC11621FC}"/>
+              </a:ext>
+            </a:extLst>
+          </p:cNvPr>
+          <p:cNvSpPr>
+            <a:spLocks noGrp="1"/>
+          </p:cNvSpPr>
+          <p:nvPr>
+            <p:ph idx="1"/>
+          </p:nvPr>
+        </p:nvSpPr>
+        <p:spPr/>
+        <p:txBody>
+          <a:bodyPr>
+            <a:normAutofit fontScale="70000" lnSpcReduction="20000"/>
+          </a:bodyPr>
+          <a:lstStyle/>
+          <a:p>
+            <a:r>
+              <a:rPr lang="en-GB" b="1" noProof="0" dirty="0" err="1"/>
+              <a:t>Tx.x</a:t>
+            </a:r>
+            <a:r>
+              <a:rPr lang="en-GB" b="1" noProof="0" dirty="0"/>
+              <a:t> </a:t>
+            </a:r>
+            <a:r>
+              <a:rPr lang="en-GB" noProof="0" dirty="0"/>
+              <a:t>Task name</a:t>
+            </a:r>
+          </a:p>
+          <a:p>
+            <a:pPr lvl="1"/>
+            <a:r>
+              <a:rPr lang="en-GB" noProof="0" dirty="0"/>
+              <a:t>…</a:t>
+            </a:r>
+          </a:p>
+          <a:p>
+            <a:pPr lvl="1"/>
+            <a:r>
+              <a:rPr lang="en-GB" noProof="0" dirty="0"/>
+              <a:t>…</a:t>
+            </a:r>
+          </a:p>
+          <a:p>
+            <a:pPr lvl="1"/>
+            <a:r>
+              <a:rPr lang="en-GB" noProof="0" dirty="0"/>
+              <a:t>…</a:t>
+            </a:r>
+          </a:p>
+          <a:p>
+            <a:pPr lvl="1"/>
+            <a:endParaRPr lang="en-GB" noProof="0" dirty="0"/>
+          </a:p>
+          <a:p>
+            <a:r>
+              <a:rPr lang="en-GB" b="1" noProof="0" dirty="0" err="1"/>
+              <a:t>Tx.x</a:t>
+            </a:r>
+            <a:r>
+              <a:rPr lang="en-GB" b="1" noProof="0" dirty="0"/>
+              <a:t> </a:t>
+            </a:r>
+            <a:r>
+              <a:rPr lang="en-GB" noProof="0" dirty="0"/>
+              <a:t>Task name</a:t>
+            </a:r>
+          </a:p>
+          <a:p>
+            <a:pPr lvl="1"/>
+            <a:r>
+              <a:rPr lang="en-GB" noProof="0" dirty="0"/>
+              <a:t>…</a:t>
+            </a:r>
+          </a:p>
+          <a:p>
+            <a:pPr lvl="1"/>
+            <a:r>
+              <a:rPr lang="en-GB" noProof="0" dirty="0"/>
+              <a:t>…</a:t>
+            </a:r>
+          </a:p>
+          <a:p>
+            <a:pPr lvl="1"/>
+            <a:r>
+              <a:rPr lang="en-GB" noProof="0" dirty="0"/>
+              <a:t>…</a:t>
+            </a:r>
+          </a:p>
+          <a:p>
+            <a:pPr lvl="1"/>
+            <a:endParaRPr lang="en-GB" dirty="0"/>
+          </a:p>
+          <a:p>
+            <a:r>
+              <a:rPr lang="en-GB" b="1" noProof="0" dirty="0" err="1"/>
+              <a:t>Tx.x</a:t>
+            </a:r>
+            <a:r>
+              <a:rPr lang="en-GB" b="1" noProof="0" dirty="0"/>
+              <a:t> </a:t>
+            </a:r>
+            <a:r>
+              <a:rPr lang="en-GB" noProof="0" dirty="0"/>
+              <a:t>Task name</a:t>
+            </a:r>
+          </a:p>
+          <a:p>
+            <a:pPr lvl="1"/>
+            <a:r>
+              <a:rPr lang="en-GB" noProof="0" dirty="0"/>
+              <a:t>…</a:t>
+            </a:r>
+          </a:p>
+          <a:p>
+            <a:pPr lvl="1"/>
+            <a:r>
+              <a:rPr lang="en-GB" noProof="0" dirty="0"/>
+              <a:t>…</a:t>
+            </a:r>
+          </a:p>
+          <a:p>
+            <a:pPr lvl="1"/>
+            <a:r>
+              <a:rPr lang="en-GB" noProof="0" dirty="0"/>
+              <a:t>…</a:t>
+            </a:r>
+          </a:p>
+        </p:txBody>
+      </p:sp>
+      <p:sp>
+        <p:nvSpPr>
+          <p:cNvPr id="4" name="Textplatzhalter 3">
+            <a:extLst>
+              <a:ext uri="{FF2B5EF4-FFF2-40B4-BE49-F238E27FC236}">
+                <a16:creationId xmlns:a16="http://schemas.microsoft.com/office/drawing/2014/main" id="{F09C4B38-D310-4ABD-9A5C-AC00DBE27798}"/>
+              </a:ext>
+            </a:extLst>
+          </p:cNvPr>
+          <p:cNvSpPr>
+            <a:spLocks noGrp="1"/>
+          </p:cNvSpPr>
+          <p:nvPr>
+            <p:ph type="body" sz="quarter" idx="13"/>
+          </p:nvPr>
+        </p:nvSpPr>
+        <p:spPr/>
+        <p:txBody>
+          <a:bodyPr/>
+          <a:lstStyle/>
+          <a:p>
+            <a:endParaRPr lang="en-GB" noProof="0" dirty="0"/>
+          </a:p>
+        </p:txBody>
+      </p:sp>
+      <p:sp>
+        <p:nvSpPr>
+          <p:cNvPr id="5" name="Fußzeilenplatzhalter 4">
+            <a:extLst>
+              <a:ext uri="{FF2B5EF4-FFF2-40B4-BE49-F238E27FC236}">
+                <a16:creationId xmlns:a16="http://schemas.microsoft.com/office/drawing/2014/main" id="{D4631D21-9318-4F00-B6EF-E32C3FF16647}"/>
+              </a:ext>
+            </a:extLst>
+          </p:cNvPr>
+          <p:cNvSpPr>
+            <a:spLocks noGrp="1"/>
+          </p:cNvSpPr>
+          <p:nvPr>
+            <p:ph type="ftr" sz="quarter" idx="3"/>
+          </p:nvPr>
+        </p:nvSpPr>
+        <p:spPr/>
+        <p:txBody>
+          <a:bodyPr/>
+          <a:lstStyle/>
+          <a:p>
+            <a:r>
+              <a:rPr lang="en-GB" dirty="0"/>
+              <a:t>Open Music Europe | WP Presentation</a:t>
+            </a:r>
+            <a:endParaRPr lang="en-GB" noProof="0" dirty="0"/>
+          </a:p>
+        </p:txBody>
+      </p:sp>
+      <p:sp>
+        <p:nvSpPr>
+          <p:cNvPr id="6" name="Foliennummernplatzhalter 5">
+            <a:extLst>
+              <a:ext uri="{FF2B5EF4-FFF2-40B4-BE49-F238E27FC236}">
+                <a16:creationId xmlns:a16="http://schemas.microsoft.com/office/drawing/2014/main" id="{608F9807-20B4-4C79-900A-9F9D4D93727C}"/>
+              </a:ext>
+            </a:extLst>
+          </p:cNvPr>
+          <p:cNvSpPr>
+            <a:spLocks noGrp="1"/>
+          </p:cNvSpPr>
+          <p:nvPr>
+            <p:ph type="sldNum" sz="quarter" idx="4"/>
+          </p:nvPr>
+        </p:nvSpPr>
+        <p:spPr/>
+        <p:txBody>
+          <a:bodyPr/>
+          <a:lstStyle/>
+          <a:p>
+            <a:fld id="{7D8F40E6-5147-4048-8648-74966E0AD208}" type="slidenum">
+              <a:rPr lang="en-GB" smtClean="0"/>
+              <a:pPr/>
+              <a:t>4</a:t>
+            </a:fld>
+            <a:endParaRPr lang="en-GB"/>
+          </a:p>
+        </p:txBody>
+      </p:sp>
+    </p:spTree>
+    <p:extLst>
+      <p:ext uri="{BB962C8B-B14F-4D97-AF65-F5344CB8AC3E}">
+        <p14:creationId xmlns:p14="http://schemas.microsoft.com/office/powerpoint/2010/main" val="2479974322"/>
       </p:ext>
     </p:extLst>
   </p:cSld>
@@ -29554,9 +29332,10 @@
           <a:lstStyle/>
           <a:p>
             <a:r>
-              <a:rPr lang="en-GB" noProof="0" dirty="0"/>
-              <a:t>WPx: Tasks</a:t>
-            </a:r>
+              <a:rPr lang="en-GB" noProof="0"/>
+              <a:t>WPx: Deliverables</a:t>
+            </a:r>
+            <a:endParaRPr lang="en-GB" noProof="0" dirty="0"/>
           </a:p>
         </p:txBody>
       </p:sp>
@@ -29584,116 +29363,105 @@
           <a:lstStyle/>
           <a:p>
             <a:r>
-              <a:rPr lang="en-GB" b="1" noProof="0" dirty="0" err="1"/>
-              <a:t>Tx.x</a:t>
-            </a:r>
-            <a:r>
-              <a:rPr lang="en-GB" b="1" noProof="0" dirty="0"/>
-              <a:t> </a:t>
-            </a:r>
-            <a:r>
-              <a:rPr lang="en-GB" noProof="0" dirty="0"/>
-              <a:t>Task name</a:t>
+              <a:rPr lang="en-GB" b="1" noProof="0"/>
+              <a:t>Dx.x </a:t>
+            </a:r>
+            <a:r>
+              <a:rPr lang="en-GB" noProof="0"/>
+              <a:t>Deliverable name</a:t>
             </a:r>
           </a:p>
           <a:p>
             <a:pPr lvl="1"/>
             <a:r>
-              <a:rPr lang="en-GB" noProof="0" dirty="0"/>
+              <a:rPr lang="en-GB" noProof="0"/>
               <a:t>…</a:t>
             </a:r>
           </a:p>
           <a:p>
             <a:pPr lvl="1"/>
             <a:r>
-              <a:rPr lang="en-GB" noProof="0" dirty="0"/>
+              <a:rPr lang="en-GB" noProof="0"/>
               <a:t>…</a:t>
             </a:r>
           </a:p>
           <a:p>
             <a:pPr lvl="1"/>
             <a:r>
-              <a:rPr lang="en-GB" noProof="0" dirty="0"/>
+              <a:rPr lang="en-GB" noProof="0"/>
               <a:t>…</a:t>
             </a:r>
           </a:p>
           <a:p>
             <a:pPr lvl="1"/>
+            <a:endParaRPr lang="en-GB" noProof="0"/>
+          </a:p>
+          <a:p>
+            <a:r>
+              <a:rPr lang="en-GB" b="1" noProof="0"/>
+              <a:t>Dx.x </a:t>
+            </a:r>
+            <a:r>
+              <a:rPr lang="en-GB" noProof="0"/>
+              <a:t>Deliverable name</a:t>
+            </a:r>
+          </a:p>
+          <a:p>
+            <a:pPr lvl="1"/>
+            <a:r>
+              <a:rPr lang="en-GB" noProof="0"/>
+              <a:t>…</a:t>
+            </a:r>
+          </a:p>
+          <a:p>
+            <a:pPr lvl="1"/>
+            <a:r>
+              <a:rPr lang="en-GB" noProof="0"/>
+              <a:t>…</a:t>
+            </a:r>
+          </a:p>
+          <a:p>
+            <a:pPr lvl="1"/>
+            <a:r>
+              <a:rPr lang="en-GB" noProof="0"/>
+              <a:t>…</a:t>
+            </a:r>
+          </a:p>
+          <a:p>
+            <a:pPr lvl="1"/>
+            <a:endParaRPr lang="en-GB"/>
+          </a:p>
+          <a:p>
+            <a:r>
+              <a:rPr lang="en-GB" b="1" noProof="0"/>
+              <a:t>Dx.x </a:t>
+            </a:r>
+            <a:r>
+              <a:rPr lang="en-GB" noProof="0"/>
+              <a:t>Deliverable name</a:t>
+            </a:r>
+          </a:p>
+          <a:p>
+            <a:pPr lvl="1"/>
+            <a:r>
+              <a:rPr lang="en-GB" noProof="0"/>
+              <a:t>…</a:t>
+            </a:r>
+          </a:p>
+          <a:p>
+            <a:pPr lvl="1"/>
+            <a:r>
+              <a:rPr lang="en-GB" noProof="0"/>
+              <a:t>…</a:t>
+            </a:r>
+          </a:p>
+          <a:p>
+            <a:pPr lvl="1"/>
+            <a:r>
+              <a:rPr lang="en-GB" noProof="0"/>
+              <a:t>…</a:t>
+            </a:r>
             <a:endParaRPr lang="en-GB" noProof="0" dirty="0"/>
-          </a:p>
-          <a:p>
-            <a:r>
-              <a:rPr lang="en-GB" b="1" noProof="0" dirty="0" err="1"/>
-              <a:t>Tx.x</a:t>
-            </a:r>
-            <a:r>
-              <a:rPr lang="en-GB" b="1" noProof="0" dirty="0"/>
-              <a:t> </a:t>
-            </a:r>
-            <a:r>
-              <a:rPr lang="en-GB" noProof="0" dirty="0"/>
-              <a:t>Task name</a:t>
-            </a:r>
-          </a:p>
-          <a:p>
-            <a:pPr lvl="1"/>
-            <a:r>
-              <a:rPr lang="en-GB" noProof="0" dirty="0"/>
-              <a:t>…</a:t>
-            </a:r>
-          </a:p>
-          <a:p>
-            <a:pPr lvl="1"/>
-            <a:r>
-              <a:rPr lang="en-GB" noProof="0" dirty="0"/>
-              <a:t>…</a:t>
-            </a:r>
-          </a:p>
-          <a:p>
-            <a:pPr lvl="1"/>
-            <a:r>
-              <a:rPr lang="en-GB" noProof="0" dirty="0"/>
-              <a:t>…</a:t>
-            </a:r>
-          </a:p>
-          <a:p>
-            <a:pPr lvl="1"/>
-            <a:endParaRPr lang="en-GB" dirty="0"/>
-          </a:p>
-          <a:p>
-            <a:r>
-              <a:rPr lang="en-GB" b="1" noProof="0" dirty="0" err="1"/>
-              <a:t>Tx.x</a:t>
-            </a:r>
-            <a:r>
-              <a:rPr lang="en-GB" b="1" noProof="0" dirty="0"/>
-              <a:t> </a:t>
-            </a:r>
-            <a:r>
-              <a:rPr lang="en-GB" noProof="0" dirty="0"/>
-              <a:t>Task name</a:t>
-            </a:r>
-          </a:p>
-          <a:p>
-            <a:pPr lvl="1"/>
-            <a:r>
-              <a:rPr lang="en-GB" noProof="0" dirty="0"/>
-              <a:t>…</a:t>
-            </a:r>
-          </a:p>
-          <a:p>
-            <a:pPr lvl="1"/>
-            <a:r>
-              <a:rPr lang="en-GB" noProof="0" dirty="0"/>
-              <a:t>…</a:t>
-            </a:r>
-          </a:p>
-          <a:p>
-            <a:pPr lvl="1"/>
-            <a:r>
-              <a:rPr lang="en-GB" noProof="0" dirty="0"/>
-              <a:t>…</a:t>
-            </a:r>
           </a:p>
         </p:txBody>
       </p:sp>
@@ -29784,7 +29552,7 @@
     </p:spTree>
     <p:extLst>
       <p:ext uri="{BB962C8B-B14F-4D97-AF65-F5344CB8AC3E}">
-        <p14:creationId xmlns:p14="http://schemas.microsoft.com/office/powerpoint/2010/main" val="2479974322"/>
+        <p14:creationId xmlns:p14="http://schemas.microsoft.com/office/powerpoint/2010/main" val="552356920"/>
       </p:ext>
     </p:extLst>
   </p:cSld>
@@ -29795,275 +29563,6 @@
 </file>
 
 <file path=ppt/slides/slide6.xml><?xml version="1.0" encoding="utf-8"?>
-<p:sld xmlns:a="http://schemas.openxmlformats.org/drawingml/2006/main" xmlns:r="http://schemas.openxmlformats.org/officeDocument/2006/relationships" xmlns:p="http://schemas.openxmlformats.org/presentationml/2006/main">
-  <p:cSld>
-    <p:spTree>
-      <p:nvGrpSpPr>
-        <p:cNvPr id="1" name=""/>
-        <p:cNvGrpSpPr/>
-        <p:nvPr/>
-      </p:nvGrpSpPr>
-      <p:grpSpPr>
-        <a:xfrm>
-          <a:off x="0" y="0"/>
-          <a:ext cx="0" cy="0"/>
-          <a:chOff x="0" y="0"/>
-          <a:chExt cx="0" cy="0"/>
-        </a:xfrm>
-      </p:grpSpPr>
-      <p:sp>
-        <p:nvSpPr>
-          <p:cNvPr id="2" name="Titel 1">
-            <a:extLst>
-              <a:ext uri="{FF2B5EF4-FFF2-40B4-BE49-F238E27FC236}">
-                <a16:creationId xmlns:a16="http://schemas.microsoft.com/office/drawing/2014/main" id="{F5377215-176B-48F3-8EA7-0B8FD213D845}"/>
-              </a:ext>
-            </a:extLst>
-          </p:cNvPr>
-          <p:cNvSpPr>
-            <a:spLocks noGrp="1"/>
-          </p:cNvSpPr>
-          <p:nvPr>
-            <p:ph type="title"/>
-          </p:nvPr>
-        </p:nvSpPr>
-        <p:spPr/>
-        <p:txBody>
-          <a:bodyPr/>
-          <a:lstStyle/>
-          <a:p>
-            <a:r>
-              <a:rPr lang="en-GB" noProof="0"/>
-              <a:t>WPx: Deliverables</a:t>
-            </a:r>
-            <a:endParaRPr lang="en-GB" noProof="0" dirty="0"/>
-          </a:p>
-        </p:txBody>
-      </p:sp>
-      <p:sp>
-        <p:nvSpPr>
-          <p:cNvPr id="3" name="Inhaltsplatzhalter 2">
-            <a:extLst>
-              <a:ext uri="{FF2B5EF4-FFF2-40B4-BE49-F238E27FC236}">
-                <a16:creationId xmlns:a16="http://schemas.microsoft.com/office/drawing/2014/main" id="{1183B957-FA14-425F-B6FF-2B7BC11621FC}"/>
-              </a:ext>
-            </a:extLst>
-          </p:cNvPr>
-          <p:cNvSpPr>
-            <a:spLocks noGrp="1"/>
-          </p:cNvSpPr>
-          <p:nvPr>
-            <p:ph idx="1"/>
-          </p:nvPr>
-        </p:nvSpPr>
-        <p:spPr/>
-        <p:txBody>
-          <a:bodyPr>
-            <a:normAutofit fontScale="70000" lnSpcReduction="20000"/>
-          </a:bodyPr>
-          <a:lstStyle/>
-          <a:p>
-            <a:r>
-              <a:rPr lang="en-GB" b="1" noProof="0"/>
-              <a:t>Dx.x </a:t>
-            </a:r>
-            <a:r>
-              <a:rPr lang="en-GB" noProof="0"/>
-              <a:t>Deliverable name</a:t>
-            </a:r>
-          </a:p>
-          <a:p>
-            <a:pPr lvl="1"/>
-            <a:r>
-              <a:rPr lang="en-GB" noProof="0"/>
-              <a:t>…</a:t>
-            </a:r>
-          </a:p>
-          <a:p>
-            <a:pPr lvl="1"/>
-            <a:r>
-              <a:rPr lang="en-GB" noProof="0"/>
-              <a:t>…</a:t>
-            </a:r>
-          </a:p>
-          <a:p>
-            <a:pPr lvl="1"/>
-            <a:r>
-              <a:rPr lang="en-GB" noProof="0"/>
-              <a:t>…</a:t>
-            </a:r>
-          </a:p>
-          <a:p>
-            <a:pPr lvl="1"/>
-            <a:endParaRPr lang="en-GB" noProof="0"/>
-          </a:p>
-          <a:p>
-            <a:r>
-              <a:rPr lang="en-GB" b="1" noProof="0"/>
-              <a:t>Dx.x </a:t>
-            </a:r>
-            <a:r>
-              <a:rPr lang="en-GB" noProof="0"/>
-              <a:t>Deliverable name</a:t>
-            </a:r>
-          </a:p>
-          <a:p>
-            <a:pPr lvl="1"/>
-            <a:r>
-              <a:rPr lang="en-GB" noProof="0"/>
-              <a:t>…</a:t>
-            </a:r>
-          </a:p>
-          <a:p>
-            <a:pPr lvl="1"/>
-            <a:r>
-              <a:rPr lang="en-GB" noProof="0"/>
-              <a:t>…</a:t>
-            </a:r>
-          </a:p>
-          <a:p>
-            <a:pPr lvl="1"/>
-            <a:r>
-              <a:rPr lang="en-GB" noProof="0"/>
-              <a:t>…</a:t>
-            </a:r>
-          </a:p>
-          <a:p>
-            <a:pPr lvl="1"/>
-            <a:endParaRPr lang="en-GB"/>
-          </a:p>
-          <a:p>
-            <a:r>
-              <a:rPr lang="en-GB" b="1" noProof="0"/>
-              <a:t>Dx.x </a:t>
-            </a:r>
-            <a:r>
-              <a:rPr lang="en-GB" noProof="0"/>
-              <a:t>Deliverable name</a:t>
-            </a:r>
-          </a:p>
-          <a:p>
-            <a:pPr lvl="1"/>
-            <a:r>
-              <a:rPr lang="en-GB" noProof="0"/>
-              <a:t>…</a:t>
-            </a:r>
-          </a:p>
-          <a:p>
-            <a:pPr lvl="1"/>
-            <a:r>
-              <a:rPr lang="en-GB" noProof="0"/>
-              <a:t>…</a:t>
-            </a:r>
-          </a:p>
-          <a:p>
-            <a:pPr lvl="1"/>
-            <a:r>
-              <a:rPr lang="en-GB" noProof="0"/>
-              <a:t>…</a:t>
-            </a:r>
-            <a:endParaRPr lang="en-GB" noProof="0" dirty="0"/>
-          </a:p>
-        </p:txBody>
-      </p:sp>
-      <p:sp>
-        <p:nvSpPr>
-          <p:cNvPr id="4" name="Textplatzhalter 3">
-            <a:extLst>
-              <a:ext uri="{FF2B5EF4-FFF2-40B4-BE49-F238E27FC236}">
-                <a16:creationId xmlns:a16="http://schemas.microsoft.com/office/drawing/2014/main" id="{F09C4B38-D310-4ABD-9A5C-AC00DBE27798}"/>
-              </a:ext>
-            </a:extLst>
-          </p:cNvPr>
-          <p:cNvSpPr>
-            <a:spLocks noGrp="1"/>
-          </p:cNvSpPr>
-          <p:nvPr>
-            <p:ph type="body" sz="quarter" idx="13"/>
-          </p:nvPr>
-        </p:nvSpPr>
-        <p:spPr/>
-        <p:txBody>
-          <a:bodyPr/>
-          <a:lstStyle/>
-          <a:p>
-            <a:endParaRPr lang="en-GB" noProof="0" dirty="0"/>
-          </a:p>
-        </p:txBody>
-      </p:sp>
-      <p:sp>
-        <p:nvSpPr>
-          <p:cNvPr id="5" name="Fußzeilenplatzhalter 4">
-            <a:extLst>
-              <a:ext uri="{FF2B5EF4-FFF2-40B4-BE49-F238E27FC236}">
-                <a16:creationId xmlns:a16="http://schemas.microsoft.com/office/drawing/2014/main" id="{D4631D21-9318-4F00-B6EF-E32C3FF16647}"/>
-              </a:ext>
-            </a:extLst>
-          </p:cNvPr>
-          <p:cNvSpPr>
-            <a:spLocks noGrp="1"/>
-          </p:cNvSpPr>
-          <p:nvPr>
-            <p:ph type="ftr" sz="quarter" idx="3"/>
-          </p:nvPr>
-        </p:nvSpPr>
-        <p:spPr/>
-        <p:txBody>
-          <a:bodyPr/>
-          <a:lstStyle/>
-          <a:p>
-            <a:r>
-              <a:rPr lang="en-GB" dirty="0"/>
-              <a:t>Open Music Europe | WP Presentation</a:t>
-            </a:r>
-            <a:endParaRPr lang="en-GB" noProof="0" dirty="0"/>
-          </a:p>
-        </p:txBody>
-      </p:sp>
-      <p:sp>
-        <p:nvSpPr>
-          <p:cNvPr id="6" name="Foliennummernplatzhalter 5">
-            <a:extLst>
-              <a:ext uri="{FF2B5EF4-FFF2-40B4-BE49-F238E27FC236}">
-                <a16:creationId xmlns:a16="http://schemas.microsoft.com/office/drawing/2014/main" id="{608F9807-20B4-4C79-900A-9F9D4D93727C}"/>
-              </a:ext>
-            </a:extLst>
-          </p:cNvPr>
-          <p:cNvSpPr>
-            <a:spLocks noGrp="1"/>
-          </p:cNvSpPr>
-          <p:nvPr>
-            <p:ph type="sldNum" sz="quarter" idx="4"/>
-          </p:nvPr>
-        </p:nvSpPr>
-        <p:spPr/>
-        <p:txBody>
-          <a:bodyPr/>
-          <a:lstStyle/>
-          <a:p>
-            <a:fld id="{7D8F40E6-5147-4048-8648-74966E0AD208}" type="slidenum">
-              <a:rPr lang="en-GB" smtClean="0"/>
-              <a:pPr/>
-              <a:t>6</a:t>
-            </a:fld>
-            <a:endParaRPr lang="en-GB"/>
-          </a:p>
-        </p:txBody>
-      </p:sp>
-    </p:spTree>
-    <p:extLst>
-      <p:ext uri="{BB962C8B-B14F-4D97-AF65-F5344CB8AC3E}">
-        <p14:creationId xmlns:p14="http://schemas.microsoft.com/office/powerpoint/2010/main" val="552356920"/>
-      </p:ext>
-    </p:extLst>
-  </p:cSld>
-  <p:clrMapOvr>
-    <a:masterClrMapping/>
-  </p:clrMapOvr>
-</p:sld>
-</file>
-
-<file path=ppt/slides/slide7.xml><?xml version="1.0" encoding="utf-8"?>
 <p:sld xmlns:a="http://schemas.openxmlformats.org/drawingml/2006/main" xmlns:r="http://schemas.openxmlformats.org/officeDocument/2006/relationships" xmlns:p="http://schemas.openxmlformats.org/presentationml/2006/main">
   <p:cSld>
     <p:spTree>
@@ -30189,7 +29688,7 @@
             <a:fld id="{7D8F40E6-5147-4048-8648-74966E0AD208}" type="slidenum">
               <a:rPr lang="en-GB" noProof="0" smtClean="0"/>
               <a:pPr/>
-              <a:t>7</a:t>
+              <a:t>6</a:t>
             </a:fld>
             <a:endParaRPr lang="en-GB" noProof="0"/>
           </a:p>
@@ -35046,7 +34545,7 @@
 </p:sld>
 </file>
 
-<file path=ppt/slides/slide8.xml><?xml version="1.0" encoding="utf-8"?>
+<file path=ppt/slides/slide7.xml><?xml version="1.0" encoding="utf-8"?>
 <p:sld xmlns:a="http://schemas.openxmlformats.org/drawingml/2006/main" xmlns:r="http://schemas.openxmlformats.org/officeDocument/2006/relationships" xmlns:p="http://schemas.openxmlformats.org/presentationml/2006/main">
   <p:cSld>
     <p:spTree>
@@ -35237,7 +34736,7 @@
             <a:fld id="{7D8F40E6-5147-4048-8648-74966E0AD208}" type="slidenum">
               <a:rPr lang="en-GB" smtClean="0"/>
               <a:pPr/>
-              <a:t>8</a:t>
+              <a:t>7</a:t>
             </a:fld>
             <a:endParaRPr lang="en-GB"/>
           </a:p>
@@ -35247,6 +34746,218 @@
     <p:extLst>
       <p:ext uri="{BB962C8B-B14F-4D97-AF65-F5344CB8AC3E}">
         <p14:creationId xmlns:p14="http://schemas.microsoft.com/office/powerpoint/2010/main" val="2663977535"/>
+      </p:ext>
+    </p:extLst>
+  </p:cSld>
+  <p:clrMapOvr>
+    <a:masterClrMapping/>
+  </p:clrMapOvr>
+</p:sld>
+</file>
+
+<file path=ppt/slides/slide8.xml><?xml version="1.0" encoding="utf-8"?>
+<p:sld xmlns:a="http://schemas.openxmlformats.org/drawingml/2006/main" xmlns:r="http://schemas.openxmlformats.org/officeDocument/2006/relationships" xmlns:p="http://schemas.openxmlformats.org/presentationml/2006/main">
+  <p:cSld>
+    <p:spTree>
+      <p:nvGrpSpPr>
+        <p:cNvPr id="1" name=""/>
+        <p:cNvGrpSpPr/>
+        <p:nvPr/>
+      </p:nvGrpSpPr>
+      <p:grpSpPr>
+        <a:xfrm>
+          <a:off x="0" y="0"/>
+          <a:ext cx="0" cy="0"/>
+          <a:chOff x="0" y="0"/>
+          <a:chExt cx="0" cy="0"/>
+        </a:xfrm>
+      </p:grpSpPr>
+      <p:sp>
+        <p:nvSpPr>
+          <p:cNvPr id="2" name="Titel 1">
+            <a:extLst>
+              <a:ext uri="{FF2B5EF4-FFF2-40B4-BE49-F238E27FC236}">
+                <a16:creationId xmlns:a16="http://schemas.microsoft.com/office/drawing/2014/main" id="{F5377215-176B-48F3-8EA7-0B8FD213D845}"/>
+              </a:ext>
+            </a:extLst>
+          </p:cNvPr>
+          <p:cNvSpPr>
+            <a:spLocks noGrp="1"/>
+          </p:cNvSpPr>
+          <p:nvPr>
+            <p:ph type="title"/>
+          </p:nvPr>
+        </p:nvSpPr>
+        <p:spPr/>
+        <p:txBody>
+          <a:bodyPr>
+            <a:noAutofit/>
+          </a:bodyPr>
+          <a:lstStyle/>
+          <a:p>
+            <a:r>
+              <a:rPr lang="en-GB" sz="3200" noProof="0" dirty="0" err="1"/>
+              <a:t>WPx</a:t>
+            </a:r>
+            <a:r>
+              <a:rPr lang="en-GB" sz="3200" noProof="0" dirty="0"/>
+              <a:t>: Existing know how and resources in our organisation</a:t>
+            </a:r>
+          </a:p>
+        </p:txBody>
+      </p:sp>
+      <p:sp>
+        <p:nvSpPr>
+          <p:cNvPr id="3" name="Inhaltsplatzhalter 2">
+            <a:extLst>
+              <a:ext uri="{FF2B5EF4-FFF2-40B4-BE49-F238E27FC236}">
+                <a16:creationId xmlns:a16="http://schemas.microsoft.com/office/drawing/2014/main" id="{1183B957-FA14-425F-B6FF-2B7BC11621FC}"/>
+              </a:ext>
+            </a:extLst>
+          </p:cNvPr>
+          <p:cNvSpPr>
+            <a:spLocks noGrp="1"/>
+          </p:cNvSpPr>
+          <p:nvPr>
+            <p:ph idx="1"/>
+          </p:nvPr>
+        </p:nvSpPr>
+        <p:spPr/>
+        <p:txBody>
+          <a:bodyPr>
+            <a:normAutofit/>
+          </a:bodyPr>
+          <a:lstStyle/>
+          <a:p>
+            <a:r>
+              <a:rPr lang="en-GB" dirty="0" err="1"/>
+              <a:t>xxxxxxxxxxxx</a:t>
+            </a:r>
+            <a:endParaRPr lang="en-GB" dirty="0"/>
+          </a:p>
+          <a:p>
+            <a:endParaRPr lang="en-GB" noProof="0" dirty="0"/>
+          </a:p>
+          <a:p>
+            <a:r>
+              <a:rPr lang="en-GB" dirty="0" err="1"/>
+              <a:t>xxxxxxxxxxxxxxx</a:t>
+            </a:r>
+            <a:endParaRPr lang="en-GB" dirty="0"/>
+          </a:p>
+          <a:p>
+            <a:endParaRPr lang="en-GB" noProof="0" dirty="0"/>
+          </a:p>
+          <a:p>
+            <a:r>
+              <a:rPr lang="en-GB" dirty="0" err="1"/>
+              <a:t>xxxxxxxxxxxxxxxx</a:t>
+            </a:r>
+            <a:endParaRPr lang="en-GB" dirty="0"/>
+          </a:p>
+          <a:p>
+            <a:endParaRPr lang="en-GB" noProof="0" dirty="0"/>
+          </a:p>
+          <a:p>
+            <a:r>
+              <a:rPr lang="en-GB" noProof="0" dirty="0" err="1"/>
+              <a:t>xxxxxxxxxxx</a:t>
+            </a:r>
+            <a:endParaRPr lang="en-GB" noProof="0" dirty="0"/>
+          </a:p>
+          <a:p>
+            <a:endParaRPr lang="en-GB" noProof="0" dirty="0"/>
+          </a:p>
+        </p:txBody>
+      </p:sp>
+      <p:sp>
+        <p:nvSpPr>
+          <p:cNvPr id="4" name="Textplatzhalter 3">
+            <a:extLst>
+              <a:ext uri="{FF2B5EF4-FFF2-40B4-BE49-F238E27FC236}">
+                <a16:creationId xmlns:a16="http://schemas.microsoft.com/office/drawing/2014/main" id="{F09C4B38-D310-4ABD-9A5C-AC00DBE27798}"/>
+              </a:ext>
+            </a:extLst>
+          </p:cNvPr>
+          <p:cNvSpPr>
+            <a:spLocks noGrp="1"/>
+          </p:cNvSpPr>
+          <p:nvPr>
+            <p:ph type="body" sz="quarter" idx="13"/>
+          </p:nvPr>
+        </p:nvSpPr>
+        <p:spPr/>
+        <p:txBody>
+          <a:bodyPr/>
+          <a:lstStyle/>
+          <a:p>
+            <a:endParaRPr lang="en-GB" noProof="0" dirty="0"/>
+          </a:p>
+        </p:txBody>
+      </p:sp>
+      <p:sp>
+        <p:nvSpPr>
+          <p:cNvPr id="5" name="Fußzeilenplatzhalter 4">
+            <a:extLst>
+              <a:ext uri="{FF2B5EF4-FFF2-40B4-BE49-F238E27FC236}">
+                <a16:creationId xmlns:a16="http://schemas.microsoft.com/office/drawing/2014/main" id="{D4631D21-9318-4F00-B6EF-E32C3FF16647}"/>
+              </a:ext>
+            </a:extLst>
+          </p:cNvPr>
+          <p:cNvSpPr>
+            <a:spLocks noGrp="1"/>
+          </p:cNvSpPr>
+          <p:nvPr>
+            <p:ph type="ftr" sz="quarter" idx="3"/>
+          </p:nvPr>
+        </p:nvSpPr>
+        <p:spPr/>
+        <p:txBody>
+          <a:bodyPr/>
+          <a:lstStyle/>
+          <a:p>
+            <a:r>
+              <a:rPr lang="en-GB" dirty="0"/>
+              <a:t>Open Music Europe | WP Presentation</a:t>
+            </a:r>
+            <a:endParaRPr lang="en-GB" noProof="0" dirty="0"/>
+          </a:p>
+        </p:txBody>
+      </p:sp>
+      <p:sp>
+        <p:nvSpPr>
+          <p:cNvPr id="6" name="Foliennummernplatzhalter 5">
+            <a:extLst>
+              <a:ext uri="{FF2B5EF4-FFF2-40B4-BE49-F238E27FC236}">
+                <a16:creationId xmlns:a16="http://schemas.microsoft.com/office/drawing/2014/main" id="{608F9807-20B4-4C79-900A-9F9D4D93727C}"/>
+              </a:ext>
+            </a:extLst>
+          </p:cNvPr>
+          <p:cNvSpPr>
+            <a:spLocks noGrp="1"/>
+          </p:cNvSpPr>
+          <p:nvPr>
+            <p:ph type="sldNum" sz="quarter" idx="4"/>
+          </p:nvPr>
+        </p:nvSpPr>
+        <p:spPr/>
+        <p:txBody>
+          <a:bodyPr/>
+          <a:lstStyle/>
+          <a:p>
+            <a:fld id="{7D8F40E6-5147-4048-8648-74966E0AD208}" type="slidenum">
+              <a:rPr lang="en-GB" smtClean="0"/>
+              <a:pPr/>
+              <a:t>8</a:t>
+            </a:fld>
+            <a:endParaRPr lang="en-GB"/>
+          </a:p>
+        </p:txBody>
+      </p:sp>
+    </p:spTree>
+    <p:extLst>
+      <p:ext uri="{BB962C8B-B14F-4D97-AF65-F5344CB8AC3E}">
+        <p14:creationId xmlns:p14="http://schemas.microsoft.com/office/powerpoint/2010/main" val="2558926011"/>
       </p:ext>
     </p:extLst>
   </p:cSld>
@@ -35291,18 +35002,16 @@
         </p:nvSpPr>
         <p:spPr/>
         <p:txBody>
-          <a:bodyPr>
-            <a:noAutofit/>
-          </a:bodyPr>
+          <a:bodyPr/>
           <a:lstStyle/>
           <a:p>
             <a:r>
-              <a:rPr lang="en-GB" sz="3200" noProof="0" dirty="0" err="1"/>
+              <a:rPr lang="en-GB" noProof="0" dirty="0" err="1"/>
               <a:t>WPx</a:t>
             </a:r>
             <a:r>
-              <a:rPr lang="en-GB" sz="3200" noProof="0" dirty="0"/>
-              <a:t>: Existing know how and resources in our organisation</a:t>
+              <a:rPr lang="en-GB" noProof="0" dirty="0"/>
+              <a:t>: Challenges</a:t>
             </a:r>
           </a:p>
         </p:txBody>
@@ -35458,7 +35167,7 @@
     </p:spTree>
     <p:extLst>
       <p:ext uri="{BB962C8B-B14F-4D97-AF65-F5344CB8AC3E}">
-        <p14:creationId xmlns:p14="http://schemas.microsoft.com/office/powerpoint/2010/main" val="2558926011"/>
+        <p14:creationId xmlns:p14="http://schemas.microsoft.com/office/powerpoint/2010/main" val="582868087"/>
       </p:ext>
     </p:extLst>
   </p:cSld>
